--- a/icons/design.pptx
+++ b/icons/design.pptx
@@ -6,6 +6,8 @@
   </p:sldMasterIdLst>
   <p:sldIdLst>
     <p:sldId id="256" r:id="rId2"/>
+    <p:sldId id="257" r:id="rId3"/>
+    <p:sldId id="258" r:id="rId4"/>
   </p:sldIdLst>
   <p:sldSz cx="12192000" cy="6858000"/>
   <p:notesSz cx="6858000" cy="9144000"/>
@@ -259,7 +261,7 @@
           <a:p>
             <a:fld id="{6849CF1A-D644-4858-B821-0E546EBFCF60}" type="datetimeFigureOut">
               <a:rPr lang="zh-CN" altLang="en-US" smtClean="0"/>
-              <a:t>2019/6/27</a:t>
+              <a:t>2019/6/28</a:t>
             </a:fld>
             <a:endParaRPr lang="zh-CN" altLang="en-US"/>
           </a:p>
@@ -457,7 +459,7 @@
           <a:p>
             <a:fld id="{6849CF1A-D644-4858-B821-0E546EBFCF60}" type="datetimeFigureOut">
               <a:rPr lang="zh-CN" altLang="en-US" smtClean="0"/>
-              <a:t>2019/6/27</a:t>
+              <a:t>2019/6/28</a:t>
             </a:fld>
             <a:endParaRPr lang="zh-CN" altLang="en-US"/>
           </a:p>
@@ -665,7 +667,7 @@
           <a:p>
             <a:fld id="{6849CF1A-D644-4858-B821-0E546EBFCF60}" type="datetimeFigureOut">
               <a:rPr lang="zh-CN" altLang="en-US" smtClean="0"/>
-              <a:t>2019/6/27</a:t>
+              <a:t>2019/6/28</a:t>
             </a:fld>
             <a:endParaRPr lang="zh-CN" altLang="en-US"/>
           </a:p>
@@ -863,7 +865,7 @@
           <a:p>
             <a:fld id="{6849CF1A-D644-4858-B821-0E546EBFCF60}" type="datetimeFigureOut">
               <a:rPr lang="zh-CN" altLang="en-US" smtClean="0"/>
-              <a:t>2019/6/27</a:t>
+              <a:t>2019/6/28</a:t>
             </a:fld>
             <a:endParaRPr lang="zh-CN" altLang="en-US"/>
           </a:p>
@@ -1138,7 +1140,7 @@
           <a:p>
             <a:fld id="{6849CF1A-D644-4858-B821-0E546EBFCF60}" type="datetimeFigureOut">
               <a:rPr lang="zh-CN" altLang="en-US" smtClean="0"/>
-              <a:t>2019/6/27</a:t>
+              <a:t>2019/6/28</a:t>
             </a:fld>
             <a:endParaRPr lang="zh-CN" altLang="en-US"/>
           </a:p>
@@ -1403,7 +1405,7 @@
           <a:p>
             <a:fld id="{6849CF1A-D644-4858-B821-0E546EBFCF60}" type="datetimeFigureOut">
               <a:rPr lang="zh-CN" altLang="en-US" smtClean="0"/>
-              <a:t>2019/6/27</a:t>
+              <a:t>2019/6/28</a:t>
             </a:fld>
             <a:endParaRPr lang="zh-CN" altLang="en-US"/>
           </a:p>
@@ -1815,7 +1817,7 @@
           <a:p>
             <a:fld id="{6849CF1A-D644-4858-B821-0E546EBFCF60}" type="datetimeFigureOut">
               <a:rPr lang="zh-CN" altLang="en-US" smtClean="0"/>
-              <a:t>2019/6/27</a:t>
+              <a:t>2019/6/28</a:t>
             </a:fld>
             <a:endParaRPr lang="zh-CN" altLang="en-US"/>
           </a:p>
@@ -1956,7 +1958,7 @@
           <a:p>
             <a:fld id="{6849CF1A-D644-4858-B821-0E546EBFCF60}" type="datetimeFigureOut">
               <a:rPr lang="zh-CN" altLang="en-US" smtClean="0"/>
-              <a:t>2019/6/27</a:t>
+              <a:t>2019/6/28</a:t>
             </a:fld>
             <a:endParaRPr lang="zh-CN" altLang="en-US"/>
           </a:p>
@@ -2069,7 +2071,7 @@
           <a:p>
             <a:fld id="{6849CF1A-D644-4858-B821-0E546EBFCF60}" type="datetimeFigureOut">
               <a:rPr lang="zh-CN" altLang="en-US" smtClean="0"/>
-              <a:t>2019/6/27</a:t>
+              <a:t>2019/6/28</a:t>
             </a:fld>
             <a:endParaRPr lang="zh-CN" altLang="en-US"/>
           </a:p>
@@ -2380,7 +2382,7 @@
           <a:p>
             <a:fld id="{6849CF1A-D644-4858-B821-0E546EBFCF60}" type="datetimeFigureOut">
               <a:rPr lang="zh-CN" altLang="en-US" smtClean="0"/>
-              <a:t>2019/6/27</a:t>
+              <a:t>2019/6/28</a:t>
             </a:fld>
             <a:endParaRPr lang="zh-CN" altLang="en-US"/>
           </a:p>
@@ -2668,7 +2670,7 @@
           <a:p>
             <a:fld id="{6849CF1A-D644-4858-B821-0E546EBFCF60}" type="datetimeFigureOut">
               <a:rPr lang="zh-CN" altLang="en-US" smtClean="0"/>
-              <a:t>2019/6/27</a:t>
+              <a:t>2019/6/28</a:t>
             </a:fld>
             <a:endParaRPr lang="zh-CN" altLang="en-US"/>
           </a:p>
@@ -2909,7 +2911,7 @@
           <a:p>
             <a:fld id="{6849CF1A-D644-4858-B821-0E546EBFCF60}" type="datetimeFigureOut">
               <a:rPr lang="zh-CN" altLang="en-US" smtClean="0"/>
-              <a:t>2019/6/27</a:t>
+              <a:t>2019/6/28</a:t>
             </a:fld>
             <a:endParaRPr lang="zh-CN" altLang="en-US"/>
           </a:p>
@@ -7712,7 +7714,15 @@
             <a:lstStyle/>
             <a:p>
               <a:pPr algn="ctr"/>
-              <a:endParaRPr lang="zh-CN" altLang="en-US"/>
+              <a:endParaRPr lang="zh-CN" altLang="en-US">
+                <a:effectLst>
+                  <a:outerShdw blurRad="38100" dist="38100" dir="2700000" algn="tl">
+                    <a:srgbClr val="000000">
+                      <a:alpha val="43137"/>
+                    </a:srgbClr>
+                  </a:outerShdw>
+                </a:effectLst>
+              </a:endParaRPr>
             </a:p>
           </p:txBody>
         </p:sp>
@@ -7876,7 +7886,15 @@
               <a:lstStyle/>
               <a:p>
                 <a:pPr algn="ctr"/>
-                <a:endParaRPr lang="zh-CN" altLang="en-US"/>
+                <a:endParaRPr lang="zh-CN" altLang="en-US">
+                  <a:effectLst>
+                    <a:outerShdw blurRad="38100" dist="38100" dir="2700000" algn="tl">
+                      <a:srgbClr val="000000">
+                        <a:alpha val="43137"/>
+                      </a:srgbClr>
+                    </a:outerShdw>
+                  </a:effectLst>
+                </a:endParaRPr>
               </a:p>
             </p:txBody>
           </p:sp>
@@ -8150,7 +8168,15 @@
               <a:lstStyle/>
               <a:p>
                 <a:pPr algn="ctr"/>
-                <a:endParaRPr lang="zh-CN" altLang="en-US"/>
+                <a:endParaRPr lang="zh-CN" altLang="en-US">
+                  <a:effectLst>
+                    <a:outerShdw blurRad="38100" dist="38100" dir="2700000" algn="tl">
+                      <a:srgbClr val="000000">
+                        <a:alpha val="43137"/>
+                      </a:srgbClr>
+                    </a:outerShdw>
+                  </a:effectLst>
+                </a:endParaRPr>
               </a:p>
             </p:txBody>
           </p:sp>
@@ -8248,7 +8274,15 @@
               <a:lstStyle/>
               <a:p>
                 <a:pPr algn="ctr"/>
-                <a:endParaRPr lang="zh-CN" altLang="en-US"/>
+                <a:endParaRPr lang="zh-CN" altLang="en-US">
+                  <a:effectLst>
+                    <a:outerShdw blurRad="38100" dist="38100" dir="2700000" algn="tl">
+                      <a:srgbClr val="000000">
+                        <a:alpha val="43137"/>
+                      </a:srgbClr>
+                    </a:outerShdw>
+                  </a:effectLst>
+                </a:endParaRPr>
               </a:p>
             </p:txBody>
           </p:sp>
@@ -8306,6 +8340,7177 @@
               <a:lstStyle/>
               <a:p>
                 <a:pPr algn="ctr"/>
+                <a:endParaRPr lang="zh-CN" altLang="en-US">
+                  <a:effectLst>
+                    <a:outerShdw blurRad="38100" dist="38100" dir="2700000" algn="tl">
+                      <a:srgbClr val="000000">
+                        <a:alpha val="43137"/>
+                      </a:srgbClr>
+                    </a:outerShdw>
+                  </a:effectLst>
+                </a:endParaRPr>
+              </a:p>
+            </p:txBody>
+          </p:sp>
+        </p:grpSp>
+      </p:grpSp>
+      <p:sp>
+        <p:nvSpPr>
+          <p:cNvPr id="74" name="椭圆 73">
+            <a:extLst>
+              <a:ext uri="{FF2B5EF4-FFF2-40B4-BE49-F238E27FC236}">
+                <a16:creationId xmlns:a16="http://schemas.microsoft.com/office/drawing/2014/main" id="{D4720E38-A76F-4518-A8B0-4717BB7040DC}"/>
+              </a:ext>
+            </a:extLst>
+          </p:cNvPr>
+          <p:cNvSpPr/>
+          <p:nvPr/>
+        </p:nvSpPr>
+        <p:spPr>
+          <a:xfrm>
+            <a:off x="1684147" y="2927578"/>
+            <a:ext cx="1440000" cy="1440000"/>
+          </a:xfrm>
+          <a:prstGeom prst="ellipse">
+            <a:avLst/>
+          </a:prstGeom>
+          <a:solidFill>
+            <a:schemeClr val="bg1"/>
+          </a:solidFill>
+          <a:ln>
+            <a:noFill/>
+          </a:ln>
+        </p:spPr>
+        <p:style>
+          <a:lnRef idx="2">
+            <a:schemeClr val="accent1">
+              <a:shade val="50000"/>
+            </a:schemeClr>
+          </a:lnRef>
+          <a:fillRef idx="1">
+            <a:schemeClr val="accent1"/>
+          </a:fillRef>
+          <a:effectRef idx="0">
+            <a:schemeClr val="accent1"/>
+          </a:effectRef>
+          <a:fontRef idx="minor">
+            <a:schemeClr val="lt1"/>
+          </a:fontRef>
+        </p:style>
+        <p:txBody>
+          <a:bodyPr rtlCol="0" anchor="ctr"/>
+          <a:lstStyle/>
+          <a:p>
+            <a:pPr algn="ctr"/>
+            <a:endParaRPr lang="zh-CN" altLang="en-US"/>
+          </a:p>
+        </p:txBody>
+      </p:sp>
+      <p:grpSp>
+        <p:nvGrpSpPr>
+          <p:cNvPr id="76" name="组合 75">
+            <a:extLst>
+              <a:ext uri="{FF2B5EF4-FFF2-40B4-BE49-F238E27FC236}">
+                <a16:creationId xmlns:a16="http://schemas.microsoft.com/office/drawing/2014/main" id="{946148CD-6E4B-4177-A940-99944B8ED602}"/>
+              </a:ext>
+            </a:extLst>
+          </p:cNvPr>
+          <p:cNvGrpSpPr/>
+          <p:nvPr/>
+        </p:nvGrpSpPr>
+        <p:grpSpPr>
+          <a:xfrm rot="1727044">
+            <a:off x="2146235" y="3057346"/>
+            <a:ext cx="534954" cy="1211179"/>
+            <a:chOff x="6992662" y="1309861"/>
+            <a:chExt cx="534954" cy="1211179"/>
+          </a:xfrm>
+        </p:grpSpPr>
+        <p:sp>
+          <p:nvSpPr>
+            <p:cNvPr id="77" name="任意多边形: 形状 76">
+              <a:extLst>
+                <a:ext uri="{FF2B5EF4-FFF2-40B4-BE49-F238E27FC236}">
+                  <a16:creationId xmlns:a16="http://schemas.microsoft.com/office/drawing/2014/main" id="{C2086154-9AA5-4FED-A6D6-1EB9CDB9BA67}"/>
+                </a:ext>
+              </a:extLst>
+            </p:cNvPr>
+            <p:cNvSpPr/>
+            <p:nvPr/>
+          </p:nvSpPr>
+          <p:spPr>
+            <a:xfrm flipV="1">
+              <a:off x="7217627" y="2193396"/>
+              <a:ext cx="95044" cy="327644"/>
+            </a:xfrm>
+            <a:custGeom>
+              <a:avLst/>
+              <a:gdLst>
+                <a:gd name="connsiteX0" fmla="*/ 0 w 95044"/>
+                <a:gd name="connsiteY0" fmla="*/ 327644 h 327644"/>
+                <a:gd name="connsiteX1" fmla="*/ 95043 w 95044"/>
+                <a:gd name="connsiteY1" fmla="*/ 327644 h 327644"/>
+                <a:gd name="connsiteX2" fmla="*/ 95043 w 95044"/>
+                <a:gd name="connsiteY2" fmla="*/ 54554 h 327644"/>
+                <a:gd name="connsiteX3" fmla="*/ 94566 w 95044"/>
+                <a:gd name="connsiteY3" fmla="*/ 54554 h 327644"/>
+                <a:gd name="connsiteX4" fmla="*/ 95044 w 95044"/>
+                <a:gd name="connsiteY4" fmla="*/ 51966 h 327644"/>
+                <a:gd name="connsiteX5" fmla="*/ 47522 w 95044"/>
+                <a:gd name="connsiteY5" fmla="*/ 0 h 327644"/>
+                <a:gd name="connsiteX6" fmla="*/ 0 w 95044"/>
+                <a:gd name="connsiteY6" fmla="*/ 51966 h 327644"/>
+                <a:gd name="connsiteX7" fmla="*/ 478 w 95044"/>
+                <a:gd name="connsiteY7" fmla="*/ 54554 h 327644"/>
+                <a:gd name="connsiteX8" fmla="*/ 0 w 95044"/>
+                <a:gd name="connsiteY8" fmla="*/ 54554 h 327644"/>
+              </a:gdLst>
+              <a:ahLst/>
+              <a:cxnLst>
+                <a:cxn ang="0">
+                  <a:pos x="connsiteX0" y="connsiteY0"/>
+                </a:cxn>
+                <a:cxn ang="0">
+                  <a:pos x="connsiteX1" y="connsiteY1"/>
+                </a:cxn>
+                <a:cxn ang="0">
+                  <a:pos x="connsiteX2" y="connsiteY2"/>
+                </a:cxn>
+                <a:cxn ang="0">
+                  <a:pos x="connsiteX3" y="connsiteY3"/>
+                </a:cxn>
+                <a:cxn ang="0">
+                  <a:pos x="connsiteX4" y="connsiteY4"/>
+                </a:cxn>
+                <a:cxn ang="0">
+                  <a:pos x="connsiteX5" y="connsiteY5"/>
+                </a:cxn>
+                <a:cxn ang="0">
+                  <a:pos x="connsiteX6" y="connsiteY6"/>
+                </a:cxn>
+                <a:cxn ang="0">
+                  <a:pos x="connsiteX7" y="connsiteY7"/>
+                </a:cxn>
+                <a:cxn ang="0">
+                  <a:pos x="connsiteX8" y="connsiteY8"/>
+                </a:cxn>
+              </a:cxnLst>
+              <a:rect l="l" t="t" r="r" b="b"/>
+              <a:pathLst>
+                <a:path w="95044" h="327644">
+                  <a:moveTo>
+                    <a:pt x="0" y="327644"/>
+                  </a:moveTo>
+                  <a:lnTo>
+                    <a:pt x="95043" y="327644"/>
+                  </a:lnTo>
+                  <a:lnTo>
+                    <a:pt x="95043" y="54554"/>
+                  </a:lnTo>
+                  <a:lnTo>
+                    <a:pt x="94566" y="54554"/>
+                  </a:lnTo>
+                  <a:lnTo>
+                    <a:pt x="95044" y="51966"/>
+                  </a:lnTo>
+                  <a:cubicBezTo>
+                    <a:pt x="95044" y="23266"/>
+                    <a:pt x="73768" y="0"/>
+                    <a:pt x="47522" y="0"/>
+                  </a:cubicBezTo>
+                  <a:cubicBezTo>
+                    <a:pt x="21276" y="0"/>
+                    <a:pt x="0" y="23266"/>
+                    <a:pt x="0" y="51966"/>
+                  </a:cubicBezTo>
+                  <a:lnTo>
+                    <a:pt x="478" y="54554"/>
+                  </a:lnTo>
+                  <a:lnTo>
+                    <a:pt x="0" y="54554"/>
+                  </a:lnTo>
+                  <a:close/>
+                </a:path>
+              </a:pathLst>
+            </a:custGeom>
+            <a:solidFill>
+              <a:srgbClr val="2D2D30"/>
+            </a:solidFill>
+            <a:ln>
+              <a:noFill/>
+            </a:ln>
+            <a:effectLst/>
+          </p:spPr>
+          <p:style>
+            <a:lnRef idx="2">
+              <a:schemeClr val="accent1">
+                <a:shade val="50000"/>
+              </a:schemeClr>
+            </a:lnRef>
+            <a:fillRef idx="1">
+              <a:schemeClr val="accent1"/>
+            </a:fillRef>
+            <a:effectRef idx="0">
+              <a:schemeClr val="accent1"/>
+            </a:effectRef>
+            <a:fontRef idx="minor">
+              <a:schemeClr val="lt1"/>
+            </a:fontRef>
+          </p:style>
+          <p:txBody>
+            <a:bodyPr wrap="square" rtlCol="0" anchor="ctr">
+              <a:noAutofit/>
+            </a:bodyPr>
+            <a:lstStyle/>
+            <a:p>
+              <a:pPr algn="ctr"/>
+              <a:endParaRPr lang="zh-CN" altLang="en-US"/>
+            </a:p>
+          </p:txBody>
+        </p:sp>
+        <p:sp>
+          <p:nvSpPr>
+            <p:cNvPr id="78" name="矩形: 圆角 9">
+              <a:extLst>
+                <a:ext uri="{FF2B5EF4-FFF2-40B4-BE49-F238E27FC236}">
+                  <a16:creationId xmlns:a16="http://schemas.microsoft.com/office/drawing/2014/main" id="{1C4C8EF7-FB60-4A97-BB0B-707DA3E378CF}"/>
+                </a:ext>
+              </a:extLst>
+            </p:cNvPr>
+            <p:cNvSpPr/>
+            <p:nvPr/>
+          </p:nvSpPr>
+          <p:spPr>
+            <a:xfrm>
+              <a:off x="6992662" y="1309861"/>
+              <a:ext cx="534954" cy="883535"/>
+            </a:xfrm>
+            <a:custGeom>
+              <a:avLst/>
+              <a:gdLst>
+                <a:gd name="connsiteX0" fmla="*/ 0 w 534954"/>
+                <a:gd name="connsiteY0" fmla="*/ 267477 h 900000"/>
+                <a:gd name="connsiteX1" fmla="*/ 267477 w 534954"/>
+                <a:gd name="connsiteY1" fmla="*/ 0 h 900000"/>
+                <a:gd name="connsiteX2" fmla="*/ 267477 w 534954"/>
+                <a:gd name="connsiteY2" fmla="*/ 0 h 900000"/>
+                <a:gd name="connsiteX3" fmla="*/ 534954 w 534954"/>
+                <a:gd name="connsiteY3" fmla="*/ 267477 h 900000"/>
+                <a:gd name="connsiteX4" fmla="*/ 534954 w 534954"/>
+                <a:gd name="connsiteY4" fmla="*/ 632523 h 900000"/>
+                <a:gd name="connsiteX5" fmla="*/ 267477 w 534954"/>
+                <a:gd name="connsiteY5" fmla="*/ 900000 h 900000"/>
+                <a:gd name="connsiteX6" fmla="*/ 267477 w 534954"/>
+                <a:gd name="connsiteY6" fmla="*/ 900000 h 900000"/>
+                <a:gd name="connsiteX7" fmla="*/ 0 w 534954"/>
+                <a:gd name="connsiteY7" fmla="*/ 632523 h 900000"/>
+                <a:gd name="connsiteX8" fmla="*/ 0 w 534954"/>
+                <a:gd name="connsiteY8" fmla="*/ 267477 h 900000"/>
+                <a:gd name="connsiteX0" fmla="*/ 0 w 534954"/>
+                <a:gd name="connsiteY0" fmla="*/ 267477 h 900000"/>
+                <a:gd name="connsiteX1" fmla="*/ 267477 w 534954"/>
+                <a:gd name="connsiteY1" fmla="*/ 0 h 900000"/>
+                <a:gd name="connsiteX2" fmla="*/ 267477 w 534954"/>
+                <a:gd name="connsiteY2" fmla="*/ 0 h 900000"/>
+                <a:gd name="connsiteX3" fmla="*/ 534954 w 534954"/>
+                <a:gd name="connsiteY3" fmla="*/ 267477 h 900000"/>
+                <a:gd name="connsiteX4" fmla="*/ 534954 w 534954"/>
+                <a:gd name="connsiteY4" fmla="*/ 632523 h 900000"/>
+                <a:gd name="connsiteX5" fmla="*/ 267477 w 534954"/>
+                <a:gd name="connsiteY5" fmla="*/ 900000 h 900000"/>
+                <a:gd name="connsiteX6" fmla="*/ 267477 w 534954"/>
+                <a:gd name="connsiteY6" fmla="*/ 900000 h 900000"/>
+                <a:gd name="connsiteX7" fmla="*/ 0 w 534954"/>
+                <a:gd name="connsiteY7" fmla="*/ 632523 h 900000"/>
+                <a:gd name="connsiteX8" fmla="*/ 0 w 534954"/>
+                <a:gd name="connsiteY8" fmla="*/ 267477 h 900000"/>
+                <a:gd name="connsiteX0" fmla="*/ 0 w 534954"/>
+                <a:gd name="connsiteY0" fmla="*/ 267477 h 900000"/>
+                <a:gd name="connsiteX1" fmla="*/ 267477 w 534954"/>
+                <a:gd name="connsiteY1" fmla="*/ 0 h 900000"/>
+                <a:gd name="connsiteX2" fmla="*/ 267477 w 534954"/>
+                <a:gd name="connsiteY2" fmla="*/ 0 h 900000"/>
+                <a:gd name="connsiteX3" fmla="*/ 534954 w 534954"/>
+                <a:gd name="connsiteY3" fmla="*/ 267477 h 900000"/>
+                <a:gd name="connsiteX4" fmla="*/ 534954 w 534954"/>
+                <a:gd name="connsiteY4" fmla="*/ 632523 h 900000"/>
+                <a:gd name="connsiteX5" fmla="*/ 267477 w 534954"/>
+                <a:gd name="connsiteY5" fmla="*/ 900000 h 900000"/>
+                <a:gd name="connsiteX6" fmla="*/ 267477 w 534954"/>
+                <a:gd name="connsiteY6" fmla="*/ 900000 h 900000"/>
+                <a:gd name="connsiteX7" fmla="*/ 0 w 534954"/>
+                <a:gd name="connsiteY7" fmla="*/ 632523 h 900000"/>
+                <a:gd name="connsiteX8" fmla="*/ 0 w 534954"/>
+                <a:gd name="connsiteY8" fmla="*/ 267477 h 900000"/>
+                <a:gd name="connsiteX0" fmla="*/ 0 w 534954"/>
+                <a:gd name="connsiteY0" fmla="*/ 267477 h 900000"/>
+                <a:gd name="connsiteX1" fmla="*/ 267477 w 534954"/>
+                <a:gd name="connsiteY1" fmla="*/ 0 h 900000"/>
+                <a:gd name="connsiteX2" fmla="*/ 267477 w 534954"/>
+                <a:gd name="connsiteY2" fmla="*/ 0 h 900000"/>
+                <a:gd name="connsiteX3" fmla="*/ 534954 w 534954"/>
+                <a:gd name="connsiteY3" fmla="*/ 267477 h 900000"/>
+                <a:gd name="connsiteX4" fmla="*/ 534954 w 534954"/>
+                <a:gd name="connsiteY4" fmla="*/ 632523 h 900000"/>
+                <a:gd name="connsiteX5" fmla="*/ 267477 w 534954"/>
+                <a:gd name="connsiteY5" fmla="*/ 900000 h 900000"/>
+                <a:gd name="connsiteX6" fmla="*/ 267477 w 534954"/>
+                <a:gd name="connsiteY6" fmla="*/ 900000 h 900000"/>
+                <a:gd name="connsiteX7" fmla="*/ 0 w 534954"/>
+                <a:gd name="connsiteY7" fmla="*/ 632523 h 900000"/>
+                <a:gd name="connsiteX8" fmla="*/ 0 w 534954"/>
+                <a:gd name="connsiteY8" fmla="*/ 267477 h 900000"/>
+                <a:gd name="connsiteX0" fmla="*/ 0 w 534954"/>
+                <a:gd name="connsiteY0" fmla="*/ 267477 h 900000"/>
+                <a:gd name="connsiteX1" fmla="*/ 267477 w 534954"/>
+                <a:gd name="connsiteY1" fmla="*/ 0 h 900000"/>
+                <a:gd name="connsiteX2" fmla="*/ 267477 w 534954"/>
+                <a:gd name="connsiteY2" fmla="*/ 0 h 900000"/>
+                <a:gd name="connsiteX3" fmla="*/ 534954 w 534954"/>
+                <a:gd name="connsiteY3" fmla="*/ 267477 h 900000"/>
+                <a:gd name="connsiteX4" fmla="*/ 534954 w 534954"/>
+                <a:gd name="connsiteY4" fmla="*/ 632523 h 900000"/>
+                <a:gd name="connsiteX5" fmla="*/ 267477 w 534954"/>
+                <a:gd name="connsiteY5" fmla="*/ 900000 h 900000"/>
+                <a:gd name="connsiteX6" fmla="*/ 267477 w 534954"/>
+                <a:gd name="connsiteY6" fmla="*/ 900000 h 900000"/>
+                <a:gd name="connsiteX7" fmla="*/ 0 w 534954"/>
+                <a:gd name="connsiteY7" fmla="*/ 632523 h 900000"/>
+                <a:gd name="connsiteX8" fmla="*/ 0 w 534954"/>
+                <a:gd name="connsiteY8" fmla="*/ 267477 h 900000"/>
+                <a:gd name="connsiteX0" fmla="*/ 0 w 534954"/>
+                <a:gd name="connsiteY0" fmla="*/ 267477 h 900000"/>
+                <a:gd name="connsiteX1" fmla="*/ 267477 w 534954"/>
+                <a:gd name="connsiteY1" fmla="*/ 0 h 900000"/>
+                <a:gd name="connsiteX2" fmla="*/ 267477 w 534954"/>
+                <a:gd name="connsiteY2" fmla="*/ 0 h 900000"/>
+                <a:gd name="connsiteX3" fmla="*/ 534954 w 534954"/>
+                <a:gd name="connsiteY3" fmla="*/ 267477 h 900000"/>
+                <a:gd name="connsiteX4" fmla="*/ 534954 w 534954"/>
+                <a:gd name="connsiteY4" fmla="*/ 632523 h 900000"/>
+                <a:gd name="connsiteX5" fmla="*/ 267477 w 534954"/>
+                <a:gd name="connsiteY5" fmla="*/ 900000 h 900000"/>
+                <a:gd name="connsiteX6" fmla="*/ 0 w 534954"/>
+                <a:gd name="connsiteY6" fmla="*/ 632523 h 900000"/>
+                <a:gd name="connsiteX7" fmla="*/ 0 w 534954"/>
+                <a:gd name="connsiteY7" fmla="*/ 267477 h 900000"/>
+                <a:gd name="connsiteX0" fmla="*/ 0 w 534954"/>
+                <a:gd name="connsiteY0" fmla="*/ 267477 h 632523"/>
+                <a:gd name="connsiteX1" fmla="*/ 267477 w 534954"/>
+                <a:gd name="connsiteY1" fmla="*/ 0 h 632523"/>
+                <a:gd name="connsiteX2" fmla="*/ 267477 w 534954"/>
+                <a:gd name="connsiteY2" fmla="*/ 0 h 632523"/>
+                <a:gd name="connsiteX3" fmla="*/ 534954 w 534954"/>
+                <a:gd name="connsiteY3" fmla="*/ 267477 h 632523"/>
+                <a:gd name="connsiteX4" fmla="*/ 534954 w 534954"/>
+                <a:gd name="connsiteY4" fmla="*/ 632523 h 632523"/>
+                <a:gd name="connsiteX5" fmla="*/ 0 w 534954"/>
+                <a:gd name="connsiteY5" fmla="*/ 632523 h 632523"/>
+                <a:gd name="connsiteX6" fmla="*/ 0 w 534954"/>
+                <a:gd name="connsiteY6" fmla="*/ 267477 h 632523"/>
+                <a:gd name="connsiteX0" fmla="*/ 0 w 534954"/>
+                <a:gd name="connsiteY0" fmla="*/ 267477 h 632523"/>
+                <a:gd name="connsiteX1" fmla="*/ 267477 w 534954"/>
+                <a:gd name="connsiteY1" fmla="*/ 0 h 632523"/>
+                <a:gd name="connsiteX2" fmla="*/ 267477 w 534954"/>
+                <a:gd name="connsiteY2" fmla="*/ 0 h 632523"/>
+                <a:gd name="connsiteX3" fmla="*/ 534954 w 534954"/>
+                <a:gd name="connsiteY3" fmla="*/ 267477 h 632523"/>
+                <a:gd name="connsiteX4" fmla="*/ 534954 w 534954"/>
+                <a:gd name="connsiteY4" fmla="*/ 632523 h 632523"/>
+                <a:gd name="connsiteX5" fmla="*/ 0 w 534954"/>
+                <a:gd name="connsiteY5" fmla="*/ 632523 h 632523"/>
+                <a:gd name="connsiteX6" fmla="*/ 0 w 534954"/>
+                <a:gd name="connsiteY6" fmla="*/ 267477 h 632523"/>
+                <a:gd name="connsiteX0" fmla="*/ 0 w 534954"/>
+                <a:gd name="connsiteY0" fmla="*/ 267477 h 883535"/>
+                <a:gd name="connsiteX1" fmla="*/ 267477 w 534954"/>
+                <a:gd name="connsiteY1" fmla="*/ 0 h 883535"/>
+                <a:gd name="connsiteX2" fmla="*/ 267477 w 534954"/>
+                <a:gd name="connsiteY2" fmla="*/ 0 h 883535"/>
+                <a:gd name="connsiteX3" fmla="*/ 534954 w 534954"/>
+                <a:gd name="connsiteY3" fmla="*/ 267477 h 883535"/>
+                <a:gd name="connsiteX4" fmla="*/ 534954 w 534954"/>
+                <a:gd name="connsiteY4" fmla="*/ 632523 h 883535"/>
+                <a:gd name="connsiteX5" fmla="*/ 0 w 534954"/>
+                <a:gd name="connsiteY5" fmla="*/ 883535 h 883535"/>
+                <a:gd name="connsiteX6" fmla="*/ 0 w 534954"/>
+                <a:gd name="connsiteY6" fmla="*/ 267477 h 883535"/>
+                <a:gd name="connsiteX0" fmla="*/ 0 w 534954"/>
+                <a:gd name="connsiteY0" fmla="*/ 267477 h 883535"/>
+                <a:gd name="connsiteX1" fmla="*/ 267477 w 534954"/>
+                <a:gd name="connsiteY1" fmla="*/ 0 h 883535"/>
+                <a:gd name="connsiteX2" fmla="*/ 267477 w 534954"/>
+                <a:gd name="connsiteY2" fmla="*/ 0 h 883535"/>
+                <a:gd name="connsiteX3" fmla="*/ 534954 w 534954"/>
+                <a:gd name="connsiteY3" fmla="*/ 267477 h 883535"/>
+                <a:gd name="connsiteX4" fmla="*/ 530472 w 534954"/>
+                <a:gd name="connsiteY4" fmla="*/ 883535 h 883535"/>
+                <a:gd name="connsiteX5" fmla="*/ 0 w 534954"/>
+                <a:gd name="connsiteY5" fmla="*/ 883535 h 883535"/>
+                <a:gd name="connsiteX6" fmla="*/ 0 w 534954"/>
+                <a:gd name="connsiteY6" fmla="*/ 267477 h 883535"/>
+              </a:gdLst>
+              <a:ahLst/>
+              <a:cxnLst>
+                <a:cxn ang="0">
+                  <a:pos x="connsiteX0" y="connsiteY0"/>
+                </a:cxn>
+                <a:cxn ang="0">
+                  <a:pos x="connsiteX1" y="connsiteY1"/>
+                </a:cxn>
+                <a:cxn ang="0">
+                  <a:pos x="connsiteX2" y="connsiteY2"/>
+                </a:cxn>
+                <a:cxn ang="0">
+                  <a:pos x="connsiteX3" y="connsiteY3"/>
+                </a:cxn>
+                <a:cxn ang="0">
+                  <a:pos x="connsiteX4" y="connsiteY4"/>
+                </a:cxn>
+                <a:cxn ang="0">
+                  <a:pos x="connsiteX5" y="connsiteY5"/>
+                </a:cxn>
+                <a:cxn ang="0">
+                  <a:pos x="connsiteX6" y="connsiteY6"/>
+                </a:cxn>
+              </a:cxnLst>
+              <a:rect l="l" t="t" r="r" b="b"/>
+              <a:pathLst>
+                <a:path w="534954" h="883535">
+                  <a:moveTo>
+                    <a:pt x="0" y="267477"/>
+                  </a:moveTo>
+                  <a:cubicBezTo>
+                    <a:pt x="0" y="119754"/>
+                    <a:pt x="119754" y="0"/>
+                    <a:pt x="267477" y="0"/>
+                  </a:cubicBezTo>
+                  <a:lnTo>
+                    <a:pt x="267477" y="0"/>
+                  </a:lnTo>
+                  <a:cubicBezTo>
+                    <a:pt x="415200" y="0"/>
+                    <a:pt x="534954" y="119754"/>
+                    <a:pt x="534954" y="267477"/>
+                  </a:cubicBezTo>
+                  <a:lnTo>
+                    <a:pt x="530472" y="883535"/>
+                  </a:lnTo>
+                  <a:lnTo>
+                    <a:pt x="0" y="883535"/>
+                  </a:lnTo>
+                  <a:lnTo>
+                    <a:pt x="0" y="267477"/>
+                  </a:lnTo>
+                  <a:close/>
+                </a:path>
+              </a:pathLst>
+            </a:custGeom>
+            <a:solidFill>
+              <a:srgbClr val="2D2D30">
+                <a:alpha val="80000"/>
+              </a:srgbClr>
+            </a:solidFill>
+            <a:ln>
+              <a:noFill/>
+            </a:ln>
+            <a:effectLst/>
+          </p:spPr>
+          <p:style>
+            <a:lnRef idx="2">
+              <a:schemeClr val="accent1">
+                <a:shade val="50000"/>
+              </a:schemeClr>
+            </a:lnRef>
+            <a:fillRef idx="1">
+              <a:schemeClr val="accent1"/>
+            </a:fillRef>
+            <a:effectRef idx="0">
+              <a:schemeClr val="accent1"/>
+            </a:effectRef>
+            <a:fontRef idx="minor">
+              <a:schemeClr val="lt1"/>
+            </a:fontRef>
+          </p:style>
+          <p:txBody>
+            <a:bodyPr rtlCol="0" anchor="ctr"/>
+            <a:lstStyle/>
+            <a:p>
+              <a:pPr algn="ctr"/>
+              <a:endParaRPr lang="zh-CN" altLang="en-US"/>
+            </a:p>
+          </p:txBody>
+        </p:sp>
+        <p:sp>
+          <p:nvSpPr>
+            <p:cNvPr id="79" name="任意多边形: 形状 78">
+              <a:extLst>
+                <a:ext uri="{FF2B5EF4-FFF2-40B4-BE49-F238E27FC236}">
+                  <a16:creationId xmlns:a16="http://schemas.microsoft.com/office/drawing/2014/main" id="{951520C0-F66C-4079-8437-8A85596E1E84}"/>
+                </a:ext>
+              </a:extLst>
+            </p:cNvPr>
+            <p:cNvSpPr/>
+            <p:nvPr/>
+          </p:nvSpPr>
+          <p:spPr>
+            <a:xfrm>
+              <a:off x="6992662" y="1715341"/>
+              <a:ext cx="532928" cy="478055"/>
+            </a:xfrm>
+            <a:custGeom>
+              <a:avLst/>
+              <a:gdLst>
+                <a:gd name="connsiteX0" fmla="*/ 0 w 532928"/>
+                <a:gd name="connsiteY0" fmla="*/ 0 h 478055"/>
+                <a:gd name="connsiteX1" fmla="*/ 532928 w 532928"/>
+                <a:gd name="connsiteY1" fmla="*/ 140520 h 478055"/>
+                <a:gd name="connsiteX2" fmla="*/ 530472 w 532928"/>
+                <a:gd name="connsiteY2" fmla="*/ 478055 h 478055"/>
+                <a:gd name="connsiteX3" fmla="*/ 0 w 532928"/>
+                <a:gd name="connsiteY3" fmla="*/ 478055 h 478055"/>
+              </a:gdLst>
+              <a:ahLst/>
+              <a:cxnLst>
+                <a:cxn ang="0">
+                  <a:pos x="connsiteX0" y="connsiteY0"/>
+                </a:cxn>
+                <a:cxn ang="0">
+                  <a:pos x="connsiteX1" y="connsiteY1"/>
+                </a:cxn>
+                <a:cxn ang="0">
+                  <a:pos x="connsiteX2" y="connsiteY2"/>
+                </a:cxn>
+                <a:cxn ang="0">
+                  <a:pos x="connsiteX3" y="connsiteY3"/>
+                </a:cxn>
+              </a:cxnLst>
+              <a:rect l="l" t="t" r="r" b="b"/>
+              <a:pathLst>
+                <a:path w="532928" h="478055">
+                  <a:moveTo>
+                    <a:pt x="0" y="0"/>
+                  </a:moveTo>
+                  <a:lnTo>
+                    <a:pt x="532928" y="140520"/>
+                  </a:lnTo>
+                  <a:lnTo>
+                    <a:pt x="530472" y="478055"/>
+                  </a:lnTo>
+                  <a:lnTo>
+                    <a:pt x="0" y="478055"/>
+                  </a:lnTo>
+                  <a:close/>
+                </a:path>
+              </a:pathLst>
+            </a:custGeom>
+            <a:solidFill>
+              <a:schemeClr val="bg1">
+                <a:alpha val="10000"/>
+              </a:schemeClr>
+            </a:solidFill>
+            <a:ln>
+              <a:noFill/>
+            </a:ln>
+            <a:effectLst/>
+          </p:spPr>
+          <p:style>
+            <a:lnRef idx="2">
+              <a:schemeClr val="accent1">
+                <a:shade val="50000"/>
+              </a:schemeClr>
+            </a:lnRef>
+            <a:fillRef idx="1">
+              <a:schemeClr val="accent1"/>
+            </a:fillRef>
+            <a:effectRef idx="0">
+              <a:schemeClr val="accent1"/>
+            </a:effectRef>
+            <a:fontRef idx="minor">
+              <a:schemeClr val="lt1"/>
+            </a:fontRef>
+          </p:style>
+          <p:txBody>
+            <a:bodyPr wrap="square" rtlCol="0" anchor="ctr">
+              <a:noAutofit/>
+            </a:bodyPr>
+            <a:lstStyle/>
+            <a:p>
+              <a:pPr algn="ctr"/>
+              <a:endParaRPr lang="zh-CN" altLang="en-US"/>
+            </a:p>
+          </p:txBody>
+        </p:sp>
+        <p:sp>
+          <p:nvSpPr>
+            <p:cNvPr id="80" name="矩形: 圆角 79">
+              <a:extLst>
+                <a:ext uri="{FF2B5EF4-FFF2-40B4-BE49-F238E27FC236}">
+                  <a16:creationId xmlns:a16="http://schemas.microsoft.com/office/drawing/2014/main" id="{0676D3E6-41B1-4EF9-9A3A-C3C287394C18}"/>
+                </a:ext>
+              </a:extLst>
+            </p:cNvPr>
+            <p:cNvSpPr>
+              <a:spLocks noChangeAspect="1"/>
+            </p:cNvSpPr>
+            <p:nvPr/>
+          </p:nvSpPr>
+          <p:spPr>
+            <a:xfrm rot="7916071">
+              <a:off x="7053927" y="1749040"/>
+              <a:ext cx="402400" cy="82800"/>
+            </a:xfrm>
+            <a:prstGeom prst="roundRect">
+              <a:avLst>
+                <a:gd name="adj" fmla="val 50000"/>
+              </a:avLst>
+            </a:prstGeom>
+            <a:solidFill>
+              <a:schemeClr val="bg1"/>
+            </a:solidFill>
+            <a:ln>
+              <a:noFill/>
+            </a:ln>
+          </p:spPr>
+          <p:style>
+            <a:lnRef idx="2">
+              <a:schemeClr val="accent1">
+                <a:shade val="50000"/>
+              </a:schemeClr>
+            </a:lnRef>
+            <a:fillRef idx="1">
+              <a:schemeClr val="accent1"/>
+            </a:fillRef>
+            <a:effectRef idx="0">
+              <a:schemeClr val="accent1"/>
+            </a:effectRef>
+            <a:fontRef idx="minor">
+              <a:schemeClr val="lt1"/>
+            </a:fontRef>
+          </p:style>
+          <p:txBody>
+            <a:bodyPr rtlCol="0" anchor="ctr"/>
+            <a:lstStyle/>
+            <a:p>
+              <a:pPr algn="ctr"/>
+              <a:endParaRPr lang="zh-CN" altLang="en-US"/>
+            </a:p>
+          </p:txBody>
+        </p:sp>
+      </p:grpSp>
+      <p:sp>
+        <p:nvSpPr>
+          <p:cNvPr id="73" name="矩形 72">
+            <a:extLst>
+              <a:ext uri="{FF2B5EF4-FFF2-40B4-BE49-F238E27FC236}">
+                <a16:creationId xmlns:a16="http://schemas.microsoft.com/office/drawing/2014/main" id="{824B8C2B-E322-4978-A235-2AEFAF09A8D9}"/>
+              </a:ext>
+            </a:extLst>
+          </p:cNvPr>
+          <p:cNvSpPr/>
+          <p:nvPr/>
+        </p:nvSpPr>
+        <p:spPr>
+          <a:xfrm>
+            <a:off x="5502303" y="4786685"/>
+            <a:ext cx="3252083" cy="971564"/>
+          </a:xfrm>
+          <a:prstGeom prst="rect">
+            <a:avLst/>
+          </a:prstGeom>
+          <a:solidFill>
+            <a:srgbClr val="2D2D30"/>
+          </a:solidFill>
+          <a:ln>
+            <a:noFill/>
+          </a:ln>
+          <a:effectLst/>
+        </p:spPr>
+        <p:style>
+          <a:lnRef idx="2">
+            <a:schemeClr val="accent1">
+              <a:shade val="50000"/>
+            </a:schemeClr>
+          </a:lnRef>
+          <a:fillRef idx="1">
+            <a:schemeClr val="accent1"/>
+          </a:fillRef>
+          <a:effectRef idx="0">
+            <a:schemeClr val="accent1"/>
+          </a:effectRef>
+          <a:fontRef idx="minor">
+            <a:schemeClr val="lt1"/>
+          </a:fontRef>
+        </p:style>
+        <p:txBody>
+          <a:bodyPr rtlCol="0" anchor="ctr"/>
+          <a:lstStyle/>
+          <a:p>
+            <a:pPr algn="ctr"/>
+            <a:endParaRPr lang="zh-CN" altLang="en-US"/>
+          </a:p>
+        </p:txBody>
+      </p:sp>
+      <p:grpSp>
+        <p:nvGrpSpPr>
+          <p:cNvPr id="75" name="组合 74">
+            <a:extLst>
+              <a:ext uri="{FF2B5EF4-FFF2-40B4-BE49-F238E27FC236}">
+                <a16:creationId xmlns:a16="http://schemas.microsoft.com/office/drawing/2014/main" id="{5746B906-4C67-4910-A81B-238C2A327F4E}"/>
+              </a:ext>
+            </a:extLst>
+          </p:cNvPr>
+          <p:cNvGrpSpPr>
+            <a:grpSpLocks noChangeAspect="1"/>
+          </p:cNvGrpSpPr>
+          <p:nvPr/>
+        </p:nvGrpSpPr>
+        <p:grpSpPr>
+          <a:xfrm>
+            <a:off x="6074047" y="5092467"/>
+            <a:ext cx="2108593" cy="360000"/>
+            <a:chOff x="5732187" y="4946707"/>
+            <a:chExt cx="3493151" cy="596386"/>
+          </a:xfrm>
+        </p:grpSpPr>
+        <p:sp>
+          <p:nvSpPr>
+            <p:cNvPr id="81" name="文本框 80">
+              <a:extLst>
+                <a:ext uri="{FF2B5EF4-FFF2-40B4-BE49-F238E27FC236}">
+                  <a16:creationId xmlns:a16="http://schemas.microsoft.com/office/drawing/2014/main" id="{7E4F9DFE-19B6-4F75-9401-98F13F5D5725}"/>
+                </a:ext>
+              </a:extLst>
+            </p:cNvPr>
+            <p:cNvSpPr txBox="1"/>
+            <p:nvPr/>
+          </p:nvSpPr>
+          <p:spPr>
+            <a:xfrm>
+              <a:off x="6469379" y="5010257"/>
+              <a:ext cx="2755959" cy="509872"/>
+            </a:xfrm>
+            <a:prstGeom prst="rect">
+              <a:avLst/>
+            </a:prstGeom>
+            <a:noFill/>
+          </p:spPr>
+          <p:txBody>
+            <a:bodyPr wrap="none" rtlCol="0">
+              <a:spAutoFit/>
+            </a:bodyPr>
+            <a:lstStyle/>
+            <a:p>
+              <a:r>
+                <a:rPr lang="en-US" altLang="zh-CN" sz="1400" dirty="0">
+                  <a:solidFill>
+                    <a:srgbClr val="00B0F0"/>
+                  </a:solidFill>
+                  <a:latin typeface="微软雅黑" panose="020B0503020204020204" pitchFamily="34" charset="-122"/>
+                  <a:ea typeface="微软雅黑" panose="020B0503020204020204" pitchFamily="34" charset="-122"/>
+                </a:rPr>
+                <a:t>DRAG</a:t>
+              </a:r>
+              <a:r>
+                <a:rPr lang="en-US" altLang="zh-CN" sz="1400" dirty="0">
+                  <a:solidFill>
+                    <a:schemeClr val="bg1"/>
+                  </a:solidFill>
+                  <a:latin typeface="微软雅黑" panose="020B0503020204020204" pitchFamily="34" charset="-122"/>
+                  <a:ea typeface="微软雅黑" panose="020B0503020204020204" pitchFamily="34" charset="-122"/>
+                </a:rPr>
+                <a:t>CONTROLS</a:t>
+              </a:r>
+              <a:endParaRPr lang="zh-CN" altLang="en-US" sz="1400" dirty="0">
+                <a:solidFill>
+                  <a:schemeClr val="bg1"/>
+                </a:solidFill>
+                <a:latin typeface="微软雅黑" panose="020B0503020204020204" pitchFamily="34" charset="-122"/>
+                <a:ea typeface="微软雅黑" panose="020B0503020204020204" pitchFamily="34" charset="-122"/>
+              </a:endParaRPr>
+            </a:p>
+          </p:txBody>
+        </p:sp>
+        <p:grpSp>
+          <p:nvGrpSpPr>
+            <p:cNvPr id="82" name="组合 81">
+              <a:extLst>
+                <a:ext uri="{FF2B5EF4-FFF2-40B4-BE49-F238E27FC236}">
+                  <a16:creationId xmlns:a16="http://schemas.microsoft.com/office/drawing/2014/main" id="{CFA60CE4-EE80-432F-9C2E-11532FFC3B1A}"/>
+                </a:ext>
+              </a:extLst>
+            </p:cNvPr>
+            <p:cNvGrpSpPr/>
+            <p:nvPr/>
+          </p:nvGrpSpPr>
+          <p:grpSpPr>
+            <a:xfrm>
+              <a:off x="5732187" y="4946707"/>
+              <a:ext cx="569387" cy="596386"/>
+              <a:chOff x="1056339" y="4700263"/>
+              <a:chExt cx="1440000" cy="1440000"/>
+            </a:xfrm>
+          </p:grpSpPr>
+          <p:sp>
+            <p:nvSpPr>
+              <p:cNvPr id="83" name="椭圆 82">
+                <a:extLst>
+                  <a:ext uri="{FF2B5EF4-FFF2-40B4-BE49-F238E27FC236}">
+                    <a16:creationId xmlns:a16="http://schemas.microsoft.com/office/drawing/2014/main" id="{78459AF7-BB77-47A5-9C1B-FB1F08D3703E}"/>
+                  </a:ext>
+                </a:extLst>
+              </p:cNvPr>
+              <p:cNvSpPr/>
+              <p:nvPr/>
+            </p:nvSpPr>
+            <p:spPr>
+              <a:xfrm>
+                <a:off x="1056339" y="4700263"/>
+                <a:ext cx="1440000" cy="1440000"/>
+              </a:xfrm>
+              <a:prstGeom prst="ellipse">
+                <a:avLst/>
+              </a:prstGeom>
+              <a:solidFill>
+                <a:schemeClr val="bg1"/>
+              </a:solidFill>
+              <a:ln>
+                <a:noFill/>
+              </a:ln>
+            </p:spPr>
+            <p:style>
+              <a:lnRef idx="2">
+                <a:schemeClr val="accent1">
+                  <a:shade val="50000"/>
+                </a:schemeClr>
+              </a:lnRef>
+              <a:fillRef idx="1">
+                <a:schemeClr val="accent1"/>
+              </a:fillRef>
+              <a:effectRef idx="0">
+                <a:schemeClr val="accent1"/>
+              </a:effectRef>
+              <a:fontRef idx="minor">
+                <a:schemeClr val="lt1"/>
+              </a:fontRef>
+            </p:style>
+            <p:txBody>
+              <a:bodyPr rtlCol="0" anchor="ctr"/>
+              <a:lstStyle/>
+              <a:p>
+                <a:pPr algn="ctr"/>
+                <a:endParaRPr lang="zh-CN" altLang="en-US"/>
+              </a:p>
+            </p:txBody>
+          </p:sp>
+          <p:grpSp>
+            <p:nvGrpSpPr>
+              <p:cNvPr id="84" name="组合 83">
+                <a:extLst>
+                  <a:ext uri="{FF2B5EF4-FFF2-40B4-BE49-F238E27FC236}">
+                    <a16:creationId xmlns:a16="http://schemas.microsoft.com/office/drawing/2014/main" id="{4426106E-7AA7-4DCC-9ED1-9285BE37319A}"/>
+                  </a:ext>
+                </a:extLst>
+              </p:cNvPr>
+              <p:cNvGrpSpPr/>
+              <p:nvPr/>
+            </p:nvGrpSpPr>
+            <p:grpSpPr>
+              <a:xfrm rot="1727044">
+                <a:off x="1518427" y="4830031"/>
+                <a:ext cx="534954" cy="1211179"/>
+                <a:chOff x="6992662" y="1309861"/>
+                <a:chExt cx="534954" cy="1211179"/>
+              </a:xfrm>
+            </p:grpSpPr>
+            <p:sp>
+              <p:nvSpPr>
+                <p:cNvPr id="85" name="任意多边形: 形状 84">
+                  <a:extLst>
+                    <a:ext uri="{FF2B5EF4-FFF2-40B4-BE49-F238E27FC236}">
+                      <a16:creationId xmlns:a16="http://schemas.microsoft.com/office/drawing/2014/main" id="{275B11F2-B315-4CE2-8D99-7441F26C8241}"/>
+                    </a:ext>
+                  </a:extLst>
+                </p:cNvPr>
+                <p:cNvSpPr/>
+                <p:nvPr/>
+              </p:nvSpPr>
+              <p:spPr>
+                <a:xfrm flipV="1">
+                  <a:off x="7217627" y="2193396"/>
+                  <a:ext cx="95044" cy="327644"/>
+                </a:xfrm>
+                <a:custGeom>
+                  <a:avLst/>
+                  <a:gdLst>
+                    <a:gd name="connsiteX0" fmla="*/ 0 w 95044"/>
+                    <a:gd name="connsiteY0" fmla="*/ 327644 h 327644"/>
+                    <a:gd name="connsiteX1" fmla="*/ 95043 w 95044"/>
+                    <a:gd name="connsiteY1" fmla="*/ 327644 h 327644"/>
+                    <a:gd name="connsiteX2" fmla="*/ 95043 w 95044"/>
+                    <a:gd name="connsiteY2" fmla="*/ 54554 h 327644"/>
+                    <a:gd name="connsiteX3" fmla="*/ 94566 w 95044"/>
+                    <a:gd name="connsiteY3" fmla="*/ 54554 h 327644"/>
+                    <a:gd name="connsiteX4" fmla="*/ 95044 w 95044"/>
+                    <a:gd name="connsiteY4" fmla="*/ 51966 h 327644"/>
+                    <a:gd name="connsiteX5" fmla="*/ 47522 w 95044"/>
+                    <a:gd name="connsiteY5" fmla="*/ 0 h 327644"/>
+                    <a:gd name="connsiteX6" fmla="*/ 0 w 95044"/>
+                    <a:gd name="connsiteY6" fmla="*/ 51966 h 327644"/>
+                    <a:gd name="connsiteX7" fmla="*/ 478 w 95044"/>
+                    <a:gd name="connsiteY7" fmla="*/ 54554 h 327644"/>
+                    <a:gd name="connsiteX8" fmla="*/ 0 w 95044"/>
+                    <a:gd name="connsiteY8" fmla="*/ 54554 h 327644"/>
+                  </a:gdLst>
+                  <a:ahLst/>
+                  <a:cxnLst>
+                    <a:cxn ang="0">
+                      <a:pos x="connsiteX0" y="connsiteY0"/>
+                    </a:cxn>
+                    <a:cxn ang="0">
+                      <a:pos x="connsiteX1" y="connsiteY1"/>
+                    </a:cxn>
+                    <a:cxn ang="0">
+                      <a:pos x="connsiteX2" y="connsiteY2"/>
+                    </a:cxn>
+                    <a:cxn ang="0">
+                      <a:pos x="connsiteX3" y="connsiteY3"/>
+                    </a:cxn>
+                    <a:cxn ang="0">
+                      <a:pos x="connsiteX4" y="connsiteY4"/>
+                    </a:cxn>
+                    <a:cxn ang="0">
+                      <a:pos x="connsiteX5" y="connsiteY5"/>
+                    </a:cxn>
+                    <a:cxn ang="0">
+                      <a:pos x="connsiteX6" y="connsiteY6"/>
+                    </a:cxn>
+                    <a:cxn ang="0">
+                      <a:pos x="connsiteX7" y="connsiteY7"/>
+                    </a:cxn>
+                    <a:cxn ang="0">
+                      <a:pos x="connsiteX8" y="connsiteY8"/>
+                    </a:cxn>
+                  </a:cxnLst>
+                  <a:rect l="l" t="t" r="r" b="b"/>
+                  <a:pathLst>
+                    <a:path w="95044" h="327644">
+                      <a:moveTo>
+                        <a:pt x="0" y="327644"/>
+                      </a:moveTo>
+                      <a:lnTo>
+                        <a:pt x="95043" y="327644"/>
+                      </a:lnTo>
+                      <a:lnTo>
+                        <a:pt x="95043" y="54554"/>
+                      </a:lnTo>
+                      <a:lnTo>
+                        <a:pt x="94566" y="54554"/>
+                      </a:lnTo>
+                      <a:lnTo>
+                        <a:pt x="95044" y="51966"/>
+                      </a:lnTo>
+                      <a:cubicBezTo>
+                        <a:pt x="95044" y="23266"/>
+                        <a:pt x="73768" y="0"/>
+                        <a:pt x="47522" y="0"/>
+                      </a:cubicBezTo>
+                      <a:cubicBezTo>
+                        <a:pt x="21276" y="0"/>
+                        <a:pt x="0" y="23266"/>
+                        <a:pt x="0" y="51966"/>
+                      </a:cubicBezTo>
+                      <a:lnTo>
+                        <a:pt x="478" y="54554"/>
+                      </a:lnTo>
+                      <a:lnTo>
+                        <a:pt x="0" y="54554"/>
+                      </a:lnTo>
+                      <a:close/>
+                    </a:path>
+                  </a:pathLst>
+                </a:custGeom>
+                <a:solidFill>
+                  <a:srgbClr val="2D2D30"/>
+                </a:solidFill>
+                <a:ln>
+                  <a:noFill/>
+                </a:ln>
+                <a:effectLst/>
+              </p:spPr>
+              <p:style>
+                <a:lnRef idx="2">
+                  <a:schemeClr val="accent1">
+                    <a:shade val="50000"/>
+                  </a:schemeClr>
+                </a:lnRef>
+                <a:fillRef idx="1">
+                  <a:schemeClr val="accent1"/>
+                </a:fillRef>
+                <a:effectRef idx="0">
+                  <a:schemeClr val="accent1"/>
+                </a:effectRef>
+                <a:fontRef idx="minor">
+                  <a:schemeClr val="lt1"/>
+                </a:fontRef>
+              </p:style>
+              <p:txBody>
+                <a:bodyPr wrap="square" rtlCol="0" anchor="ctr">
+                  <a:noAutofit/>
+                </a:bodyPr>
+                <a:lstStyle/>
+                <a:p>
+                  <a:pPr algn="ctr"/>
+                  <a:endParaRPr lang="zh-CN" altLang="en-US"/>
+                </a:p>
+              </p:txBody>
+            </p:sp>
+            <p:sp>
+              <p:nvSpPr>
+                <p:cNvPr id="86" name="矩形: 圆角 9">
+                  <a:extLst>
+                    <a:ext uri="{FF2B5EF4-FFF2-40B4-BE49-F238E27FC236}">
+                      <a16:creationId xmlns:a16="http://schemas.microsoft.com/office/drawing/2014/main" id="{A2F08F3D-D904-4847-8684-2F71AA8EDECA}"/>
+                    </a:ext>
+                  </a:extLst>
+                </p:cNvPr>
+                <p:cNvSpPr/>
+                <p:nvPr/>
+              </p:nvSpPr>
+              <p:spPr>
+                <a:xfrm>
+                  <a:off x="6992662" y="1309861"/>
+                  <a:ext cx="534954" cy="883535"/>
+                </a:xfrm>
+                <a:custGeom>
+                  <a:avLst/>
+                  <a:gdLst>
+                    <a:gd name="connsiteX0" fmla="*/ 0 w 534954"/>
+                    <a:gd name="connsiteY0" fmla="*/ 267477 h 900000"/>
+                    <a:gd name="connsiteX1" fmla="*/ 267477 w 534954"/>
+                    <a:gd name="connsiteY1" fmla="*/ 0 h 900000"/>
+                    <a:gd name="connsiteX2" fmla="*/ 267477 w 534954"/>
+                    <a:gd name="connsiteY2" fmla="*/ 0 h 900000"/>
+                    <a:gd name="connsiteX3" fmla="*/ 534954 w 534954"/>
+                    <a:gd name="connsiteY3" fmla="*/ 267477 h 900000"/>
+                    <a:gd name="connsiteX4" fmla="*/ 534954 w 534954"/>
+                    <a:gd name="connsiteY4" fmla="*/ 632523 h 900000"/>
+                    <a:gd name="connsiteX5" fmla="*/ 267477 w 534954"/>
+                    <a:gd name="connsiteY5" fmla="*/ 900000 h 900000"/>
+                    <a:gd name="connsiteX6" fmla="*/ 267477 w 534954"/>
+                    <a:gd name="connsiteY6" fmla="*/ 900000 h 900000"/>
+                    <a:gd name="connsiteX7" fmla="*/ 0 w 534954"/>
+                    <a:gd name="connsiteY7" fmla="*/ 632523 h 900000"/>
+                    <a:gd name="connsiteX8" fmla="*/ 0 w 534954"/>
+                    <a:gd name="connsiteY8" fmla="*/ 267477 h 900000"/>
+                    <a:gd name="connsiteX0" fmla="*/ 0 w 534954"/>
+                    <a:gd name="connsiteY0" fmla="*/ 267477 h 900000"/>
+                    <a:gd name="connsiteX1" fmla="*/ 267477 w 534954"/>
+                    <a:gd name="connsiteY1" fmla="*/ 0 h 900000"/>
+                    <a:gd name="connsiteX2" fmla="*/ 267477 w 534954"/>
+                    <a:gd name="connsiteY2" fmla="*/ 0 h 900000"/>
+                    <a:gd name="connsiteX3" fmla="*/ 534954 w 534954"/>
+                    <a:gd name="connsiteY3" fmla="*/ 267477 h 900000"/>
+                    <a:gd name="connsiteX4" fmla="*/ 534954 w 534954"/>
+                    <a:gd name="connsiteY4" fmla="*/ 632523 h 900000"/>
+                    <a:gd name="connsiteX5" fmla="*/ 267477 w 534954"/>
+                    <a:gd name="connsiteY5" fmla="*/ 900000 h 900000"/>
+                    <a:gd name="connsiteX6" fmla="*/ 267477 w 534954"/>
+                    <a:gd name="connsiteY6" fmla="*/ 900000 h 900000"/>
+                    <a:gd name="connsiteX7" fmla="*/ 0 w 534954"/>
+                    <a:gd name="connsiteY7" fmla="*/ 632523 h 900000"/>
+                    <a:gd name="connsiteX8" fmla="*/ 0 w 534954"/>
+                    <a:gd name="connsiteY8" fmla="*/ 267477 h 900000"/>
+                    <a:gd name="connsiteX0" fmla="*/ 0 w 534954"/>
+                    <a:gd name="connsiteY0" fmla="*/ 267477 h 900000"/>
+                    <a:gd name="connsiteX1" fmla="*/ 267477 w 534954"/>
+                    <a:gd name="connsiteY1" fmla="*/ 0 h 900000"/>
+                    <a:gd name="connsiteX2" fmla="*/ 267477 w 534954"/>
+                    <a:gd name="connsiteY2" fmla="*/ 0 h 900000"/>
+                    <a:gd name="connsiteX3" fmla="*/ 534954 w 534954"/>
+                    <a:gd name="connsiteY3" fmla="*/ 267477 h 900000"/>
+                    <a:gd name="connsiteX4" fmla="*/ 534954 w 534954"/>
+                    <a:gd name="connsiteY4" fmla="*/ 632523 h 900000"/>
+                    <a:gd name="connsiteX5" fmla="*/ 267477 w 534954"/>
+                    <a:gd name="connsiteY5" fmla="*/ 900000 h 900000"/>
+                    <a:gd name="connsiteX6" fmla="*/ 267477 w 534954"/>
+                    <a:gd name="connsiteY6" fmla="*/ 900000 h 900000"/>
+                    <a:gd name="connsiteX7" fmla="*/ 0 w 534954"/>
+                    <a:gd name="connsiteY7" fmla="*/ 632523 h 900000"/>
+                    <a:gd name="connsiteX8" fmla="*/ 0 w 534954"/>
+                    <a:gd name="connsiteY8" fmla="*/ 267477 h 900000"/>
+                    <a:gd name="connsiteX0" fmla="*/ 0 w 534954"/>
+                    <a:gd name="connsiteY0" fmla="*/ 267477 h 900000"/>
+                    <a:gd name="connsiteX1" fmla="*/ 267477 w 534954"/>
+                    <a:gd name="connsiteY1" fmla="*/ 0 h 900000"/>
+                    <a:gd name="connsiteX2" fmla="*/ 267477 w 534954"/>
+                    <a:gd name="connsiteY2" fmla="*/ 0 h 900000"/>
+                    <a:gd name="connsiteX3" fmla="*/ 534954 w 534954"/>
+                    <a:gd name="connsiteY3" fmla="*/ 267477 h 900000"/>
+                    <a:gd name="connsiteX4" fmla="*/ 534954 w 534954"/>
+                    <a:gd name="connsiteY4" fmla="*/ 632523 h 900000"/>
+                    <a:gd name="connsiteX5" fmla="*/ 267477 w 534954"/>
+                    <a:gd name="connsiteY5" fmla="*/ 900000 h 900000"/>
+                    <a:gd name="connsiteX6" fmla="*/ 267477 w 534954"/>
+                    <a:gd name="connsiteY6" fmla="*/ 900000 h 900000"/>
+                    <a:gd name="connsiteX7" fmla="*/ 0 w 534954"/>
+                    <a:gd name="connsiteY7" fmla="*/ 632523 h 900000"/>
+                    <a:gd name="connsiteX8" fmla="*/ 0 w 534954"/>
+                    <a:gd name="connsiteY8" fmla="*/ 267477 h 900000"/>
+                    <a:gd name="connsiteX0" fmla="*/ 0 w 534954"/>
+                    <a:gd name="connsiteY0" fmla="*/ 267477 h 900000"/>
+                    <a:gd name="connsiteX1" fmla="*/ 267477 w 534954"/>
+                    <a:gd name="connsiteY1" fmla="*/ 0 h 900000"/>
+                    <a:gd name="connsiteX2" fmla="*/ 267477 w 534954"/>
+                    <a:gd name="connsiteY2" fmla="*/ 0 h 900000"/>
+                    <a:gd name="connsiteX3" fmla="*/ 534954 w 534954"/>
+                    <a:gd name="connsiteY3" fmla="*/ 267477 h 900000"/>
+                    <a:gd name="connsiteX4" fmla="*/ 534954 w 534954"/>
+                    <a:gd name="connsiteY4" fmla="*/ 632523 h 900000"/>
+                    <a:gd name="connsiteX5" fmla="*/ 267477 w 534954"/>
+                    <a:gd name="connsiteY5" fmla="*/ 900000 h 900000"/>
+                    <a:gd name="connsiteX6" fmla="*/ 267477 w 534954"/>
+                    <a:gd name="connsiteY6" fmla="*/ 900000 h 900000"/>
+                    <a:gd name="connsiteX7" fmla="*/ 0 w 534954"/>
+                    <a:gd name="connsiteY7" fmla="*/ 632523 h 900000"/>
+                    <a:gd name="connsiteX8" fmla="*/ 0 w 534954"/>
+                    <a:gd name="connsiteY8" fmla="*/ 267477 h 900000"/>
+                    <a:gd name="connsiteX0" fmla="*/ 0 w 534954"/>
+                    <a:gd name="connsiteY0" fmla="*/ 267477 h 900000"/>
+                    <a:gd name="connsiteX1" fmla="*/ 267477 w 534954"/>
+                    <a:gd name="connsiteY1" fmla="*/ 0 h 900000"/>
+                    <a:gd name="connsiteX2" fmla="*/ 267477 w 534954"/>
+                    <a:gd name="connsiteY2" fmla="*/ 0 h 900000"/>
+                    <a:gd name="connsiteX3" fmla="*/ 534954 w 534954"/>
+                    <a:gd name="connsiteY3" fmla="*/ 267477 h 900000"/>
+                    <a:gd name="connsiteX4" fmla="*/ 534954 w 534954"/>
+                    <a:gd name="connsiteY4" fmla="*/ 632523 h 900000"/>
+                    <a:gd name="connsiteX5" fmla="*/ 267477 w 534954"/>
+                    <a:gd name="connsiteY5" fmla="*/ 900000 h 900000"/>
+                    <a:gd name="connsiteX6" fmla="*/ 0 w 534954"/>
+                    <a:gd name="connsiteY6" fmla="*/ 632523 h 900000"/>
+                    <a:gd name="connsiteX7" fmla="*/ 0 w 534954"/>
+                    <a:gd name="connsiteY7" fmla="*/ 267477 h 900000"/>
+                    <a:gd name="connsiteX0" fmla="*/ 0 w 534954"/>
+                    <a:gd name="connsiteY0" fmla="*/ 267477 h 632523"/>
+                    <a:gd name="connsiteX1" fmla="*/ 267477 w 534954"/>
+                    <a:gd name="connsiteY1" fmla="*/ 0 h 632523"/>
+                    <a:gd name="connsiteX2" fmla="*/ 267477 w 534954"/>
+                    <a:gd name="connsiteY2" fmla="*/ 0 h 632523"/>
+                    <a:gd name="connsiteX3" fmla="*/ 534954 w 534954"/>
+                    <a:gd name="connsiteY3" fmla="*/ 267477 h 632523"/>
+                    <a:gd name="connsiteX4" fmla="*/ 534954 w 534954"/>
+                    <a:gd name="connsiteY4" fmla="*/ 632523 h 632523"/>
+                    <a:gd name="connsiteX5" fmla="*/ 0 w 534954"/>
+                    <a:gd name="connsiteY5" fmla="*/ 632523 h 632523"/>
+                    <a:gd name="connsiteX6" fmla="*/ 0 w 534954"/>
+                    <a:gd name="connsiteY6" fmla="*/ 267477 h 632523"/>
+                    <a:gd name="connsiteX0" fmla="*/ 0 w 534954"/>
+                    <a:gd name="connsiteY0" fmla="*/ 267477 h 632523"/>
+                    <a:gd name="connsiteX1" fmla="*/ 267477 w 534954"/>
+                    <a:gd name="connsiteY1" fmla="*/ 0 h 632523"/>
+                    <a:gd name="connsiteX2" fmla="*/ 267477 w 534954"/>
+                    <a:gd name="connsiteY2" fmla="*/ 0 h 632523"/>
+                    <a:gd name="connsiteX3" fmla="*/ 534954 w 534954"/>
+                    <a:gd name="connsiteY3" fmla="*/ 267477 h 632523"/>
+                    <a:gd name="connsiteX4" fmla="*/ 534954 w 534954"/>
+                    <a:gd name="connsiteY4" fmla="*/ 632523 h 632523"/>
+                    <a:gd name="connsiteX5" fmla="*/ 0 w 534954"/>
+                    <a:gd name="connsiteY5" fmla="*/ 632523 h 632523"/>
+                    <a:gd name="connsiteX6" fmla="*/ 0 w 534954"/>
+                    <a:gd name="connsiteY6" fmla="*/ 267477 h 632523"/>
+                    <a:gd name="connsiteX0" fmla="*/ 0 w 534954"/>
+                    <a:gd name="connsiteY0" fmla="*/ 267477 h 883535"/>
+                    <a:gd name="connsiteX1" fmla="*/ 267477 w 534954"/>
+                    <a:gd name="connsiteY1" fmla="*/ 0 h 883535"/>
+                    <a:gd name="connsiteX2" fmla="*/ 267477 w 534954"/>
+                    <a:gd name="connsiteY2" fmla="*/ 0 h 883535"/>
+                    <a:gd name="connsiteX3" fmla="*/ 534954 w 534954"/>
+                    <a:gd name="connsiteY3" fmla="*/ 267477 h 883535"/>
+                    <a:gd name="connsiteX4" fmla="*/ 534954 w 534954"/>
+                    <a:gd name="connsiteY4" fmla="*/ 632523 h 883535"/>
+                    <a:gd name="connsiteX5" fmla="*/ 0 w 534954"/>
+                    <a:gd name="connsiteY5" fmla="*/ 883535 h 883535"/>
+                    <a:gd name="connsiteX6" fmla="*/ 0 w 534954"/>
+                    <a:gd name="connsiteY6" fmla="*/ 267477 h 883535"/>
+                    <a:gd name="connsiteX0" fmla="*/ 0 w 534954"/>
+                    <a:gd name="connsiteY0" fmla="*/ 267477 h 883535"/>
+                    <a:gd name="connsiteX1" fmla="*/ 267477 w 534954"/>
+                    <a:gd name="connsiteY1" fmla="*/ 0 h 883535"/>
+                    <a:gd name="connsiteX2" fmla="*/ 267477 w 534954"/>
+                    <a:gd name="connsiteY2" fmla="*/ 0 h 883535"/>
+                    <a:gd name="connsiteX3" fmla="*/ 534954 w 534954"/>
+                    <a:gd name="connsiteY3" fmla="*/ 267477 h 883535"/>
+                    <a:gd name="connsiteX4" fmla="*/ 530472 w 534954"/>
+                    <a:gd name="connsiteY4" fmla="*/ 883535 h 883535"/>
+                    <a:gd name="connsiteX5" fmla="*/ 0 w 534954"/>
+                    <a:gd name="connsiteY5" fmla="*/ 883535 h 883535"/>
+                    <a:gd name="connsiteX6" fmla="*/ 0 w 534954"/>
+                    <a:gd name="connsiteY6" fmla="*/ 267477 h 883535"/>
+                  </a:gdLst>
+                  <a:ahLst/>
+                  <a:cxnLst>
+                    <a:cxn ang="0">
+                      <a:pos x="connsiteX0" y="connsiteY0"/>
+                    </a:cxn>
+                    <a:cxn ang="0">
+                      <a:pos x="connsiteX1" y="connsiteY1"/>
+                    </a:cxn>
+                    <a:cxn ang="0">
+                      <a:pos x="connsiteX2" y="connsiteY2"/>
+                    </a:cxn>
+                    <a:cxn ang="0">
+                      <a:pos x="connsiteX3" y="connsiteY3"/>
+                    </a:cxn>
+                    <a:cxn ang="0">
+                      <a:pos x="connsiteX4" y="connsiteY4"/>
+                    </a:cxn>
+                    <a:cxn ang="0">
+                      <a:pos x="connsiteX5" y="connsiteY5"/>
+                    </a:cxn>
+                    <a:cxn ang="0">
+                      <a:pos x="connsiteX6" y="connsiteY6"/>
+                    </a:cxn>
+                  </a:cxnLst>
+                  <a:rect l="l" t="t" r="r" b="b"/>
+                  <a:pathLst>
+                    <a:path w="534954" h="883535">
+                      <a:moveTo>
+                        <a:pt x="0" y="267477"/>
+                      </a:moveTo>
+                      <a:cubicBezTo>
+                        <a:pt x="0" y="119754"/>
+                        <a:pt x="119754" y="0"/>
+                        <a:pt x="267477" y="0"/>
+                      </a:cubicBezTo>
+                      <a:lnTo>
+                        <a:pt x="267477" y="0"/>
+                      </a:lnTo>
+                      <a:cubicBezTo>
+                        <a:pt x="415200" y="0"/>
+                        <a:pt x="534954" y="119754"/>
+                        <a:pt x="534954" y="267477"/>
+                      </a:cubicBezTo>
+                      <a:lnTo>
+                        <a:pt x="530472" y="883535"/>
+                      </a:lnTo>
+                      <a:lnTo>
+                        <a:pt x="0" y="883535"/>
+                      </a:lnTo>
+                      <a:lnTo>
+                        <a:pt x="0" y="267477"/>
+                      </a:lnTo>
+                      <a:close/>
+                    </a:path>
+                  </a:pathLst>
+                </a:custGeom>
+                <a:solidFill>
+                  <a:srgbClr val="2D2D30">
+                    <a:alpha val="80000"/>
+                  </a:srgbClr>
+                </a:solidFill>
+                <a:ln>
+                  <a:noFill/>
+                </a:ln>
+                <a:effectLst/>
+              </p:spPr>
+              <p:style>
+                <a:lnRef idx="2">
+                  <a:schemeClr val="accent1">
+                    <a:shade val="50000"/>
+                  </a:schemeClr>
+                </a:lnRef>
+                <a:fillRef idx="1">
+                  <a:schemeClr val="accent1"/>
+                </a:fillRef>
+                <a:effectRef idx="0">
+                  <a:schemeClr val="accent1"/>
+                </a:effectRef>
+                <a:fontRef idx="minor">
+                  <a:schemeClr val="lt1"/>
+                </a:fontRef>
+              </p:style>
+              <p:txBody>
+                <a:bodyPr rtlCol="0" anchor="ctr"/>
+                <a:lstStyle/>
+                <a:p>
+                  <a:pPr algn="ctr"/>
+                  <a:endParaRPr lang="zh-CN" altLang="en-US"/>
+                </a:p>
+              </p:txBody>
+            </p:sp>
+            <p:sp>
+              <p:nvSpPr>
+                <p:cNvPr id="87" name="任意多边形: 形状 86">
+                  <a:extLst>
+                    <a:ext uri="{FF2B5EF4-FFF2-40B4-BE49-F238E27FC236}">
+                      <a16:creationId xmlns:a16="http://schemas.microsoft.com/office/drawing/2014/main" id="{1829FA20-78A5-4511-B548-5DE323A91F2E}"/>
+                    </a:ext>
+                  </a:extLst>
+                </p:cNvPr>
+                <p:cNvSpPr/>
+                <p:nvPr/>
+              </p:nvSpPr>
+              <p:spPr>
+                <a:xfrm>
+                  <a:off x="6992662" y="1715341"/>
+                  <a:ext cx="532928" cy="478055"/>
+                </a:xfrm>
+                <a:custGeom>
+                  <a:avLst/>
+                  <a:gdLst>
+                    <a:gd name="connsiteX0" fmla="*/ 0 w 532928"/>
+                    <a:gd name="connsiteY0" fmla="*/ 0 h 478055"/>
+                    <a:gd name="connsiteX1" fmla="*/ 532928 w 532928"/>
+                    <a:gd name="connsiteY1" fmla="*/ 140520 h 478055"/>
+                    <a:gd name="connsiteX2" fmla="*/ 530472 w 532928"/>
+                    <a:gd name="connsiteY2" fmla="*/ 478055 h 478055"/>
+                    <a:gd name="connsiteX3" fmla="*/ 0 w 532928"/>
+                    <a:gd name="connsiteY3" fmla="*/ 478055 h 478055"/>
+                  </a:gdLst>
+                  <a:ahLst/>
+                  <a:cxnLst>
+                    <a:cxn ang="0">
+                      <a:pos x="connsiteX0" y="connsiteY0"/>
+                    </a:cxn>
+                    <a:cxn ang="0">
+                      <a:pos x="connsiteX1" y="connsiteY1"/>
+                    </a:cxn>
+                    <a:cxn ang="0">
+                      <a:pos x="connsiteX2" y="connsiteY2"/>
+                    </a:cxn>
+                    <a:cxn ang="0">
+                      <a:pos x="connsiteX3" y="connsiteY3"/>
+                    </a:cxn>
+                  </a:cxnLst>
+                  <a:rect l="l" t="t" r="r" b="b"/>
+                  <a:pathLst>
+                    <a:path w="532928" h="478055">
+                      <a:moveTo>
+                        <a:pt x="0" y="0"/>
+                      </a:moveTo>
+                      <a:lnTo>
+                        <a:pt x="532928" y="140520"/>
+                      </a:lnTo>
+                      <a:lnTo>
+                        <a:pt x="530472" y="478055"/>
+                      </a:lnTo>
+                      <a:lnTo>
+                        <a:pt x="0" y="478055"/>
+                      </a:lnTo>
+                      <a:close/>
+                    </a:path>
+                  </a:pathLst>
+                </a:custGeom>
+                <a:solidFill>
+                  <a:schemeClr val="bg1">
+                    <a:alpha val="10000"/>
+                  </a:schemeClr>
+                </a:solidFill>
+                <a:ln>
+                  <a:noFill/>
+                </a:ln>
+                <a:effectLst/>
+              </p:spPr>
+              <p:style>
+                <a:lnRef idx="2">
+                  <a:schemeClr val="accent1">
+                    <a:shade val="50000"/>
+                  </a:schemeClr>
+                </a:lnRef>
+                <a:fillRef idx="1">
+                  <a:schemeClr val="accent1"/>
+                </a:fillRef>
+                <a:effectRef idx="0">
+                  <a:schemeClr val="accent1"/>
+                </a:effectRef>
+                <a:fontRef idx="minor">
+                  <a:schemeClr val="lt1"/>
+                </a:fontRef>
+              </p:style>
+              <p:txBody>
+                <a:bodyPr wrap="square" rtlCol="0" anchor="ctr">
+                  <a:noAutofit/>
+                </a:bodyPr>
+                <a:lstStyle/>
+                <a:p>
+                  <a:pPr algn="ctr"/>
+                  <a:endParaRPr lang="zh-CN" altLang="en-US"/>
+                </a:p>
+              </p:txBody>
+            </p:sp>
+            <p:sp>
+              <p:nvSpPr>
+                <p:cNvPr id="88" name="矩形: 圆角 87">
+                  <a:extLst>
+                    <a:ext uri="{FF2B5EF4-FFF2-40B4-BE49-F238E27FC236}">
+                      <a16:creationId xmlns:a16="http://schemas.microsoft.com/office/drawing/2014/main" id="{70CEEBD2-11BF-4121-B82B-475C13B9B889}"/>
+                    </a:ext>
+                  </a:extLst>
+                </p:cNvPr>
+                <p:cNvSpPr>
+                  <a:spLocks noChangeAspect="1"/>
+                </p:cNvSpPr>
+                <p:nvPr/>
+              </p:nvSpPr>
+              <p:spPr>
+                <a:xfrm rot="7916071">
+                  <a:off x="7053927" y="1749040"/>
+                  <a:ext cx="402400" cy="82800"/>
+                </a:xfrm>
+                <a:prstGeom prst="roundRect">
+                  <a:avLst>
+                    <a:gd name="adj" fmla="val 50000"/>
+                  </a:avLst>
+                </a:prstGeom>
+                <a:solidFill>
+                  <a:schemeClr val="bg1"/>
+                </a:solidFill>
+                <a:ln>
+                  <a:noFill/>
+                </a:ln>
+              </p:spPr>
+              <p:style>
+                <a:lnRef idx="2">
+                  <a:schemeClr val="accent1">
+                    <a:shade val="50000"/>
+                  </a:schemeClr>
+                </a:lnRef>
+                <a:fillRef idx="1">
+                  <a:schemeClr val="accent1"/>
+                </a:fillRef>
+                <a:effectRef idx="0">
+                  <a:schemeClr val="accent1"/>
+                </a:effectRef>
+                <a:fontRef idx="minor">
+                  <a:schemeClr val="lt1"/>
+                </a:fontRef>
+              </p:style>
+              <p:txBody>
+                <a:bodyPr rtlCol="0" anchor="ctr"/>
+                <a:lstStyle/>
+                <a:p>
+                  <a:pPr algn="ctr"/>
+                  <a:endParaRPr lang="zh-CN" altLang="en-US"/>
+                </a:p>
+              </p:txBody>
+            </p:sp>
+          </p:grpSp>
+        </p:grpSp>
+      </p:grpSp>
+      <p:sp>
+        <p:nvSpPr>
+          <p:cNvPr id="89" name="矩形 88">
+            <a:extLst>
+              <a:ext uri="{FF2B5EF4-FFF2-40B4-BE49-F238E27FC236}">
+                <a16:creationId xmlns:a16="http://schemas.microsoft.com/office/drawing/2014/main" id="{47B248B1-0BF2-46C6-A18C-09D27F86EE52}"/>
+              </a:ext>
+            </a:extLst>
+          </p:cNvPr>
+          <p:cNvSpPr/>
+          <p:nvPr/>
+        </p:nvSpPr>
+        <p:spPr>
+          <a:xfrm>
+            <a:off x="5502302" y="5712529"/>
+            <a:ext cx="3252083" cy="45719"/>
+          </a:xfrm>
+          <a:prstGeom prst="rect">
+            <a:avLst/>
+          </a:prstGeom>
+          <a:solidFill>
+            <a:srgbClr val="9954CC"/>
+          </a:solidFill>
+          <a:ln>
+            <a:noFill/>
+          </a:ln>
+          <a:effectLst/>
+        </p:spPr>
+        <p:style>
+          <a:lnRef idx="2">
+            <a:schemeClr val="accent1">
+              <a:shade val="50000"/>
+            </a:schemeClr>
+          </a:lnRef>
+          <a:fillRef idx="1">
+            <a:schemeClr val="accent1"/>
+          </a:fillRef>
+          <a:effectRef idx="0">
+            <a:schemeClr val="accent1"/>
+          </a:effectRef>
+          <a:fontRef idx="minor">
+            <a:schemeClr val="lt1"/>
+          </a:fontRef>
+        </p:style>
+        <p:txBody>
+          <a:bodyPr rtlCol="0" anchor="ctr"/>
+          <a:lstStyle/>
+          <a:p>
+            <a:pPr algn="ctr"/>
+            <a:endParaRPr lang="zh-CN" altLang="en-US"/>
+          </a:p>
+        </p:txBody>
+      </p:sp>
+    </p:spTree>
+    <p:extLst>
+      <p:ext uri="{BB962C8B-B14F-4D97-AF65-F5344CB8AC3E}">
+        <p14:creationId xmlns:p14="http://schemas.microsoft.com/office/powerpoint/2010/main" val="1414842793"/>
+      </p:ext>
+    </p:extLst>
+  </p:cSld>
+  <p:clrMapOvr>
+    <a:masterClrMapping/>
+  </p:clrMapOvr>
+</p:sld>
+</file>
+
+<file path=ppt/slides/slide2.xml><?xml version="1.0" encoding="utf-8"?>
+<p:sld xmlns:a="http://schemas.openxmlformats.org/drawingml/2006/main" xmlns:r="http://schemas.openxmlformats.org/officeDocument/2006/relationships" xmlns:p="http://schemas.openxmlformats.org/presentationml/2006/main">
+  <p:cSld>
+    <p:bg>
+      <p:bgPr>
+        <a:solidFill>
+          <a:srgbClr val="242426"/>
+        </a:solidFill>
+        <a:effectLst/>
+      </p:bgPr>
+    </p:bg>
+    <p:spTree>
+      <p:nvGrpSpPr>
+        <p:cNvPr id="1" name=""/>
+        <p:cNvGrpSpPr/>
+        <p:nvPr/>
+      </p:nvGrpSpPr>
+      <p:grpSpPr>
+        <a:xfrm>
+          <a:off x="0" y="0"/>
+          <a:ext cx="0" cy="0"/>
+          <a:chOff x="0" y="0"/>
+          <a:chExt cx="0" cy="0"/>
+        </a:xfrm>
+      </p:grpSpPr>
+      <p:pic>
+        <p:nvPicPr>
+          <p:cNvPr id="1025" name="Picture 1">
+            <a:extLst>
+              <a:ext uri="{FF2B5EF4-FFF2-40B4-BE49-F238E27FC236}">
+                <a16:creationId xmlns:a16="http://schemas.microsoft.com/office/drawing/2014/main" id="{995CC4B2-389F-4B8D-B8B3-AA5198E899CF}"/>
+              </a:ext>
+            </a:extLst>
+          </p:cNvPr>
+          <p:cNvPicPr>
+            <a:picLocks noChangeAspect="1" noChangeArrowheads="1"/>
+          </p:cNvPicPr>
+          <p:nvPr/>
+        </p:nvPicPr>
+        <p:blipFill>
+          <a:blip r:embed="rId2">
+            <a:extLst>
+              <a:ext uri="{28A0092B-C50C-407E-A947-70E740481C1C}">
+                <a14:useLocalDpi xmlns:a14="http://schemas.microsoft.com/office/drawing/2010/main" val="0"/>
+              </a:ext>
+            </a:extLst>
+          </a:blip>
+          <a:srcRect/>
+          <a:stretch>
+            <a:fillRect/>
+          </a:stretch>
+        </p:blipFill>
+        <p:spPr bwMode="auto">
+          <a:xfrm>
+            <a:off x="5375189" y="1099751"/>
+            <a:ext cx="2228850" cy="419100"/>
+          </a:xfrm>
+          <a:prstGeom prst="rect">
+            <a:avLst/>
+          </a:prstGeom>
+          <a:noFill/>
+          <a:extLst>
+            <a:ext uri="{909E8E84-426E-40DD-AFC4-6F175D3DCCD1}">
+              <a14:hiddenFill xmlns:a14="http://schemas.microsoft.com/office/drawing/2010/main">
+                <a:solidFill>
+                  <a:srgbClr val="FFFFFF"/>
+                </a:solidFill>
+              </a14:hiddenFill>
+            </a:ext>
+          </a:extLst>
+        </p:spPr>
+      </p:pic>
+      <p:pic>
+        <p:nvPicPr>
+          <p:cNvPr id="1026" name="Picture 2">
+            <a:extLst>
+              <a:ext uri="{FF2B5EF4-FFF2-40B4-BE49-F238E27FC236}">
+                <a16:creationId xmlns:a16="http://schemas.microsoft.com/office/drawing/2014/main" id="{583B6BF8-4CD2-4AC6-95CC-B0F478D08985}"/>
+              </a:ext>
+            </a:extLst>
+          </p:cNvPr>
+          <p:cNvPicPr>
+            <a:picLocks noChangeAspect="1" noChangeArrowheads="1"/>
+          </p:cNvPicPr>
+          <p:nvPr/>
+        </p:nvPicPr>
+        <p:blipFill>
+          <a:blip r:embed="rId3">
+            <a:extLst>
+              <a:ext uri="{28A0092B-C50C-407E-A947-70E740481C1C}">
+                <a14:useLocalDpi xmlns:a14="http://schemas.microsoft.com/office/drawing/2010/main" val="0"/>
+              </a:ext>
+            </a:extLst>
+          </a:blip>
+          <a:srcRect/>
+          <a:stretch>
+            <a:fillRect/>
+          </a:stretch>
+        </p:blipFill>
+        <p:spPr bwMode="auto">
+          <a:xfrm>
+            <a:off x="1234517" y="1094988"/>
+            <a:ext cx="1724025" cy="466725"/>
+          </a:xfrm>
+          <a:prstGeom prst="rect">
+            <a:avLst/>
+          </a:prstGeom>
+          <a:noFill/>
+          <a:extLst>
+            <a:ext uri="{909E8E84-426E-40DD-AFC4-6F175D3DCCD1}">
+              <a14:hiddenFill xmlns:a14="http://schemas.microsoft.com/office/drawing/2010/main">
+                <a:solidFill>
+                  <a:srgbClr val="FFFFFF"/>
+                </a:solidFill>
+              </a14:hiddenFill>
+            </a:ext>
+          </a:extLst>
+        </p:spPr>
+      </p:pic>
+      <p:pic>
+        <p:nvPicPr>
+          <p:cNvPr id="1027" name="Picture 3">
+            <a:extLst>
+              <a:ext uri="{FF2B5EF4-FFF2-40B4-BE49-F238E27FC236}">
+                <a16:creationId xmlns:a16="http://schemas.microsoft.com/office/drawing/2014/main" id="{9FDB43CB-278B-44F3-BC88-4067CC302112}"/>
+              </a:ext>
+            </a:extLst>
+          </p:cNvPr>
+          <p:cNvPicPr>
+            <a:picLocks noChangeAspect="1" noChangeArrowheads="1"/>
+          </p:cNvPicPr>
+          <p:nvPr/>
+        </p:nvPicPr>
+        <p:blipFill>
+          <a:blip r:embed="rId4">
+            <a:extLst>
+              <a:ext uri="{28A0092B-C50C-407E-A947-70E740481C1C}">
+                <a14:useLocalDpi xmlns:a14="http://schemas.microsoft.com/office/drawing/2010/main" val="0"/>
+              </a:ext>
+            </a:extLst>
+          </a:blip>
+          <a:srcRect/>
+          <a:stretch>
+            <a:fillRect/>
+          </a:stretch>
+        </p:blipFill>
+        <p:spPr bwMode="auto">
+          <a:xfrm>
+            <a:off x="3336324" y="1099751"/>
+            <a:ext cx="1647825" cy="457200"/>
+          </a:xfrm>
+          <a:prstGeom prst="rect">
+            <a:avLst/>
+          </a:prstGeom>
+          <a:noFill/>
+          <a:extLst>
+            <a:ext uri="{909E8E84-426E-40DD-AFC4-6F175D3DCCD1}">
+              <a14:hiddenFill xmlns:a14="http://schemas.microsoft.com/office/drawing/2010/main">
+                <a:solidFill>
+                  <a:srgbClr val="FFFFFF"/>
+                </a:solidFill>
+              </a14:hiddenFill>
+            </a:ext>
+          </a:extLst>
+        </p:spPr>
+      </p:pic>
+      <p:grpSp>
+        <p:nvGrpSpPr>
+          <p:cNvPr id="80" name="组合 79">
+            <a:extLst>
+              <a:ext uri="{FF2B5EF4-FFF2-40B4-BE49-F238E27FC236}">
+                <a16:creationId xmlns:a16="http://schemas.microsoft.com/office/drawing/2014/main" id="{56638764-7DF2-4E38-B56B-0A2FE169598C}"/>
+              </a:ext>
+            </a:extLst>
+          </p:cNvPr>
+          <p:cNvGrpSpPr/>
+          <p:nvPr/>
+        </p:nvGrpSpPr>
+        <p:grpSpPr>
+          <a:xfrm>
+            <a:off x="6504836" y="2224347"/>
+            <a:ext cx="196404" cy="298011"/>
+            <a:chOff x="6992662" y="1309861"/>
+            <a:chExt cx="534954" cy="883535"/>
+          </a:xfrm>
+        </p:grpSpPr>
+        <p:sp>
+          <p:nvSpPr>
+            <p:cNvPr id="81" name="矩形: 圆角 9">
+              <a:extLst>
+                <a:ext uri="{FF2B5EF4-FFF2-40B4-BE49-F238E27FC236}">
+                  <a16:creationId xmlns:a16="http://schemas.microsoft.com/office/drawing/2014/main" id="{778BCC9A-00B0-4CF4-9C8F-705F76DE8F1C}"/>
+                </a:ext>
+              </a:extLst>
+            </p:cNvPr>
+            <p:cNvSpPr/>
+            <p:nvPr/>
+          </p:nvSpPr>
+          <p:spPr>
+            <a:xfrm>
+              <a:off x="6992662" y="1309861"/>
+              <a:ext cx="534954" cy="883535"/>
+            </a:xfrm>
+            <a:custGeom>
+              <a:avLst/>
+              <a:gdLst>
+                <a:gd name="connsiteX0" fmla="*/ 0 w 534954"/>
+                <a:gd name="connsiteY0" fmla="*/ 267477 h 900000"/>
+                <a:gd name="connsiteX1" fmla="*/ 267477 w 534954"/>
+                <a:gd name="connsiteY1" fmla="*/ 0 h 900000"/>
+                <a:gd name="connsiteX2" fmla="*/ 267477 w 534954"/>
+                <a:gd name="connsiteY2" fmla="*/ 0 h 900000"/>
+                <a:gd name="connsiteX3" fmla="*/ 534954 w 534954"/>
+                <a:gd name="connsiteY3" fmla="*/ 267477 h 900000"/>
+                <a:gd name="connsiteX4" fmla="*/ 534954 w 534954"/>
+                <a:gd name="connsiteY4" fmla="*/ 632523 h 900000"/>
+                <a:gd name="connsiteX5" fmla="*/ 267477 w 534954"/>
+                <a:gd name="connsiteY5" fmla="*/ 900000 h 900000"/>
+                <a:gd name="connsiteX6" fmla="*/ 267477 w 534954"/>
+                <a:gd name="connsiteY6" fmla="*/ 900000 h 900000"/>
+                <a:gd name="connsiteX7" fmla="*/ 0 w 534954"/>
+                <a:gd name="connsiteY7" fmla="*/ 632523 h 900000"/>
+                <a:gd name="connsiteX8" fmla="*/ 0 w 534954"/>
+                <a:gd name="connsiteY8" fmla="*/ 267477 h 900000"/>
+                <a:gd name="connsiteX0" fmla="*/ 0 w 534954"/>
+                <a:gd name="connsiteY0" fmla="*/ 267477 h 900000"/>
+                <a:gd name="connsiteX1" fmla="*/ 267477 w 534954"/>
+                <a:gd name="connsiteY1" fmla="*/ 0 h 900000"/>
+                <a:gd name="connsiteX2" fmla="*/ 267477 w 534954"/>
+                <a:gd name="connsiteY2" fmla="*/ 0 h 900000"/>
+                <a:gd name="connsiteX3" fmla="*/ 534954 w 534954"/>
+                <a:gd name="connsiteY3" fmla="*/ 267477 h 900000"/>
+                <a:gd name="connsiteX4" fmla="*/ 534954 w 534954"/>
+                <a:gd name="connsiteY4" fmla="*/ 632523 h 900000"/>
+                <a:gd name="connsiteX5" fmla="*/ 267477 w 534954"/>
+                <a:gd name="connsiteY5" fmla="*/ 900000 h 900000"/>
+                <a:gd name="connsiteX6" fmla="*/ 267477 w 534954"/>
+                <a:gd name="connsiteY6" fmla="*/ 900000 h 900000"/>
+                <a:gd name="connsiteX7" fmla="*/ 0 w 534954"/>
+                <a:gd name="connsiteY7" fmla="*/ 632523 h 900000"/>
+                <a:gd name="connsiteX8" fmla="*/ 0 w 534954"/>
+                <a:gd name="connsiteY8" fmla="*/ 267477 h 900000"/>
+                <a:gd name="connsiteX0" fmla="*/ 0 w 534954"/>
+                <a:gd name="connsiteY0" fmla="*/ 267477 h 900000"/>
+                <a:gd name="connsiteX1" fmla="*/ 267477 w 534954"/>
+                <a:gd name="connsiteY1" fmla="*/ 0 h 900000"/>
+                <a:gd name="connsiteX2" fmla="*/ 267477 w 534954"/>
+                <a:gd name="connsiteY2" fmla="*/ 0 h 900000"/>
+                <a:gd name="connsiteX3" fmla="*/ 534954 w 534954"/>
+                <a:gd name="connsiteY3" fmla="*/ 267477 h 900000"/>
+                <a:gd name="connsiteX4" fmla="*/ 534954 w 534954"/>
+                <a:gd name="connsiteY4" fmla="*/ 632523 h 900000"/>
+                <a:gd name="connsiteX5" fmla="*/ 267477 w 534954"/>
+                <a:gd name="connsiteY5" fmla="*/ 900000 h 900000"/>
+                <a:gd name="connsiteX6" fmla="*/ 267477 w 534954"/>
+                <a:gd name="connsiteY6" fmla="*/ 900000 h 900000"/>
+                <a:gd name="connsiteX7" fmla="*/ 0 w 534954"/>
+                <a:gd name="connsiteY7" fmla="*/ 632523 h 900000"/>
+                <a:gd name="connsiteX8" fmla="*/ 0 w 534954"/>
+                <a:gd name="connsiteY8" fmla="*/ 267477 h 900000"/>
+                <a:gd name="connsiteX0" fmla="*/ 0 w 534954"/>
+                <a:gd name="connsiteY0" fmla="*/ 267477 h 900000"/>
+                <a:gd name="connsiteX1" fmla="*/ 267477 w 534954"/>
+                <a:gd name="connsiteY1" fmla="*/ 0 h 900000"/>
+                <a:gd name="connsiteX2" fmla="*/ 267477 w 534954"/>
+                <a:gd name="connsiteY2" fmla="*/ 0 h 900000"/>
+                <a:gd name="connsiteX3" fmla="*/ 534954 w 534954"/>
+                <a:gd name="connsiteY3" fmla="*/ 267477 h 900000"/>
+                <a:gd name="connsiteX4" fmla="*/ 534954 w 534954"/>
+                <a:gd name="connsiteY4" fmla="*/ 632523 h 900000"/>
+                <a:gd name="connsiteX5" fmla="*/ 267477 w 534954"/>
+                <a:gd name="connsiteY5" fmla="*/ 900000 h 900000"/>
+                <a:gd name="connsiteX6" fmla="*/ 267477 w 534954"/>
+                <a:gd name="connsiteY6" fmla="*/ 900000 h 900000"/>
+                <a:gd name="connsiteX7" fmla="*/ 0 w 534954"/>
+                <a:gd name="connsiteY7" fmla="*/ 632523 h 900000"/>
+                <a:gd name="connsiteX8" fmla="*/ 0 w 534954"/>
+                <a:gd name="connsiteY8" fmla="*/ 267477 h 900000"/>
+                <a:gd name="connsiteX0" fmla="*/ 0 w 534954"/>
+                <a:gd name="connsiteY0" fmla="*/ 267477 h 900000"/>
+                <a:gd name="connsiteX1" fmla="*/ 267477 w 534954"/>
+                <a:gd name="connsiteY1" fmla="*/ 0 h 900000"/>
+                <a:gd name="connsiteX2" fmla="*/ 267477 w 534954"/>
+                <a:gd name="connsiteY2" fmla="*/ 0 h 900000"/>
+                <a:gd name="connsiteX3" fmla="*/ 534954 w 534954"/>
+                <a:gd name="connsiteY3" fmla="*/ 267477 h 900000"/>
+                <a:gd name="connsiteX4" fmla="*/ 534954 w 534954"/>
+                <a:gd name="connsiteY4" fmla="*/ 632523 h 900000"/>
+                <a:gd name="connsiteX5" fmla="*/ 267477 w 534954"/>
+                <a:gd name="connsiteY5" fmla="*/ 900000 h 900000"/>
+                <a:gd name="connsiteX6" fmla="*/ 267477 w 534954"/>
+                <a:gd name="connsiteY6" fmla="*/ 900000 h 900000"/>
+                <a:gd name="connsiteX7" fmla="*/ 0 w 534954"/>
+                <a:gd name="connsiteY7" fmla="*/ 632523 h 900000"/>
+                <a:gd name="connsiteX8" fmla="*/ 0 w 534954"/>
+                <a:gd name="connsiteY8" fmla="*/ 267477 h 900000"/>
+                <a:gd name="connsiteX0" fmla="*/ 0 w 534954"/>
+                <a:gd name="connsiteY0" fmla="*/ 267477 h 900000"/>
+                <a:gd name="connsiteX1" fmla="*/ 267477 w 534954"/>
+                <a:gd name="connsiteY1" fmla="*/ 0 h 900000"/>
+                <a:gd name="connsiteX2" fmla="*/ 267477 w 534954"/>
+                <a:gd name="connsiteY2" fmla="*/ 0 h 900000"/>
+                <a:gd name="connsiteX3" fmla="*/ 534954 w 534954"/>
+                <a:gd name="connsiteY3" fmla="*/ 267477 h 900000"/>
+                <a:gd name="connsiteX4" fmla="*/ 534954 w 534954"/>
+                <a:gd name="connsiteY4" fmla="*/ 632523 h 900000"/>
+                <a:gd name="connsiteX5" fmla="*/ 267477 w 534954"/>
+                <a:gd name="connsiteY5" fmla="*/ 900000 h 900000"/>
+                <a:gd name="connsiteX6" fmla="*/ 0 w 534954"/>
+                <a:gd name="connsiteY6" fmla="*/ 632523 h 900000"/>
+                <a:gd name="connsiteX7" fmla="*/ 0 w 534954"/>
+                <a:gd name="connsiteY7" fmla="*/ 267477 h 900000"/>
+                <a:gd name="connsiteX0" fmla="*/ 0 w 534954"/>
+                <a:gd name="connsiteY0" fmla="*/ 267477 h 632523"/>
+                <a:gd name="connsiteX1" fmla="*/ 267477 w 534954"/>
+                <a:gd name="connsiteY1" fmla="*/ 0 h 632523"/>
+                <a:gd name="connsiteX2" fmla="*/ 267477 w 534954"/>
+                <a:gd name="connsiteY2" fmla="*/ 0 h 632523"/>
+                <a:gd name="connsiteX3" fmla="*/ 534954 w 534954"/>
+                <a:gd name="connsiteY3" fmla="*/ 267477 h 632523"/>
+                <a:gd name="connsiteX4" fmla="*/ 534954 w 534954"/>
+                <a:gd name="connsiteY4" fmla="*/ 632523 h 632523"/>
+                <a:gd name="connsiteX5" fmla="*/ 0 w 534954"/>
+                <a:gd name="connsiteY5" fmla="*/ 632523 h 632523"/>
+                <a:gd name="connsiteX6" fmla="*/ 0 w 534954"/>
+                <a:gd name="connsiteY6" fmla="*/ 267477 h 632523"/>
+                <a:gd name="connsiteX0" fmla="*/ 0 w 534954"/>
+                <a:gd name="connsiteY0" fmla="*/ 267477 h 632523"/>
+                <a:gd name="connsiteX1" fmla="*/ 267477 w 534954"/>
+                <a:gd name="connsiteY1" fmla="*/ 0 h 632523"/>
+                <a:gd name="connsiteX2" fmla="*/ 267477 w 534954"/>
+                <a:gd name="connsiteY2" fmla="*/ 0 h 632523"/>
+                <a:gd name="connsiteX3" fmla="*/ 534954 w 534954"/>
+                <a:gd name="connsiteY3" fmla="*/ 267477 h 632523"/>
+                <a:gd name="connsiteX4" fmla="*/ 534954 w 534954"/>
+                <a:gd name="connsiteY4" fmla="*/ 632523 h 632523"/>
+                <a:gd name="connsiteX5" fmla="*/ 0 w 534954"/>
+                <a:gd name="connsiteY5" fmla="*/ 632523 h 632523"/>
+                <a:gd name="connsiteX6" fmla="*/ 0 w 534954"/>
+                <a:gd name="connsiteY6" fmla="*/ 267477 h 632523"/>
+                <a:gd name="connsiteX0" fmla="*/ 0 w 534954"/>
+                <a:gd name="connsiteY0" fmla="*/ 267477 h 883535"/>
+                <a:gd name="connsiteX1" fmla="*/ 267477 w 534954"/>
+                <a:gd name="connsiteY1" fmla="*/ 0 h 883535"/>
+                <a:gd name="connsiteX2" fmla="*/ 267477 w 534954"/>
+                <a:gd name="connsiteY2" fmla="*/ 0 h 883535"/>
+                <a:gd name="connsiteX3" fmla="*/ 534954 w 534954"/>
+                <a:gd name="connsiteY3" fmla="*/ 267477 h 883535"/>
+                <a:gd name="connsiteX4" fmla="*/ 534954 w 534954"/>
+                <a:gd name="connsiteY4" fmla="*/ 632523 h 883535"/>
+                <a:gd name="connsiteX5" fmla="*/ 0 w 534954"/>
+                <a:gd name="connsiteY5" fmla="*/ 883535 h 883535"/>
+                <a:gd name="connsiteX6" fmla="*/ 0 w 534954"/>
+                <a:gd name="connsiteY6" fmla="*/ 267477 h 883535"/>
+                <a:gd name="connsiteX0" fmla="*/ 0 w 534954"/>
+                <a:gd name="connsiteY0" fmla="*/ 267477 h 883535"/>
+                <a:gd name="connsiteX1" fmla="*/ 267477 w 534954"/>
+                <a:gd name="connsiteY1" fmla="*/ 0 h 883535"/>
+                <a:gd name="connsiteX2" fmla="*/ 267477 w 534954"/>
+                <a:gd name="connsiteY2" fmla="*/ 0 h 883535"/>
+                <a:gd name="connsiteX3" fmla="*/ 534954 w 534954"/>
+                <a:gd name="connsiteY3" fmla="*/ 267477 h 883535"/>
+                <a:gd name="connsiteX4" fmla="*/ 530472 w 534954"/>
+                <a:gd name="connsiteY4" fmla="*/ 883535 h 883535"/>
+                <a:gd name="connsiteX5" fmla="*/ 0 w 534954"/>
+                <a:gd name="connsiteY5" fmla="*/ 883535 h 883535"/>
+                <a:gd name="connsiteX6" fmla="*/ 0 w 534954"/>
+                <a:gd name="connsiteY6" fmla="*/ 267477 h 883535"/>
+              </a:gdLst>
+              <a:ahLst/>
+              <a:cxnLst>
+                <a:cxn ang="0">
+                  <a:pos x="connsiteX0" y="connsiteY0"/>
+                </a:cxn>
+                <a:cxn ang="0">
+                  <a:pos x="connsiteX1" y="connsiteY1"/>
+                </a:cxn>
+                <a:cxn ang="0">
+                  <a:pos x="connsiteX2" y="connsiteY2"/>
+                </a:cxn>
+                <a:cxn ang="0">
+                  <a:pos x="connsiteX3" y="connsiteY3"/>
+                </a:cxn>
+                <a:cxn ang="0">
+                  <a:pos x="connsiteX4" y="connsiteY4"/>
+                </a:cxn>
+                <a:cxn ang="0">
+                  <a:pos x="connsiteX5" y="connsiteY5"/>
+                </a:cxn>
+                <a:cxn ang="0">
+                  <a:pos x="connsiteX6" y="connsiteY6"/>
+                </a:cxn>
+              </a:cxnLst>
+              <a:rect l="l" t="t" r="r" b="b"/>
+              <a:pathLst>
+                <a:path w="534954" h="883535">
+                  <a:moveTo>
+                    <a:pt x="0" y="267477"/>
+                  </a:moveTo>
+                  <a:cubicBezTo>
+                    <a:pt x="0" y="119754"/>
+                    <a:pt x="119754" y="0"/>
+                    <a:pt x="267477" y="0"/>
+                  </a:cubicBezTo>
+                  <a:lnTo>
+                    <a:pt x="267477" y="0"/>
+                  </a:lnTo>
+                  <a:cubicBezTo>
+                    <a:pt x="415200" y="0"/>
+                    <a:pt x="534954" y="119754"/>
+                    <a:pt x="534954" y="267477"/>
+                  </a:cubicBezTo>
+                  <a:lnTo>
+                    <a:pt x="530472" y="883535"/>
+                  </a:lnTo>
+                  <a:lnTo>
+                    <a:pt x="0" y="883535"/>
+                  </a:lnTo>
+                  <a:lnTo>
+                    <a:pt x="0" y="267477"/>
+                  </a:lnTo>
+                  <a:close/>
+                </a:path>
+              </a:pathLst>
+            </a:custGeom>
+            <a:solidFill>
+              <a:srgbClr val="0AB0FF">
+                <a:alpha val="80000"/>
+              </a:srgbClr>
+            </a:solidFill>
+            <a:ln>
+              <a:noFill/>
+            </a:ln>
+            <a:effectLst/>
+          </p:spPr>
+          <p:style>
+            <a:lnRef idx="2">
+              <a:schemeClr val="accent1">
+                <a:shade val="50000"/>
+              </a:schemeClr>
+            </a:lnRef>
+            <a:fillRef idx="1">
+              <a:schemeClr val="accent1"/>
+            </a:fillRef>
+            <a:effectRef idx="0">
+              <a:schemeClr val="accent1"/>
+            </a:effectRef>
+            <a:fontRef idx="minor">
+              <a:schemeClr val="lt1"/>
+            </a:fontRef>
+          </p:style>
+          <p:txBody>
+            <a:bodyPr rtlCol="0" anchor="ctr"/>
+            <a:lstStyle/>
+            <a:p>
+              <a:pPr algn="ctr"/>
+              <a:endParaRPr lang="zh-CN" altLang="en-US"/>
+            </a:p>
+          </p:txBody>
+        </p:sp>
+        <p:sp>
+          <p:nvSpPr>
+            <p:cNvPr id="82" name="任意多边形: 形状 81">
+              <a:extLst>
+                <a:ext uri="{FF2B5EF4-FFF2-40B4-BE49-F238E27FC236}">
+                  <a16:creationId xmlns:a16="http://schemas.microsoft.com/office/drawing/2014/main" id="{4C1BB697-B33F-4298-98DA-792454CF9EC0}"/>
+                </a:ext>
+              </a:extLst>
+            </p:cNvPr>
+            <p:cNvSpPr/>
+            <p:nvPr/>
+          </p:nvSpPr>
+          <p:spPr>
+            <a:xfrm>
+              <a:off x="6992662" y="1715341"/>
+              <a:ext cx="532928" cy="478055"/>
+            </a:xfrm>
+            <a:custGeom>
+              <a:avLst/>
+              <a:gdLst>
+                <a:gd name="connsiteX0" fmla="*/ 0 w 532928"/>
+                <a:gd name="connsiteY0" fmla="*/ 0 h 478055"/>
+                <a:gd name="connsiteX1" fmla="*/ 532928 w 532928"/>
+                <a:gd name="connsiteY1" fmla="*/ 140520 h 478055"/>
+                <a:gd name="connsiteX2" fmla="*/ 530472 w 532928"/>
+                <a:gd name="connsiteY2" fmla="*/ 478055 h 478055"/>
+                <a:gd name="connsiteX3" fmla="*/ 0 w 532928"/>
+                <a:gd name="connsiteY3" fmla="*/ 478055 h 478055"/>
+              </a:gdLst>
+              <a:ahLst/>
+              <a:cxnLst>
+                <a:cxn ang="0">
+                  <a:pos x="connsiteX0" y="connsiteY0"/>
+                </a:cxn>
+                <a:cxn ang="0">
+                  <a:pos x="connsiteX1" y="connsiteY1"/>
+                </a:cxn>
+                <a:cxn ang="0">
+                  <a:pos x="connsiteX2" y="connsiteY2"/>
+                </a:cxn>
+                <a:cxn ang="0">
+                  <a:pos x="connsiteX3" y="connsiteY3"/>
+                </a:cxn>
+              </a:cxnLst>
+              <a:rect l="l" t="t" r="r" b="b"/>
+              <a:pathLst>
+                <a:path w="532928" h="478055">
+                  <a:moveTo>
+                    <a:pt x="0" y="0"/>
+                  </a:moveTo>
+                  <a:lnTo>
+                    <a:pt x="532928" y="140520"/>
+                  </a:lnTo>
+                  <a:lnTo>
+                    <a:pt x="530472" y="478055"/>
+                  </a:lnTo>
+                  <a:lnTo>
+                    <a:pt x="0" y="478055"/>
+                  </a:lnTo>
+                  <a:close/>
+                </a:path>
+              </a:pathLst>
+            </a:custGeom>
+            <a:solidFill>
+              <a:srgbClr val="0AB0FF"/>
+            </a:solidFill>
+            <a:ln>
+              <a:noFill/>
+            </a:ln>
+            <a:effectLst/>
+          </p:spPr>
+          <p:style>
+            <a:lnRef idx="2">
+              <a:schemeClr val="accent1">
+                <a:shade val="50000"/>
+              </a:schemeClr>
+            </a:lnRef>
+            <a:fillRef idx="1">
+              <a:schemeClr val="accent1"/>
+            </a:fillRef>
+            <a:effectRef idx="0">
+              <a:schemeClr val="accent1"/>
+            </a:effectRef>
+            <a:fontRef idx="minor">
+              <a:schemeClr val="lt1"/>
+            </a:fontRef>
+          </p:style>
+          <p:txBody>
+            <a:bodyPr wrap="square" rtlCol="0" anchor="ctr">
+              <a:noAutofit/>
+            </a:bodyPr>
+            <a:lstStyle/>
+            <a:p>
+              <a:pPr algn="ctr"/>
+              <a:endParaRPr lang="zh-CN" altLang="en-US"/>
+            </a:p>
+          </p:txBody>
+        </p:sp>
+        <p:sp>
+          <p:nvSpPr>
+            <p:cNvPr id="83" name="矩形: 圆角 82">
+              <a:extLst>
+                <a:ext uri="{FF2B5EF4-FFF2-40B4-BE49-F238E27FC236}">
+                  <a16:creationId xmlns:a16="http://schemas.microsoft.com/office/drawing/2014/main" id="{CB2E84E9-B963-458A-B915-2DD1C20055DB}"/>
+                </a:ext>
+              </a:extLst>
+            </p:cNvPr>
+            <p:cNvSpPr>
+              <a:spLocks noChangeAspect="1"/>
+            </p:cNvSpPr>
+            <p:nvPr/>
+          </p:nvSpPr>
+          <p:spPr>
+            <a:xfrm rot="7916071">
+              <a:off x="7053927" y="1749040"/>
+              <a:ext cx="402400" cy="82800"/>
+            </a:xfrm>
+            <a:prstGeom prst="roundRect">
+              <a:avLst>
+                <a:gd name="adj" fmla="val 50000"/>
+              </a:avLst>
+            </a:prstGeom>
+            <a:solidFill>
+              <a:schemeClr val="bg1"/>
+            </a:solidFill>
+            <a:ln>
+              <a:noFill/>
+            </a:ln>
+          </p:spPr>
+          <p:style>
+            <a:lnRef idx="2">
+              <a:schemeClr val="accent1">
+                <a:shade val="50000"/>
+              </a:schemeClr>
+            </a:lnRef>
+            <a:fillRef idx="1">
+              <a:schemeClr val="accent1"/>
+            </a:fillRef>
+            <a:effectRef idx="0">
+              <a:schemeClr val="accent1"/>
+            </a:effectRef>
+            <a:fontRef idx="minor">
+              <a:schemeClr val="lt1"/>
+            </a:fontRef>
+          </p:style>
+          <p:txBody>
+            <a:bodyPr rtlCol="0" anchor="ctr"/>
+            <a:lstStyle/>
+            <a:p>
+              <a:pPr algn="ctr"/>
+              <a:endParaRPr lang="zh-CN" altLang="en-US"/>
+            </a:p>
+          </p:txBody>
+        </p:sp>
+      </p:grpSp>
+      <p:grpSp>
+        <p:nvGrpSpPr>
+          <p:cNvPr id="149" name="组合 148">
+            <a:extLst>
+              <a:ext uri="{FF2B5EF4-FFF2-40B4-BE49-F238E27FC236}">
+                <a16:creationId xmlns:a16="http://schemas.microsoft.com/office/drawing/2014/main" id="{8CB1F9EB-3C74-49CE-A3C9-FBE65640F3BC}"/>
+              </a:ext>
+            </a:extLst>
+          </p:cNvPr>
+          <p:cNvGrpSpPr/>
+          <p:nvPr/>
+        </p:nvGrpSpPr>
+        <p:grpSpPr>
+          <a:xfrm>
+            <a:off x="1292398" y="3431500"/>
+            <a:ext cx="867600" cy="868730"/>
+            <a:chOff x="1292398" y="1965186"/>
+            <a:chExt cx="867600" cy="868730"/>
+          </a:xfrm>
+        </p:grpSpPr>
+        <p:sp>
+          <p:nvSpPr>
+            <p:cNvPr id="150" name="矩形 149">
+              <a:extLst>
+                <a:ext uri="{FF2B5EF4-FFF2-40B4-BE49-F238E27FC236}">
+                  <a16:creationId xmlns:a16="http://schemas.microsoft.com/office/drawing/2014/main" id="{6A2F72EE-1955-442B-B3AB-D0816305C4E1}"/>
+                </a:ext>
+              </a:extLst>
+            </p:cNvPr>
+            <p:cNvSpPr>
+              <a:spLocks/>
+            </p:cNvSpPr>
+            <p:nvPr/>
+          </p:nvSpPr>
+          <p:spPr>
+            <a:xfrm>
+              <a:off x="1292398" y="1965186"/>
+              <a:ext cx="867600" cy="868730"/>
+            </a:xfrm>
+            <a:prstGeom prst="rect">
+              <a:avLst/>
+            </a:prstGeom>
+            <a:noFill/>
+            <a:ln>
+              <a:noFill/>
+            </a:ln>
+          </p:spPr>
+          <p:style>
+            <a:lnRef idx="2">
+              <a:schemeClr val="accent1">
+                <a:shade val="50000"/>
+              </a:schemeClr>
+            </a:lnRef>
+            <a:fillRef idx="1">
+              <a:schemeClr val="accent1"/>
+            </a:fillRef>
+            <a:effectRef idx="0">
+              <a:schemeClr val="accent1"/>
+            </a:effectRef>
+            <a:fontRef idx="minor">
+              <a:schemeClr val="lt1"/>
+            </a:fontRef>
+          </p:style>
+          <p:txBody>
+            <a:bodyPr rtlCol="0" anchor="ctr"/>
+            <a:lstStyle/>
+            <a:p>
+              <a:pPr algn="ctr"/>
+              <a:endParaRPr lang="zh-CN" altLang="en-US"/>
+            </a:p>
+          </p:txBody>
+        </p:sp>
+        <p:grpSp>
+          <p:nvGrpSpPr>
+            <p:cNvPr id="151" name="组合 150">
+              <a:extLst>
+                <a:ext uri="{FF2B5EF4-FFF2-40B4-BE49-F238E27FC236}">
+                  <a16:creationId xmlns:a16="http://schemas.microsoft.com/office/drawing/2014/main" id="{33D7B460-CED2-483B-8BAF-7E40E5A1645B}"/>
+                </a:ext>
+              </a:extLst>
+            </p:cNvPr>
+            <p:cNvGrpSpPr/>
+            <p:nvPr/>
+          </p:nvGrpSpPr>
+          <p:grpSpPr>
+            <a:xfrm>
+              <a:off x="1358553" y="2100833"/>
+              <a:ext cx="735291" cy="597437"/>
+              <a:chOff x="1357460" y="2075160"/>
+              <a:chExt cx="735291" cy="597437"/>
+            </a:xfrm>
+          </p:grpSpPr>
+          <p:sp>
+            <p:nvSpPr>
+              <p:cNvPr id="152" name="矩形 151">
+                <a:extLst>
+                  <a:ext uri="{FF2B5EF4-FFF2-40B4-BE49-F238E27FC236}">
+                    <a16:creationId xmlns:a16="http://schemas.microsoft.com/office/drawing/2014/main" id="{9AE6DCE5-6334-4FC4-8BE8-A2E7B6F639A2}"/>
+                  </a:ext>
+                </a:extLst>
+              </p:cNvPr>
+              <p:cNvSpPr/>
+              <p:nvPr/>
+            </p:nvSpPr>
+            <p:spPr>
+              <a:xfrm>
+                <a:off x="1508706" y="2265200"/>
+                <a:ext cx="426032" cy="322687"/>
+              </a:xfrm>
+              <a:prstGeom prst="rect">
+                <a:avLst/>
+              </a:prstGeom>
+              <a:solidFill>
+                <a:schemeClr val="bg1">
+                  <a:lumMod val="75000"/>
+                </a:schemeClr>
+              </a:solidFill>
+              <a:ln>
+                <a:noFill/>
+              </a:ln>
+            </p:spPr>
+            <p:style>
+              <a:lnRef idx="2">
+                <a:schemeClr val="accent1">
+                  <a:shade val="50000"/>
+                </a:schemeClr>
+              </a:lnRef>
+              <a:fillRef idx="1">
+                <a:schemeClr val="accent1"/>
+              </a:fillRef>
+              <a:effectRef idx="0">
+                <a:schemeClr val="accent1"/>
+              </a:effectRef>
+              <a:fontRef idx="minor">
+                <a:schemeClr val="lt1"/>
+              </a:fontRef>
+            </p:style>
+            <p:txBody>
+              <a:bodyPr rtlCol="0" anchor="ctr"/>
+              <a:lstStyle/>
+              <a:p>
+                <a:pPr algn="ctr"/>
+                <a:endParaRPr lang="zh-CN" altLang="en-US"/>
+              </a:p>
+            </p:txBody>
+          </p:sp>
+          <p:sp>
+            <p:nvSpPr>
+              <p:cNvPr id="153" name="矩形 152">
+                <a:extLst>
+                  <a:ext uri="{FF2B5EF4-FFF2-40B4-BE49-F238E27FC236}">
+                    <a16:creationId xmlns:a16="http://schemas.microsoft.com/office/drawing/2014/main" id="{B264BA1D-F77D-4C9F-AADB-7B9D921288E9}"/>
+                  </a:ext>
+                </a:extLst>
+              </p:cNvPr>
+              <p:cNvSpPr/>
+              <p:nvPr/>
+            </p:nvSpPr>
+            <p:spPr>
+              <a:xfrm>
+                <a:off x="1421090" y="2308272"/>
+                <a:ext cx="601264" cy="322687"/>
+              </a:xfrm>
+              <a:prstGeom prst="rect">
+                <a:avLst/>
+              </a:prstGeom>
+              <a:solidFill>
+                <a:schemeClr val="bg1">
+                  <a:lumMod val="85000"/>
+                </a:schemeClr>
+              </a:solidFill>
+              <a:ln>
+                <a:noFill/>
+              </a:ln>
+            </p:spPr>
+            <p:style>
+              <a:lnRef idx="2">
+                <a:schemeClr val="accent1">
+                  <a:shade val="50000"/>
+                </a:schemeClr>
+              </a:lnRef>
+              <a:fillRef idx="1">
+                <a:schemeClr val="accent1"/>
+              </a:fillRef>
+              <a:effectRef idx="0">
+                <a:schemeClr val="accent1"/>
+              </a:effectRef>
+              <a:fontRef idx="minor">
+                <a:schemeClr val="lt1"/>
+              </a:fontRef>
+            </p:style>
+            <p:txBody>
+              <a:bodyPr rtlCol="0" anchor="ctr"/>
+              <a:lstStyle/>
+              <a:p>
+                <a:pPr algn="ctr"/>
+                <a:endParaRPr lang="zh-CN" altLang="en-US"/>
+              </a:p>
+            </p:txBody>
+          </p:sp>
+          <p:sp>
+            <p:nvSpPr>
+              <p:cNvPr id="154" name="矩形 153">
+                <a:extLst>
+                  <a:ext uri="{FF2B5EF4-FFF2-40B4-BE49-F238E27FC236}">
+                    <a16:creationId xmlns:a16="http://schemas.microsoft.com/office/drawing/2014/main" id="{06D645E3-246B-4533-9EAA-1A6993F7591D}"/>
+                  </a:ext>
+                </a:extLst>
+              </p:cNvPr>
+              <p:cNvSpPr/>
+              <p:nvPr/>
+            </p:nvSpPr>
+            <p:spPr>
+              <a:xfrm>
+                <a:off x="1357460" y="2339546"/>
+                <a:ext cx="735291" cy="333051"/>
+              </a:xfrm>
+              <a:prstGeom prst="rect">
+                <a:avLst/>
+              </a:prstGeom>
+              <a:solidFill>
+                <a:srgbClr val="EBEBEB"/>
+              </a:solidFill>
+              <a:ln>
+                <a:noFill/>
+              </a:ln>
+            </p:spPr>
+            <p:style>
+              <a:lnRef idx="2">
+                <a:schemeClr val="accent1">
+                  <a:shade val="50000"/>
+                </a:schemeClr>
+              </a:lnRef>
+              <a:fillRef idx="1">
+                <a:schemeClr val="accent1"/>
+              </a:fillRef>
+              <a:effectRef idx="0">
+                <a:schemeClr val="accent1"/>
+              </a:effectRef>
+              <a:fontRef idx="minor">
+                <a:schemeClr val="lt1"/>
+              </a:fontRef>
+            </p:style>
+            <p:txBody>
+              <a:bodyPr rtlCol="0" anchor="ctr"/>
+              <a:lstStyle/>
+              <a:p>
+                <a:pPr algn="ctr"/>
+                <a:endParaRPr lang="zh-CN" altLang="en-US"/>
+              </a:p>
+            </p:txBody>
+          </p:sp>
+          <p:grpSp>
+            <p:nvGrpSpPr>
+              <p:cNvPr id="155" name="组合 154">
+                <a:extLst>
+                  <a:ext uri="{FF2B5EF4-FFF2-40B4-BE49-F238E27FC236}">
+                    <a16:creationId xmlns:a16="http://schemas.microsoft.com/office/drawing/2014/main" id="{B4D21B8A-702F-42BA-8635-A29433A481CB}"/>
+                  </a:ext>
+                </a:extLst>
+              </p:cNvPr>
+              <p:cNvGrpSpPr/>
+              <p:nvPr/>
+            </p:nvGrpSpPr>
+            <p:grpSpPr>
+              <a:xfrm>
+                <a:off x="1545367" y="2075160"/>
+                <a:ext cx="361094" cy="596386"/>
+                <a:chOff x="6992662" y="1309861"/>
+                <a:chExt cx="534954" cy="883535"/>
+              </a:xfrm>
+            </p:grpSpPr>
+            <p:sp>
+              <p:nvSpPr>
+                <p:cNvPr id="156" name="矩形: 圆角 9">
+                  <a:extLst>
+                    <a:ext uri="{FF2B5EF4-FFF2-40B4-BE49-F238E27FC236}">
+                      <a16:creationId xmlns:a16="http://schemas.microsoft.com/office/drawing/2014/main" id="{95F3797D-7425-4697-BD5D-74FFD320B524}"/>
+                    </a:ext>
+                  </a:extLst>
+                </p:cNvPr>
+                <p:cNvSpPr/>
+                <p:nvPr/>
+              </p:nvSpPr>
+              <p:spPr>
+                <a:xfrm>
+                  <a:off x="6992662" y="1309861"/>
+                  <a:ext cx="534954" cy="883535"/>
+                </a:xfrm>
+                <a:custGeom>
+                  <a:avLst/>
+                  <a:gdLst>
+                    <a:gd name="connsiteX0" fmla="*/ 0 w 534954"/>
+                    <a:gd name="connsiteY0" fmla="*/ 267477 h 900000"/>
+                    <a:gd name="connsiteX1" fmla="*/ 267477 w 534954"/>
+                    <a:gd name="connsiteY1" fmla="*/ 0 h 900000"/>
+                    <a:gd name="connsiteX2" fmla="*/ 267477 w 534954"/>
+                    <a:gd name="connsiteY2" fmla="*/ 0 h 900000"/>
+                    <a:gd name="connsiteX3" fmla="*/ 534954 w 534954"/>
+                    <a:gd name="connsiteY3" fmla="*/ 267477 h 900000"/>
+                    <a:gd name="connsiteX4" fmla="*/ 534954 w 534954"/>
+                    <a:gd name="connsiteY4" fmla="*/ 632523 h 900000"/>
+                    <a:gd name="connsiteX5" fmla="*/ 267477 w 534954"/>
+                    <a:gd name="connsiteY5" fmla="*/ 900000 h 900000"/>
+                    <a:gd name="connsiteX6" fmla="*/ 267477 w 534954"/>
+                    <a:gd name="connsiteY6" fmla="*/ 900000 h 900000"/>
+                    <a:gd name="connsiteX7" fmla="*/ 0 w 534954"/>
+                    <a:gd name="connsiteY7" fmla="*/ 632523 h 900000"/>
+                    <a:gd name="connsiteX8" fmla="*/ 0 w 534954"/>
+                    <a:gd name="connsiteY8" fmla="*/ 267477 h 900000"/>
+                    <a:gd name="connsiteX0" fmla="*/ 0 w 534954"/>
+                    <a:gd name="connsiteY0" fmla="*/ 267477 h 900000"/>
+                    <a:gd name="connsiteX1" fmla="*/ 267477 w 534954"/>
+                    <a:gd name="connsiteY1" fmla="*/ 0 h 900000"/>
+                    <a:gd name="connsiteX2" fmla="*/ 267477 w 534954"/>
+                    <a:gd name="connsiteY2" fmla="*/ 0 h 900000"/>
+                    <a:gd name="connsiteX3" fmla="*/ 534954 w 534954"/>
+                    <a:gd name="connsiteY3" fmla="*/ 267477 h 900000"/>
+                    <a:gd name="connsiteX4" fmla="*/ 534954 w 534954"/>
+                    <a:gd name="connsiteY4" fmla="*/ 632523 h 900000"/>
+                    <a:gd name="connsiteX5" fmla="*/ 267477 w 534954"/>
+                    <a:gd name="connsiteY5" fmla="*/ 900000 h 900000"/>
+                    <a:gd name="connsiteX6" fmla="*/ 267477 w 534954"/>
+                    <a:gd name="connsiteY6" fmla="*/ 900000 h 900000"/>
+                    <a:gd name="connsiteX7" fmla="*/ 0 w 534954"/>
+                    <a:gd name="connsiteY7" fmla="*/ 632523 h 900000"/>
+                    <a:gd name="connsiteX8" fmla="*/ 0 w 534954"/>
+                    <a:gd name="connsiteY8" fmla="*/ 267477 h 900000"/>
+                    <a:gd name="connsiteX0" fmla="*/ 0 w 534954"/>
+                    <a:gd name="connsiteY0" fmla="*/ 267477 h 900000"/>
+                    <a:gd name="connsiteX1" fmla="*/ 267477 w 534954"/>
+                    <a:gd name="connsiteY1" fmla="*/ 0 h 900000"/>
+                    <a:gd name="connsiteX2" fmla="*/ 267477 w 534954"/>
+                    <a:gd name="connsiteY2" fmla="*/ 0 h 900000"/>
+                    <a:gd name="connsiteX3" fmla="*/ 534954 w 534954"/>
+                    <a:gd name="connsiteY3" fmla="*/ 267477 h 900000"/>
+                    <a:gd name="connsiteX4" fmla="*/ 534954 w 534954"/>
+                    <a:gd name="connsiteY4" fmla="*/ 632523 h 900000"/>
+                    <a:gd name="connsiteX5" fmla="*/ 267477 w 534954"/>
+                    <a:gd name="connsiteY5" fmla="*/ 900000 h 900000"/>
+                    <a:gd name="connsiteX6" fmla="*/ 267477 w 534954"/>
+                    <a:gd name="connsiteY6" fmla="*/ 900000 h 900000"/>
+                    <a:gd name="connsiteX7" fmla="*/ 0 w 534954"/>
+                    <a:gd name="connsiteY7" fmla="*/ 632523 h 900000"/>
+                    <a:gd name="connsiteX8" fmla="*/ 0 w 534954"/>
+                    <a:gd name="connsiteY8" fmla="*/ 267477 h 900000"/>
+                    <a:gd name="connsiteX0" fmla="*/ 0 w 534954"/>
+                    <a:gd name="connsiteY0" fmla="*/ 267477 h 900000"/>
+                    <a:gd name="connsiteX1" fmla="*/ 267477 w 534954"/>
+                    <a:gd name="connsiteY1" fmla="*/ 0 h 900000"/>
+                    <a:gd name="connsiteX2" fmla="*/ 267477 w 534954"/>
+                    <a:gd name="connsiteY2" fmla="*/ 0 h 900000"/>
+                    <a:gd name="connsiteX3" fmla="*/ 534954 w 534954"/>
+                    <a:gd name="connsiteY3" fmla="*/ 267477 h 900000"/>
+                    <a:gd name="connsiteX4" fmla="*/ 534954 w 534954"/>
+                    <a:gd name="connsiteY4" fmla="*/ 632523 h 900000"/>
+                    <a:gd name="connsiteX5" fmla="*/ 267477 w 534954"/>
+                    <a:gd name="connsiteY5" fmla="*/ 900000 h 900000"/>
+                    <a:gd name="connsiteX6" fmla="*/ 267477 w 534954"/>
+                    <a:gd name="connsiteY6" fmla="*/ 900000 h 900000"/>
+                    <a:gd name="connsiteX7" fmla="*/ 0 w 534954"/>
+                    <a:gd name="connsiteY7" fmla="*/ 632523 h 900000"/>
+                    <a:gd name="connsiteX8" fmla="*/ 0 w 534954"/>
+                    <a:gd name="connsiteY8" fmla="*/ 267477 h 900000"/>
+                    <a:gd name="connsiteX0" fmla="*/ 0 w 534954"/>
+                    <a:gd name="connsiteY0" fmla="*/ 267477 h 900000"/>
+                    <a:gd name="connsiteX1" fmla="*/ 267477 w 534954"/>
+                    <a:gd name="connsiteY1" fmla="*/ 0 h 900000"/>
+                    <a:gd name="connsiteX2" fmla="*/ 267477 w 534954"/>
+                    <a:gd name="connsiteY2" fmla="*/ 0 h 900000"/>
+                    <a:gd name="connsiteX3" fmla="*/ 534954 w 534954"/>
+                    <a:gd name="connsiteY3" fmla="*/ 267477 h 900000"/>
+                    <a:gd name="connsiteX4" fmla="*/ 534954 w 534954"/>
+                    <a:gd name="connsiteY4" fmla="*/ 632523 h 900000"/>
+                    <a:gd name="connsiteX5" fmla="*/ 267477 w 534954"/>
+                    <a:gd name="connsiteY5" fmla="*/ 900000 h 900000"/>
+                    <a:gd name="connsiteX6" fmla="*/ 267477 w 534954"/>
+                    <a:gd name="connsiteY6" fmla="*/ 900000 h 900000"/>
+                    <a:gd name="connsiteX7" fmla="*/ 0 w 534954"/>
+                    <a:gd name="connsiteY7" fmla="*/ 632523 h 900000"/>
+                    <a:gd name="connsiteX8" fmla="*/ 0 w 534954"/>
+                    <a:gd name="connsiteY8" fmla="*/ 267477 h 900000"/>
+                    <a:gd name="connsiteX0" fmla="*/ 0 w 534954"/>
+                    <a:gd name="connsiteY0" fmla="*/ 267477 h 900000"/>
+                    <a:gd name="connsiteX1" fmla="*/ 267477 w 534954"/>
+                    <a:gd name="connsiteY1" fmla="*/ 0 h 900000"/>
+                    <a:gd name="connsiteX2" fmla="*/ 267477 w 534954"/>
+                    <a:gd name="connsiteY2" fmla="*/ 0 h 900000"/>
+                    <a:gd name="connsiteX3" fmla="*/ 534954 w 534954"/>
+                    <a:gd name="connsiteY3" fmla="*/ 267477 h 900000"/>
+                    <a:gd name="connsiteX4" fmla="*/ 534954 w 534954"/>
+                    <a:gd name="connsiteY4" fmla="*/ 632523 h 900000"/>
+                    <a:gd name="connsiteX5" fmla="*/ 267477 w 534954"/>
+                    <a:gd name="connsiteY5" fmla="*/ 900000 h 900000"/>
+                    <a:gd name="connsiteX6" fmla="*/ 0 w 534954"/>
+                    <a:gd name="connsiteY6" fmla="*/ 632523 h 900000"/>
+                    <a:gd name="connsiteX7" fmla="*/ 0 w 534954"/>
+                    <a:gd name="connsiteY7" fmla="*/ 267477 h 900000"/>
+                    <a:gd name="connsiteX0" fmla="*/ 0 w 534954"/>
+                    <a:gd name="connsiteY0" fmla="*/ 267477 h 632523"/>
+                    <a:gd name="connsiteX1" fmla="*/ 267477 w 534954"/>
+                    <a:gd name="connsiteY1" fmla="*/ 0 h 632523"/>
+                    <a:gd name="connsiteX2" fmla="*/ 267477 w 534954"/>
+                    <a:gd name="connsiteY2" fmla="*/ 0 h 632523"/>
+                    <a:gd name="connsiteX3" fmla="*/ 534954 w 534954"/>
+                    <a:gd name="connsiteY3" fmla="*/ 267477 h 632523"/>
+                    <a:gd name="connsiteX4" fmla="*/ 534954 w 534954"/>
+                    <a:gd name="connsiteY4" fmla="*/ 632523 h 632523"/>
+                    <a:gd name="connsiteX5" fmla="*/ 0 w 534954"/>
+                    <a:gd name="connsiteY5" fmla="*/ 632523 h 632523"/>
+                    <a:gd name="connsiteX6" fmla="*/ 0 w 534954"/>
+                    <a:gd name="connsiteY6" fmla="*/ 267477 h 632523"/>
+                    <a:gd name="connsiteX0" fmla="*/ 0 w 534954"/>
+                    <a:gd name="connsiteY0" fmla="*/ 267477 h 632523"/>
+                    <a:gd name="connsiteX1" fmla="*/ 267477 w 534954"/>
+                    <a:gd name="connsiteY1" fmla="*/ 0 h 632523"/>
+                    <a:gd name="connsiteX2" fmla="*/ 267477 w 534954"/>
+                    <a:gd name="connsiteY2" fmla="*/ 0 h 632523"/>
+                    <a:gd name="connsiteX3" fmla="*/ 534954 w 534954"/>
+                    <a:gd name="connsiteY3" fmla="*/ 267477 h 632523"/>
+                    <a:gd name="connsiteX4" fmla="*/ 534954 w 534954"/>
+                    <a:gd name="connsiteY4" fmla="*/ 632523 h 632523"/>
+                    <a:gd name="connsiteX5" fmla="*/ 0 w 534954"/>
+                    <a:gd name="connsiteY5" fmla="*/ 632523 h 632523"/>
+                    <a:gd name="connsiteX6" fmla="*/ 0 w 534954"/>
+                    <a:gd name="connsiteY6" fmla="*/ 267477 h 632523"/>
+                    <a:gd name="connsiteX0" fmla="*/ 0 w 534954"/>
+                    <a:gd name="connsiteY0" fmla="*/ 267477 h 883535"/>
+                    <a:gd name="connsiteX1" fmla="*/ 267477 w 534954"/>
+                    <a:gd name="connsiteY1" fmla="*/ 0 h 883535"/>
+                    <a:gd name="connsiteX2" fmla="*/ 267477 w 534954"/>
+                    <a:gd name="connsiteY2" fmla="*/ 0 h 883535"/>
+                    <a:gd name="connsiteX3" fmla="*/ 534954 w 534954"/>
+                    <a:gd name="connsiteY3" fmla="*/ 267477 h 883535"/>
+                    <a:gd name="connsiteX4" fmla="*/ 534954 w 534954"/>
+                    <a:gd name="connsiteY4" fmla="*/ 632523 h 883535"/>
+                    <a:gd name="connsiteX5" fmla="*/ 0 w 534954"/>
+                    <a:gd name="connsiteY5" fmla="*/ 883535 h 883535"/>
+                    <a:gd name="connsiteX6" fmla="*/ 0 w 534954"/>
+                    <a:gd name="connsiteY6" fmla="*/ 267477 h 883535"/>
+                    <a:gd name="connsiteX0" fmla="*/ 0 w 534954"/>
+                    <a:gd name="connsiteY0" fmla="*/ 267477 h 883535"/>
+                    <a:gd name="connsiteX1" fmla="*/ 267477 w 534954"/>
+                    <a:gd name="connsiteY1" fmla="*/ 0 h 883535"/>
+                    <a:gd name="connsiteX2" fmla="*/ 267477 w 534954"/>
+                    <a:gd name="connsiteY2" fmla="*/ 0 h 883535"/>
+                    <a:gd name="connsiteX3" fmla="*/ 534954 w 534954"/>
+                    <a:gd name="connsiteY3" fmla="*/ 267477 h 883535"/>
+                    <a:gd name="connsiteX4" fmla="*/ 530472 w 534954"/>
+                    <a:gd name="connsiteY4" fmla="*/ 883535 h 883535"/>
+                    <a:gd name="connsiteX5" fmla="*/ 0 w 534954"/>
+                    <a:gd name="connsiteY5" fmla="*/ 883535 h 883535"/>
+                    <a:gd name="connsiteX6" fmla="*/ 0 w 534954"/>
+                    <a:gd name="connsiteY6" fmla="*/ 267477 h 883535"/>
+                  </a:gdLst>
+                  <a:ahLst/>
+                  <a:cxnLst>
+                    <a:cxn ang="0">
+                      <a:pos x="connsiteX0" y="connsiteY0"/>
+                    </a:cxn>
+                    <a:cxn ang="0">
+                      <a:pos x="connsiteX1" y="connsiteY1"/>
+                    </a:cxn>
+                    <a:cxn ang="0">
+                      <a:pos x="connsiteX2" y="connsiteY2"/>
+                    </a:cxn>
+                    <a:cxn ang="0">
+                      <a:pos x="connsiteX3" y="connsiteY3"/>
+                    </a:cxn>
+                    <a:cxn ang="0">
+                      <a:pos x="connsiteX4" y="connsiteY4"/>
+                    </a:cxn>
+                    <a:cxn ang="0">
+                      <a:pos x="connsiteX5" y="connsiteY5"/>
+                    </a:cxn>
+                    <a:cxn ang="0">
+                      <a:pos x="connsiteX6" y="connsiteY6"/>
+                    </a:cxn>
+                  </a:cxnLst>
+                  <a:rect l="l" t="t" r="r" b="b"/>
+                  <a:pathLst>
+                    <a:path w="534954" h="883535">
+                      <a:moveTo>
+                        <a:pt x="0" y="267477"/>
+                      </a:moveTo>
+                      <a:cubicBezTo>
+                        <a:pt x="0" y="119754"/>
+                        <a:pt x="119754" y="0"/>
+                        <a:pt x="267477" y="0"/>
+                      </a:cubicBezTo>
+                      <a:lnTo>
+                        <a:pt x="267477" y="0"/>
+                      </a:lnTo>
+                      <a:cubicBezTo>
+                        <a:pt x="415200" y="0"/>
+                        <a:pt x="534954" y="119754"/>
+                        <a:pt x="534954" y="267477"/>
+                      </a:cubicBezTo>
+                      <a:lnTo>
+                        <a:pt x="530472" y="883535"/>
+                      </a:lnTo>
+                      <a:lnTo>
+                        <a:pt x="0" y="883535"/>
+                      </a:lnTo>
+                      <a:lnTo>
+                        <a:pt x="0" y="267477"/>
+                      </a:lnTo>
+                      <a:close/>
+                    </a:path>
+                  </a:pathLst>
+                </a:custGeom>
+                <a:solidFill>
+                  <a:srgbClr val="0AB0FF">
+                    <a:alpha val="80000"/>
+                  </a:srgbClr>
+                </a:solidFill>
+                <a:ln>
+                  <a:noFill/>
+                </a:ln>
+                <a:effectLst/>
+              </p:spPr>
+              <p:style>
+                <a:lnRef idx="2">
+                  <a:schemeClr val="accent1">
+                    <a:shade val="50000"/>
+                  </a:schemeClr>
+                </a:lnRef>
+                <a:fillRef idx="1">
+                  <a:schemeClr val="accent1"/>
+                </a:fillRef>
+                <a:effectRef idx="0">
+                  <a:schemeClr val="accent1"/>
+                </a:effectRef>
+                <a:fontRef idx="minor">
+                  <a:schemeClr val="lt1"/>
+                </a:fontRef>
+              </p:style>
+              <p:txBody>
+                <a:bodyPr rtlCol="0" anchor="ctr"/>
+                <a:lstStyle/>
+                <a:p>
+                  <a:pPr algn="ctr"/>
+                  <a:endParaRPr lang="zh-CN" altLang="en-US"/>
+                </a:p>
+              </p:txBody>
+            </p:sp>
+            <p:sp>
+              <p:nvSpPr>
+                <p:cNvPr id="157" name="任意多边形: 形状 156">
+                  <a:extLst>
+                    <a:ext uri="{FF2B5EF4-FFF2-40B4-BE49-F238E27FC236}">
+                      <a16:creationId xmlns:a16="http://schemas.microsoft.com/office/drawing/2014/main" id="{1BE5F275-76BA-4117-9C0A-39C90D3A8E44}"/>
+                    </a:ext>
+                  </a:extLst>
+                </p:cNvPr>
+                <p:cNvSpPr/>
+                <p:nvPr/>
+              </p:nvSpPr>
+              <p:spPr>
+                <a:xfrm>
+                  <a:off x="6992662" y="1715341"/>
+                  <a:ext cx="532928" cy="478055"/>
+                </a:xfrm>
+                <a:custGeom>
+                  <a:avLst/>
+                  <a:gdLst>
+                    <a:gd name="connsiteX0" fmla="*/ 0 w 532928"/>
+                    <a:gd name="connsiteY0" fmla="*/ 0 h 478055"/>
+                    <a:gd name="connsiteX1" fmla="*/ 532928 w 532928"/>
+                    <a:gd name="connsiteY1" fmla="*/ 140520 h 478055"/>
+                    <a:gd name="connsiteX2" fmla="*/ 530472 w 532928"/>
+                    <a:gd name="connsiteY2" fmla="*/ 478055 h 478055"/>
+                    <a:gd name="connsiteX3" fmla="*/ 0 w 532928"/>
+                    <a:gd name="connsiteY3" fmla="*/ 478055 h 478055"/>
+                  </a:gdLst>
+                  <a:ahLst/>
+                  <a:cxnLst>
+                    <a:cxn ang="0">
+                      <a:pos x="connsiteX0" y="connsiteY0"/>
+                    </a:cxn>
+                    <a:cxn ang="0">
+                      <a:pos x="connsiteX1" y="connsiteY1"/>
+                    </a:cxn>
+                    <a:cxn ang="0">
+                      <a:pos x="connsiteX2" y="connsiteY2"/>
+                    </a:cxn>
+                    <a:cxn ang="0">
+                      <a:pos x="connsiteX3" y="connsiteY3"/>
+                    </a:cxn>
+                  </a:cxnLst>
+                  <a:rect l="l" t="t" r="r" b="b"/>
+                  <a:pathLst>
+                    <a:path w="532928" h="478055">
+                      <a:moveTo>
+                        <a:pt x="0" y="0"/>
+                      </a:moveTo>
+                      <a:lnTo>
+                        <a:pt x="532928" y="140520"/>
+                      </a:lnTo>
+                      <a:lnTo>
+                        <a:pt x="530472" y="478055"/>
+                      </a:lnTo>
+                      <a:lnTo>
+                        <a:pt x="0" y="478055"/>
+                      </a:lnTo>
+                      <a:close/>
+                    </a:path>
+                  </a:pathLst>
+                </a:custGeom>
+                <a:solidFill>
+                  <a:srgbClr val="0AB0FF"/>
+                </a:solidFill>
+                <a:ln>
+                  <a:noFill/>
+                </a:ln>
+                <a:effectLst/>
+              </p:spPr>
+              <p:style>
+                <a:lnRef idx="2">
+                  <a:schemeClr val="accent1">
+                    <a:shade val="50000"/>
+                  </a:schemeClr>
+                </a:lnRef>
+                <a:fillRef idx="1">
+                  <a:schemeClr val="accent1"/>
+                </a:fillRef>
+                <a:effectRef idx="0">
+                  <a:schemeClr val="accent1"/>
+                </a:effectRef>
+                <a:fontRef idx="minor">
+                  <a:schemeClr val="lt1"/>
+                </a:fontRef>
+              </p:style>
+              <p:txBody>
+                <a:bodyPr wrap="square" rtlCol="0" anchor="ctr">
+                  <a:noAutofit/>
+                </a:bodyPr>
+                <a:lstStyle/>
+                <a:p>
+                  <a:pPr algn="ctr"/>
+                  <a:endParaRPr lang="zh-CN" altLang="en-US"/>
+                </a:p>
+              </p:txBody>
+            </p:sp>
+            <p:sp>
+              <p:nvSpPr>
+                <p:cNvPr id="158" name="矩形: 圆角 157">
+                  <a:extLst>
+                    <a:ext uri="{FF2B5EF4-FFF2-40B4-BE49-F238E27FC236}">
+                      <a16:creationId xmlns:a16="http://schemas.microsoft.com/office/drawing/2014/main" id="{0651CD71-14D7-446A-95B8-7688FACFEAE7}"/>
+                    </a:ext>
+                  </a:extLst>
+                </p:cNvPr>
+                <p:cNvSpPr>
+                  <a:spLocks noChangeAspect="1"/>
+                </p:cNvSpPr>
+                <p:nvPr/>
+              </p:nvSpPr>
+              <p:spPr>
+                <a:xfrm rot="7916071">
+                  <a:off x="7053927" y="1749040"/>
+                  <a:ext cx="402400" cy="82800"/>
+                </a:xfrm>
+                <a:prstGeom prst="roundRect">
+                  <a:avLst>
+                    <a:gd name="adj" fmla="val 50000"/>
+                  </a:avLst>
+                </a:prstGeom>
+                <a:solidFill>
+                  <a:schemeClr val="bg1"/>
+                </a:solidFill>
+                <a:ln>
+                  <a:noFill/>
+                </a:ln>
+              </p:spPr>
+              <p:style>
+                <a:lnRef idx="2">
+                  <a:schemeClr val="accent1">
+                    <a:shade val="50000"/>
+                  </a:schemeClr>
+                </a:lnRef>
+                <a:fillRef idx="1">
+                  <a:schemeClr val="accent1"/>
+                </a:fillRef>
+                <a:effectRef idx="0">
+                  <a:schemeClr val="accent1"/>
+                </a:effectRef>
+                <a:fontRef idx="minor">
+                  <a:schemeClr val="lt1"/>
+                </a:fontRef>
+              </p:style>
+              <p:txBody>
+                <a:bodyPr rtlCol="0" anchor="ctr"/>
+                <a:lstStyle/>
+                <a:p>
+                  <a:pPr algn="ctr"/>
+                  <a:endParaRPr lang="zh-CN" altLang="en-US"/>
+                </a:p>
+              </p:txBody>
+            </p:sp>
+          </p:grpSp>
+        </p:grpSp>
+      </p:grpSp>
+      <p:grpSp>
+        <p:nvGrpSpPr>
+          <p:cNvPr id="159" name="组合 158">
+            <a:extLst>
+              <a:ext uri="{FF2B5EF4-FFF2-40B4-BE49-F238E27FC236}">
+                <a16:creationId xmlns:a16="http://schemas.microsoft.com/office/drawing/2014/main" id="{B584F592-722B-4762-A324-9B79F380C3ED}"/>
+              </a:ext>
+            </a:extLst>
+          </p:cNvPr>
+          <p:cNvGrpSpPr/>
+          <p:nvPr/>
+        </p:nvGrpSpPr>
+        <p:grpSpPr>
+          <a:xfrm>
+            <a:off x="3259882" y="3431500"/>
+            <a:ext cx="867600" cy="868730"/>
+            <a:chOff x="3265288" y="1987217"/>
+            <a:chExt cx="867600" cy="868730"/>
+          </a:xfrm>
+        </p:grpSpPr>
+        <p:sp>
+          <p:nvSpPr>
+            <p:cNvPr id="160" name="矩形 159">
+              <a:extLst>
+                <a:ext uri="{FF2B5EF4-FFF2-40B4-BE49-F238E27FC236}">
+                  <a16:creationId xmlns:a16="http://schemas.microsoft.com/office/drawing/2014/main" id="{B073B691-DCC7-4AF2-88BE-D64ECDE8EAEB}"/>
+                </a:ext>
+              </a:extLst>
+            </p:cNvPr>
+            <p:cNvSpPr>
+              <a:spLocks/>
+            </p:cNvSpPr>
+            <p:nvPr/>
+          </p:nvSpPr>
+          <p:spPr>
+            <a:xfrm>
+              <a:off x="3265288" y="1987217"/>
+              <a:ext cx="867600" cy="868730"/>
+            </a:xfrm>
+            <a:prstGeom prst="rect">
+              <a:avLst/>
+            </a:prstGeom>
+            <a:noFill/>
+            <a:ln>
+              <a:noFill/>
+            </a:ln>
+          </p:spPr>
+          <p:style>
+            <a:lnRef idx="2">
+              <a:schemeClr val="accent1">
+                <a:shade val="50000"/>
+              </a:schemeClr>
+            </a:lnRef>
+            <a:fillRef idx="1">
+              <a:schemeClr val="accent1"/>
+            </a:fillRef>
+            <a:effectRef idx="0">
+              <a:schemeClr val="accent1"/>
+            </a:effectRef>
+            <a:fontRef idx="minor">
+              <a:schemeClr val="lt1"/>
+            </a:fontRef>
+          </p:style>
+          <p:txBody>
+            <a:bodyPr rtlCol="0" anchor="ctr"/>
+            <a:lstStyle/>
+            <a:p>
+              <a:pPr algn="ctr"/>
+              <a:endParaRPr lang="zh-CN" altLang="en-US"/>
+            </a:p>
+          </p:txBody>
+        </p:sp>
+        <p:grpSp>
+          <p:nvGrpSpPr>
+            <p:cNvPr id="161" name="组合 160">
+              <a:extLst>
+                <a:ext uri="{FF2B5EF4-FFF2-40B4-BE49-F238E27FC236}">
+                  <a16:creationId xmlns:a16="http://schemas.microsoft.com/office/drawing/2014/main" id="{78A466DF-4D9A-4152-862E-6CEE2271CE86}"/>
+                </a:ext>
+              </a:extLst>
+            </p:cNvPr>
+            <p:cNvGrpSpPr/>
+            <p:nvPr/>
+          </p:nvGrpSpPr>
+          <p:grpSpPr>
+            <a:xfrm>
+              <a:off x="3379130" y="2192982"/>
+              <a:ext cx="639916" cy="457200"/>
+              <a:chOff x="3293257" y="2213294"/>
+              <a:chExt cx="639916" cy="457200"/>
+            </a:xfrm>
+          </p:grpSpPr>
+          <p:sp>
+            <p:nvSpPr>
+              <p:cNvPr id="162" name="矩形: 圆角 161">
+                <a:extLst>
+                  <a:ext uri="{FF2B5EF4-FFF2-40B4-BE49-F238E27FC236}">
+                    <a16:creationId xmlns:a16="http://schemas.microsoft.com/office/drawing/2014/main" id="{59F61CC3-78B8-434F-ACC6-1A0BDBB0B8FF}"/>
+                  </a:ext>
+                </a:extLst>
+              </p:cNvPr>
+              <p:cNvSpPr/>
+              <p:nvPr/>
+            </p:nvSpPr>
+            <p:spPr>
+              <a:xfrm>
+                <a:off x="3293257" y="2213294"/>
+                <a:ext cx="639916" cy="457200"/>
+              </a:xfrm>
+              <a:prstGeom prst="roundRect">
+                <a:avLst>
+                  <a:gd name="adj" fmla="val 8448"/>
+                </a:avLst>
+              </a:prstGeom>
+              <a:solidFill>
+                <a:srgbClr val="EBEBEB"/>
+              </a:solidFill>
+              <a:ln>
+                <a:noFill/>
+              </a:ln>
+            </p:spPr>
+            <p:style>
+              <a:lnRef idx="2">
+                <a:schemeClr val="accent1">
+                  <a:shade val="50000"/>
+                </a:schemeClr>
+              </a:lnRef>
+              <a:fillRef idx="1">
+                <a:schemeClr val="accent1"/>
+              </a:fillRef>
+              <a:effectRef idx="0">
+                <a:schemeClr val="accent1"/>
+              </a:effectRef>
+              <a:fontRef idx="minor">
+                <a:schemeClr val="lt1"/>
+              </a:fontRef>
+            </p:style>
+            <p:txBody>
+              <a:bodyPr rtlCol="0" anchor="ctr"/>
+              <a:lstStyle/>
+              <a:p>
+                <a:pPr algn="ctr"/>
+                <a:endParaRPr lang="zh-CN" altLang="en-US"/>
+              </a:p>
+            </p:txBody>
+          </p:sp>
+          <p:sp>
+            <p:nvSpPr>
+              <p:cNvPr id="163" name="矩形: 圆角 162">
+                <a:extLst>
+                  <a:ext uri="{FF2B5EF4-FFF2-40B4-BE49-F238E27FC236}">
+                    <a16:creationId xmlns:a16="http://schemas.microsoft.com/office/drawing/2014/main" id="{37C58EE0-5990-4EF9-978F-CABAA16DD2CE}"/>
+                  </a:ext>
+                </a:extLst>
+              </p:cNvPr>
+              <p:cNvSpPr/>
+              <p:nvPr/>
+            </p:nvSpPr>
+            <p:spPr>
+              <a:xfrm>
+                <a:off x="3293257" y="2213294"/>
+                <a:ext cx="639916" cy="136616"/>
+              </a:xfrm>
+              <a:prstGeom prst="roundRect">
+                <a:avLst>
+                  <a:gd name="adj" fmla="val 0"/>
+                </a:avLst>
+              </a:prstGeom>
+              <a:solidFill>
+                <a:srgbClr val="3BBEFF"/>
+              </a:solidFill>
+              <a:ln>
+                <a:noFill/>
+              </a:ln>
+            </p:spPr>
+            <p:style>
+              <a:lnRef idx="2">
+                <a:schemeClr val="accent1">
+                  <a:shade val="50000"/>
+                </a:schemeClr>
+              </a:lnRef>
+              <a:fillRef idx="1">
+                <a:schemeClr val="accent1"/>
+              </a:fillRef>
+              <a:effectRef idx="0">
+                <a:schemeClr val="accent1"/>
+              </a:effectRef>
+              <a:fontRef idx="minor">
+                <a:schemeClr val="lt1"/>
+              </a:fontRef>
+            </p:style>
+            <p:txBody>
+              <a:bodyPr rtlCol="0" anchor="ctr"/>
+              <a:lstStyle/>
+              <a:p>
+                <a:pPr algn="ctr"/>
+                <a:endParaRPr lang="zh-CN" altLang="en-US"/>
+              </a:p>
+            </p:txBody>
+          </p:sp>
+          <p:cxnSp>
+            <p:nvCxnSpPr>
+              <p:cNvPr id="164" name="直接连接符 163">
+                <a:extLst>
+                  <a:ext uri="{FF2B5EF4-FFF2-40B4-BE49-F238E27FC236}">
+                    <a16:creationId xmlns:a16="http://schemas.microsoft.com/office/drawing/2014/main" id="{F774BE80-38FB-4713-AB2B-12E80F8C488E}"/>
+                  </a:ext>
+                </a:extLst>
+              </p:cNvPr>
+              <p:cNvCxnSpPr>
+                <a:cxnSpLocks/>
+              </p:cNvCxnSpPr>
+              <p:nvPr/>
+            </p:nvCxnSpPr>
+            <p:spPr>
+              <a:xfrm flipH="1">
+                <a:off x="3374110" y="2284185"/>
+                <a:ext cx="327331" cy="0"/>
+              </a:xfrm>
+              <a:prstGeom prst="line">
+                <a:avLst/>
+              </a:prstGeom>
+              <a:ln w="28575" cap="rnd">
+                <a:solidFill>
+                  <a:schemeClr val="bg1"/>
+                </a:solidFill>
+                <a:round/>
+              </a:ln>
+            </p:spPr>
+            <p:style>
+              <a:lnRef idx="1">
+                <a:schemeClr val="accent1"/>
+              </a:lnRef>
+              <a:fillRef idx="0">
+                <a:schemeClr val="accent1"/>
+              </a:fillRef>
+              <a:effectRef idx="0">
+                <a:schemeClr val="accent1"/>
+              </a:effectRef>
+              <a:fontRef idx="minor">
+                <a:schemeClr val="tx1"/>
+              </a:fontRef>
+            </p:style>
+          </p:cxnSp>
+          <p:cxnSp>
+            <p:nvCxnSpPr>
+              <p:cNvPr id="165" name="直接连接符 164">
+                <a:extLst>
+                  <a:ext uri="{FF2B5EF4-FFF2-40B4-BE49-F238E27FC236}">
+                    <a16:creationId xmlns:a16="http://schemas.microsoft.com/office/drawing/2014/main" id="{11F1552A-2CA3-4800-83D7-8DD29B7F82C6}"/>
+                  </a:ext>
+                </a:extLst>
+              </p:cNvPr>
+              <p:cNvCxnSpPr>
+                <a:cxnSpLocks/>
+              </p:cNvCxnSpPr>
+              <p:nvPr/>
+            </p:nvCxnSpPr>
+            <p:spPr>
+              <a:xfrm flipH="1">
+                <a:off x="3374110" y="2410468"/>
+                <a:ext cx="174928" cy="0"/>
+              </a:xfrm>
+              <a:prstGeom prst="line">
+                <a:avLst/>
+              </a:prstGeom>
+              <a:ln w="28575" cap="rnd">
+                <a:solidFill>
+                  <a:schemeClr val="bg1">
+                    <a:lumMod val="75000"/>
+                  </a:schemeClr>
+                </a:solidFill>
+                <a:round/>
+              </a:ln>
+            </p:spPr>
+            <p:style>
+              <a:lnRef idx="1">
+                <a:schemeClr val="accent1"/>
+              </a:lnRef>
+              <a:fillRef idx="0">
+                <a:schemeClr val="accent1"/>
+              </a:fillRef>
+              <a:effectRef idx="0">
+                <a:schemeClr val="accent1"/>
+              </a:effectRef>
+              <a:fontRef idx="minor">
+                <a:schemeClr val="tx1"/>
+              </a:fontRef>
+            </p:style>
+          </p:cxnSp>
+          <p:cxnSp>
+            <p:nvCxnSpPr>
+              <p:cNvPr id="166" name="直接连接符 165">
+                <a:extLst>
+                  <a:ext uri="{FF2B5EF4-FFF2-40B4-BE49-F238E27FC236}">
+                    <a16:creationId xmlns:a16="http://schemas.microsoft.com/office/drawing/2014/main" id="{76409F4E-DF4E-44AA-9EA1-0E7C711B6BE5}"/>
+                  </a:ext>
+                </a:extLst>
+              </p:cNvPr>
+              <p:cNvCxnSpPr>
+                <a:cxnSpLocks/>
+              </p:cNvCxnSpPr>
+              <p:nvPr/>
+            </p:nvCxnSpPr>
+            <p:spPr>
+              <a:xfrm flipH="1">
+                <a:off x="3374110" y="2480255"/>
+                <a:ext cx="280201" cy="0"/>
+              </a:xfrm>
+              <a:prstGeom prst="line">
+                <a:avLst/>
+              </a:prstGeom>
+              <a:ln w="28575" cap="rnd">
+                <a:solidFill>
+                  <a:schemeClr val="bg1">
+                    <a:lumMod val="75000"/>
+                  </a:schemeClr>
+                </a:solidFill>
+                <a:round/>
+              </a:ln>
+            </p:spPr>
+            <p:style>
+              <a:lnRef idx="1">
+                <a:schemeClr val="accent1"/>
+              </a:lnRef>
+              <a:fillRef idx="0">
+                <a:schemeClr val="accent1"/>
+              </a:fillRef>
+              <a:effectRef idx="0">
+                <a:schemeClr val="accent1"/>
+              </a:effectRef>
+              <a:fontRef idx="minor">
+                <a:schemeClr val="tx1"/>
+              </a:fontRef>
+            </p:style>
+          </p:cxnSp>
+        </p:grpSp>
+      </p:grpSp>
+      <p:sp>
+        <p:nvSpPr>
+          <p:cNvPr id="167" name="文本框 166">
+            <a:extLst>
+              <a:ext uri="{FF2B5EF4-FFF2-40B4-BE49-F238E27FC236}">
+                <a16:creationId xmlns:a16="http://schemas.microsoft.com/office/drawing/2014/main" id="{07E708B1-6A0B-4D9C-BF95-49061FD84FE8}"/>
+              </a:ext>
+            </a:extLst>
+          </p:cNvPr>
+          <p:cNvSpPr txBox="1"/>
+          <p:nvPr/>
+        </p:nvSpPr>
+        <p:spPr>
+          <a:xfrm>
+            <a:off x="1437028" y="4389659"/>
+            <a:ext cx="569387" cy="230832"/>
+          </a:xfrm>
+          <a:prstGeom prst="rect">
+            <a:avLst/>
+          </a:prstGeom>
+          <a:noFill/>
+        </p:spPr>
+        <p:txBody>
+          <a:bodyPr wrap="none" rtlCol="0">
+            <a:spAutoFit/>
+          </a:bodyPr>
+          <a:lstStyle/>
+          <a:p>
+            <a:pPr algn="ctr"/>
+            <a:r>
+              <a:rPr lang="en-US" altLang="zh-CN" sz="900" dirty="0">
+                <a:solidFill>
+                  <a:schemeClr val="bg1">
+                    <a:lumMod val="85000"/>
+                  </a:schemeClr>
+                </a:solidFill>
+                <a:latin typeface="微软雅黑" panose="020B0503020204020204" pitchFamily="34" charset="-122"/>
+                <a:ea typeface="微软雅黑" panose="020B0503020204020204" pitchFamily="34" charset="-122"/>
+              </a:rPr>
+              <a:t>Project</a:t>
+            </a:r>
+            <a:endParaRPr lang="zh-CN" altLang="en-US" sz="900" dirty="0">
+              <a:solidFill>
+                <a:schemeClr val="bg1">
+                  <a:lumMod val="85000"/>
+                </a:schemeClr>
+              </a:solidFill>
+              <a:latin typeface="微软雅黑" panose="020B0503020204020204" pitchFamily="34" charset="-122"/>
+              <a:ea typeface="微软雅黑" panose="020B0503020204020204" pitchFamily="34" charset="-122"/>
+            </a:endParaRPr>
+          </a:p>
+        </p:txBody>
+      </p:sp>
+      <p:sp>
+        <p:nvSpPr>
+          <p:cNvPr id="168" name="文本框 167">
+            <a:extLst>
+              <a:ext uri="{FF2B5EF4-FFF2-40B4-BE49-F238E27FC236}">
+                <a16:creationId xmlns:a16="http://schemas.microsoft.com/office/drawing/2014/main" id="{DAB1CE60-3614-44A3-A491-747E3F5B9B76}"/>
+              </a:ext>
+            </a:extLst>
+          </p:cNvPr>
+          <p:cNvSpPr txBox="1"/>
+          <p:nvPr/>
+        </p:nvSpPr>
+        <p:spPr>
+          <a:xfrm>
+            <a:off x="2494176" y="4389658"/>
+            <a:ext cx="431528" cy="230832"/>
+          </a:xfrm>
+          <a:prstGeom prst="rect">
+            <a:avLst/>
+          </a:prstGeom>
+          <a:noFill/>
+        </p:spPr>
+        <p:txBody>
+          <a:bodyPr wrap="none" rtlCol="0">
+            <a:spAutoFit/>
+          </a:bodyPr>
+          <a:lstStyle/>
+          <a:p>
+            <a:pPr algn="ctr"/>
+            <a:r>
+              <a:rPr lang="en-US" altLang="zh-CN" sz="900" dirty="0">
+                <a:solidFill>
+                  <a:schemeClr val="bg1">
+                    <a:lumMod val="85000"/>
+                  </a:schemeClr>
+                </a:solidFill>
+                <a:latin typeface="微软雅黑" panose="020B0503020204020204" pitchFamily="34" charset="-122"/>
+                <a:ea typeface="微软雅黑" panose="020B0503020204020204" pitchFamily="34" charset="-122"/>
+              </a:rPr>
+              <a:t>C++</a:t>
+            </a:r>
+            <a:endParaRPr lang="zh-CN" altLang="en-US" sz="900" dirty="0">
+              <a:solidFill>
+                <a:schemeClr val="bg1">
+                  <a:lumMod val="85000"/>
+                </a:schemeClr>
+              </a:solidFill>
+              <a:latin typeface="微软雅黑" panose="020B0503020204020204" pitchFamily="34" charset="-122"/>
+              <a:ea typeface="微软雅黑" panose="020B0503020204020204" pitchFamily="34" charset="-122"/>
+            </a:endParaRPr>
+          </a:p>
+        </p:txBody>
+      </p:sp>
+      <p:sp>
+        <p:nvSpPr>
+          <p:cNvPr id="169" name="文本框 168">
+            <a:extLst>
+              <a:ext uri="{FF2B5EF4-FFF2-40B4-BE49-F238E27FC236}">
+                <a16:creationId xmlns:a16="http://schemas.microsoft.com/office/drawing/2014/main" id="{696CA60B-220D-45EB-8759-B666391EE3E1}"/>
+              </a:ext>
+            </a:extLst>
+          </p:cNvPr>
+          <p:cNvSpPr txBox="1"/>
+          <p:nvPr/>
+        </p:nvSpPr>
+        <p:spPr>
+          <a:xfrm>
+            <a:off x="3373724" y="4389658"/>
+            <a:ext cx="628697" cy="230832"/>
+          </a:xfrm>
+          <a:prstGeom prst="rect">
+            <a:avLst/>
+          </a:prstGeom>
+          <a:noFill/>
+        </p:spPr>
+        <p:txBody>
+          <a:bodyPr wrap="none" rtlCol="0">
+            <a:spAutoFit/>
+          </a:bodyPr>
+          <a:lstStyle/>
+          <a:p>
+            <a:pPr algn="ctr"/>
+            <a:r>
+              <a:rPr lang="en-US" altLang="zh-CN" sz="900" dirty="0">
+                <a:solidFill>
+                  <a:schemeClr val="bg1">
+                    <a:lumMod val="85000"/>
+                  </a:schemeClr>
+                </a:solidFill>
+                <a:latin typeface="微软雅黑" panose="020B0503020204020204" pitchFamily="34" charset="-122"/>
+                <a:ea typeface="微软雅黑" panose="020B0503020204020204" pitchFamily="34" charset="-122"/>
+              </a:rPr>
+              <a:t>Console</a:t>
+            </a:r>
+            <a:endParaRPr lang="zh-CN" altLang="en-US" sz="900" dirty="0">
+              <a:solidFill>
+                <a:schemeClr val="bg1">
+                  <a:lumMod val="85000"/>
+                </a:schemeClr>
+              </a:solidFill>
+              <a:latin typeface="微软雅黑" panose="020B0503020204020204" pitchFamily="34" charset="-122"/>
+              <a:ea typeface="微软雅黑" panose="020B0503020204020204" pitchFamily="34" charset="-122"/>
+            </a:endParaRPr>
+          </a:p>
+        </p:txBody>
+      </p:sp>
+      <p:grpSp>
+        <p:nvGrpSpPr>
+          <p:cNvPr id="170" name="组合 169">
+            <a:extLst>
+              <a:ext uri="{FF2B5EF4-FFF2-40B4-BE49-F238E27FC236}">
+                <a16:creationId xmlns:a16="http://schemas.microsoft.com/office/drawing/2014/main" id="{02099172-3565-4451-A156-1F39E4AF666C}"/>
+              </a:ext>
+            </a:extLst>
+          </p:cNvPr>
+          <p:cNvGrpSpPr/>
+          <p:nvPr/>
+        </p:nvGrpSpPr>
+        <p:grpSpPr>
+          <a:xfrm>
+            <a:off x="2276140" y="3431500"/>
+            <a:ext cx="867600" cy="868730"/>
+            <a:chOff x="2309246" y="1951937"/>
+            <a:chExt cx="867600" cy="868730"/>
+          </a:xfrm>
+        </p:grpSpPr>
+        <p:sp>
+          <p:nvSpPr>
+            <p:cNvPr id="171" name="矩形 170">
+              <a:extLst>
+                <a:ext uri="{FF2B5EF4-FFF2-40B4-BE49-F238E27FC236}">
+                  <a16:creationId xmlns:a16="http://schemas.microsoft.com/office/drawing/2014/main" id="{3079D4BB-BF84-4023-B784-3B6A3D7A5067}"/>
+                </a:ext>
+              </a:extLst>
+            </p:cNvPr>
+            <p:cNvSpPr>
+              <a:spLocks/>
+            </p:cNvSpPr>
+            <p:nvPr/>
+          </p:nvSpPr>
+          <p:spPr>
+            <a:xfrm>
+              <a:off x="2309246" y="1951937"/>
+              <a:ext cx="867600" cy="868730"/>
+            </a:xfrm>
+            <a:prstGeom prst="rect">
+              <a:avLst/>
+            </a:prstGeom>
+            <a:noFill/>
+            <a:ln>
+              <a:noFill/>
+            </a:ln>
+          </p:spPr>
+          <p:style>
+            <a:lnRef idx="2">
+              <a:schemeClr val="accent1">
+                <a:shade val="50000"/>
+              </a:schemeClr>
+            </a:lnRef>
+            <a:fillRef idx="1">
+              <a:schemeClr val="accent1"/>
+            </a:fillRef>
+            <a:effectRef idx="0">
+              <a:schemeClr val="accent1"/>
+            </a:effectRef>
+            <a:fontRef idx="minor">
+              <a:schemeClr val="lt1"/>
+            </a:fontRef>
+          </p:style>
+          <p:txBody>
+            <a:bodyPr rtlCol="0" anchor="ctr"/>
+            <a:lstStyle/>
+            <a:p>
+              <a:pPr algn="ctr"/>
+              <a:endParaRPr lang="zh-CN" altLang="en-US"/>
+            </a:p>
+          </p:txBody>
+        </p:sp>
+        <p:grpSp>
+          <p:nvGrpSpPr>
+            <p:cNvPr id="172" name="组合 171">
+              <a:extLst>
+                <a:ext uri="{FF2B5EF4-FFF2-40B4-BE49-F238E27FC236}">
+                  <a16:creationId xmlns:a16="http://schemas.microsoft.com/office/drawing/2014/main" id="{595575D9-FD8C-4391-9F49-8E3A9D75B335}"/>
+                </a:ext>
+              </a:extLst>
+            </p:cNvPr>
+            <p:cNvGrpSpPr/>
+            <p:nvPr/>
+          </p:nvGrpSpPr>
+          <p:grpSpPr>
+            <a:xfrm>
+              <a:off x="2438095" y="2116410"/>
+              <a:ext cx="609903" cy="539785"/>
+              <a:chOff x="2464521" y="2130709"/>
+              <a:chExt cx="609903" cy="539785"/>
+            </a:xfrm>
+          </p:grpSpPr>
+          <p:sp>
+            <p:nvSpPr>
+              <p:cNvPr id="173" name="椭圆 172">
+                <a:extLst>
+                  <a:ext uri="{FF2B5EF4-FFF2-40B4-BE49-F238E27FC236}">
+                    <a16:creationId xmlns:a16="http://schemas.microsoft.com/office/drawing/2014/main" id="{D8142426-96B7-4B1E-9F08-3D6194B89C2C}"/>
+                  </a:ext>
+                </a:extLst>
+              </p:cNvPr>
+              <p:cNvSpPr/>
+              <p:nvPr/>
+            </p:nvSpPr>
+            <p:spPr>
+              <a:xfrm>
+                <a:off x="2464521" y="2130709"/>
+                <a:ext cx="539734" cy="539785"/>
+              </a:xfrm>
+              <a:prstGeom prst="ellipse">
+                <a:avLst/>
+              </a:prstGeom>
+              <a:solidFill>
+                <a:srgbClr val="EBEBEB"/>
+              </a:solidFill>
+              <a:ln>
+                <a:noFill/>
+              </a:ln>
+            </p:spPr>
+            <p:style>
+              <a:lnRef idx="2">
+                <a:schemeClr val="accent1">
+                  <a:shade val="50000"/>
+                </a:schemeClr>
+              </a:lnRef>
+              <a:fillRef idx="1">
+                <a:schemeClr val="accent1"/>
+              </a:fillRef>
+              <a:effectRef idx="0">
+                <a:schemeClr val="accent1"/>
+              </a:effectRef>
+              <a:fontRef idx="minor">
+                <a:schemeClr val="lt1"/>
+              </a:fontRef>
+            </p:style>
+            <p:txBody>
+              <a:bodyPr rtlCol="0" anchor="ctr"/>
+              <a:lstStyle/>
+              <a:p>
+                <a:pPr algn="ctr"/>
+                <a:endParaRPr lang="zh-CN" altLang="en-US" dirty="0"/>
+              </a:p>
+            </p:txBody>
+          </p:sp>
+          <p:sp>
+            <p:nvSpPr>
+              <p:cNvPr id="174" name="弧形 173">
+                <a:extLst>
+                  <a:ext uri="{FF2B5EF4-FFF2-40B4-BE49-F238E27FC236}">
+                    <a16:creationId xmlns:a16="http://schemas.microsoft.com/office/drawing/2014/main" id="{F5BE68E9-807E-4E59-97B8-956058F43A9F}"/>
+                  </a:ext>
+                </a:extLst>
+              </p:cNvPr>
+              <p:cNvSpPr>
+                <a:spLocks noChangeAspect="1"/>
+              </p:cNvSpPr>
+              <p:nvPr/>
+            </p:nvSpPr>
+            <p:spPr>
+              <a:xfrm>
+                <a:off x="2595889" y="2256010"/>
+                <a:ext cx="288000" cy="288000"/>
+              </a:xfrm>
+              <a:prstGeom prst="arc">
+                <a:avLst>
+                  <a:gd name="adj1" fmla="val 2220813"/>
+                  <a:gd name="adj2" fmla="val 16605377"/>
+                </a:avLst>
+              </a:prstGeom>
+              <a:ln w="38100" cap="rnd">
+                <a:solidFill>
+                  <a:srgbClr val="0AB0FF"/>
+                </a:solidFill>
+                <a:round/>
+              </a:ln>
+            </p:spPr>
+            <p:style>
+              <a:lnRef idx="1">
+                <a:schemeClr val="accent1"/>
+              </a:lnRef>
+              <a:fillRef idx="0">
+                <a:schemeClr val="accent1"/>
+              </a:fillRef>
+              <a:effectRef idx="0">
+                <a:schemeClr val="accent1"/>
+              </a:effectRef>
+              <a:fontRef idx="minor">
+                <a:schemeClr val="tx1"/>
+              </a:fontRef>
+            </p:style>
+            <p:txBody>
+              <a:bodyPr rtlCol="0" anchor="ctr"/>
+              <a:lstStyle/>
+              <a:p>
+                <a:pPr algn="ctr"/>
+                <a:endParaRPr lang="zh-CN" altLang="en-US"/>
+              </a:p>
+            </p:txBody>
+          </p:sp>
+          <p:grpSp>
+            <p:nvGrpSpPr>
+              <p:cNvPr id="175" name="组合 174">
+                <a:extLst>
+                  <a:ext uri="{FF2B5EF4-FFF2-40B4-BE49-F238E27FC236}">
+                    <a16:creationId xmlns:a16="http://schemas.microsoft.com/office/drawing/2014/main" id="{42386630-5B75-4C20-ACE7-A77FA72F370C}"/>
+                  </a:ext>
+                </a:extLst>
+              </p:cNvPr>
+              <p:cNvGrpSpPr>
+                <a:grpSpLocks noChangeAspect="1"/>
+              </p:cNvGrpSpPr>
+              <p:nvPr/>
+            </p:nvGrpSpPr>
+            <p:grpSpPr>
+              <a:xfrm>
+                <a:off x="2842992" y="2139139"/>
+                <a:ext cx="231432" cy="102803"/>
+                <a:chOff x="2852347" y="2115381"/>
+                <a:chExt cx="408748" cy="181566"/>
+              </a:xfrm>
+            </p:grpSpPr>
+            <p:grpSp>
+              <p:nvGrpSpPr>
+                <p:cNvPr id="176" name="组合 175">
+                  <a:extLst>
+                    <a:ext uri="{FF2B5EF4-FFF2-40B4-BE49-F238E27FC236}">
+                      <a16:creationId xmlns:a16="http://schemas.microsoft.com/office/drawing/2014/main" id="{4389A677-6E1E-4ADC-8A43-54495D755481}"/>
+                    </a:ext>
+                  </a:extLst>
+                </p:cNvPr>
+                <p:cNvGrpSpPr/>
+                <p:nvPr/>
+              </p:nvGrpSpPr>
+              <p:grpSpPr>
+                <a:xfrm>
+                  <a:off x="2852347" y="2115381"/>
+                  <a:ext cx="174928" cy="181317"/>
+                  <a:chOff x="2852347" y="2115381"/>
+                  <a:chExt cx="174928" cy="181317"/>
+                </a:xfrm>
+              </p:grpSpPr>
+              <p:cxnSp>
+                <p:nvCxnSpPr>
+                  <p:cNvPr id="180" name="直接连接符 179">
+                    <a:extLst>
+                      <a:ext uri="{FF2B5EF4-FFF2-40B4-BE49-F238E27FC236}">
+                        <a16:creationId xmlns:a16="http://schemas.microsoft.com/office/drawing/2014/main" id="{DB89D450-7E3E-4453-B671-510DB513C997}"/>
+                      </a:ext>
+                    </a:extLst>
+                  </p:cNvPr>
+                  <p:cNvCxnSpPr>
+                    <a:cxnSpLocks/>
+                  </p:cNvCxnSpPr>
+                  <p:nvPr/>
+                </p:nvCxnSpPr>
+                <p:spPr>
+                  <a:xfrm flipH="1">
+                    <a:off x="2852347" y="2201099"/>
+                    <a:ext cx="174928" cy="0"/>
+                  </a:xfrm>
+                  <a:prstGeom prst="line">
+                    <a:avLst/>
+                  </a:prstGeom>
+                  <a:ln w="19050" cap="rnd">
+                    <a:solidFill>
+                      <a:srgbClr val="3BBEFF"/>
+                    </a:solidFill>
+                    <a:round/>
+                  </a:ln>
+                </p:spPr>
+                <p:style>
+                  <a:lnRef idx="1">
+                    <a:schemeClr val="accent1"/>
+                  </a:lnRef>
+                  <a:fillRef idx="0">
+                    <a:schemeClr val="accent1"/>
+                  </a:fillRef>
+                  <a:effectRef idx="0">
+                    <a:schemeClr val="accent1"/>
+                  </a:effectRef>
+                  <a:fontRef idx="minor">
+                    <a:schemeClr val="tx1"/>
+                  </a:fontRef>
+                </p:style>
+              </p:cxnSp>
+              <p:cxnSp>
+                <p:nvCxnSpPr>
+                  <p:cNvPr id="181" name="直接连接符 180">
+                    <a:extLst>
+                      <a:ext uri="{FF2B5EF4-FFF2-40B4-BE49-F238E27FC236}">
+                        <a16:creationId xmlns:a16="http://schemas.microsoft.com/office/drawing/2014/main" id="{529667F0-B1CE-4BB9-BAB8-0680C2B3C8FB}"/>
+                      </a:ext>
+                    </a:extLst>
+                  </p:cNvPr>
+                  <p:cNvCxnSpPr>
+                    <a:cxnSpLocks/>
+                  </p:cNvCxnSpPr>
+                  <p:nvPr/>
+                </p:nvCxnSpPr>
+                <p:spPr>
+                  <a:xfrm>
+                    <a:off x="2945158" y="2115381"/>
+                    <a:ext cx="492" cy="181317"/>
+                  </a:xfrm>
+                  <a:prstGeom prst="line">
+                    <a:avLst/>
+                  </a:prstGeom>
+                  <a:ln w="19050" cap="rnd">
+                    <a:solidFill>
+                      <a:srgbClr val="3BBEFF">
+                        <a:alpha val="70000"/>
+                      </a:srgbClr>
+                    </a:solidFill>
+                    <a:round/>
+                  </a:ln>
+                </p:spPr>
+                <p:style>
+                  <a:lnRef idx="1">
+                    <a:schemeClr val="accent1"/>
+                  </a:lnRef>
+                  <a:fillRef idx="0">
+                    <a:schemeClr val="accent1"/>
+                  </a:fillRef>
+                  <a:effectRef idx="0">
+                    <a:schemeClr val="accent1"/>
+                  </a:effectRef>
+                  <a:fontRef idx="minor">
+                    <a:schemeClr val="tx1"/>
+                  </a:fontRef>
+                </p:style>
+              </p:cxnSp>
+            </p:grpSp>
+            <p:grpSp>
+              <p:nvGrpSpPr>
+                <p:cNvPr id="177" name="组合 176">
+                  <a:extLst>
+                    <a:ext uri="{FF2B5EF4-FFF2-40B4-BE49-F238E27FC236}">
+                      <a16:creationId xmlns:a16="http://schemas.microsoft.com/office/drawing/2014/main" id="{AC08D4C8-8B01-4EE5-93B6-5F6497E8F1D6}"/>
+                    </a:ext>
+                  </a:extLst>
+                </p:cNvPr>
+                <p:cNvGrpSpPr/>
+                <p:nvPr/>
+              </p:nvGrpSpPr>
+              <p:grpSpPr>
+                <a:xfrm>
+                  <a:off x="3086167" y="2115630"/>
+                  <a:ext cx="174928" cy="181317"/>
+                  <a:chOff x="2879603" y="2115381"/>
+                  <a:chExt cx="174928" cy="181317"/>
+                </a:xfrm>
+              </p:grpSpPr>
+              <p:cxnSp>
+                <p:nvCxnSpPr>
+                  <p:cNvPr id="178" name="直接连接符 177">
+                    <a:extLst>
+                      <a:ext uri="{FF2B5EF4-FFF2-40B4-BE49-F238E27FC236}">
+                        <a16:creationId xmlns:a16="http://schemas.microsoft.com/office/drawing/2014/main" id="{0DD8C421-EE3B-4826-8F5D-D1ADF8FE7423}"/>
+                      </a:ext>
+                    </a:extLst>
+                  </p:cNvPr>
+                  <p:cNvCxnSpPr>
+                    <a:cxnSpLocks/>
+                  </p:cNvCxnSpPr>
+                  <p:nvPr/>
+                </p:nvCxnSpPr>
+                <p:spPr>
+                  <a:xfrm flipH="1">
+                    <a:off x="2879603" y="2201100"/>
+                    <a:ext cx="174928" cy="0"/>
+                  </a:xfrm>
+                  <a:prstGeom prst="line">
+                    <a:avLst/>
+                  </a:prstGeom>
+                  <a:ln w="19050" cap="rnd">
+                    <a:solidFill>
+                      <a:srgbClr val="3BBEFF">
+                        <a:alpha val="70000"/>
+                      </a:srgbClr>
+                    </a:solidFill>
+                    <a:round/>
+                  </a:ln>
+                </p:spPr>
+                <p:style>
+                  <a:lnRef idx="1">
+                    <a:schemeClr val="accent1"/>
+                  </a:lnRef>
+                  <a:fillRef idx="0">
+                    <a:schemeClr val="accent1"/>
+                  </a:fillRef>
+                  <a:effectRef idx="0">
+                    <a:schemeClr val="accent1"/>
+                  </a:effectRef>
+                  <a:fontRef idx="minor">
+                    <a:schemeClr val="tx1"/>
+                  </a:fontRef>
+                </p:style>
+              </p:cxnSp>
+              <p:cxnSp>
+                <p:nvCxnSpPr>
+                  <p:cNvPr id="179" name="直接连接符 178">
+                    <a:extLst>
+                      <a:ext uri="{FF2B5EF4-FFF2-40B4-BE49-F238E27FC236}">
+                        <a16:creationId xmlns:a16="http://schemas.microsoft.com/office/drawing/2014/main" id="{D5DE9948-7612-482E-BF9B-0BDBC840F71E}"/>
+                      </a:ext>
+                    </a:extLst>
+                  </p:cNvPr>
+                  <p:cNvCxnSpPr>
+                    <a:cxnSpLocks/>
+                  </p:cNvCxnSpPr>
+                  <p:nvPr/>
+                </p:nvCxnSpPr>
+                <p:spPr>
+                  <a:xfrm>
+                    <a:off x="2972413" y="2115381"/>
+                    <a:ext cx="493" cy="181317"/>
+                  </a:xfrm>
+                  <a:prstGeom prst="line">
+                    <a:avLst/>
+                  </a:prstGeom>
+                  <a:ln w="19050" cap="rnd">
+                    <a:solidFill>
+                      <a:srgbClr val="3BBEFF"/>
+                    </a:solidFill>
+                    <a:round/>
+                  </a:ln>
+                </p:spPr>
+                <p:style>
+                  <a:lnRef idx="1">
+                    <a:schemeClr val="accent1"/>
+                  </a:lnRef>
+                  <a:fillRef idx="0">
+                    <a:schemeClr val="accent1"/>
+                  </a:fillRef>
+                  <a:effectRef idx="0">
+                    <a:schemeClr val="accent1"/>
+                  </a:effectRef>
+                  <a:fontRef idx="minor">
+                    <a:schemeClr val="tx1"/>
+                  </a:fontRef>
+                </p:style>
+              </p:cxnSp>
+            </p:grpSp>
+          </p:grpSp>
+        </p:grpSp>
+      </p:grpSp>
+      <p:sp>
+        <p:nvSpPr>
+          <p:cNvPr id="182" name="文本框 181">
+            <a:extLst>
+              <a:ext uri="{FF2B5EF4-FFF2-40B4-BE49-F238E27FC236}">
+                <a16:creationId xmlns:a16="http://schemas.microsoft.com/office/drawing/2014/main" id="{1D7A5389-779C-4019-8532-E4AC41325452}"/>
+              </a:ext>
+            </a:extLst>
+          </p:cNvPr>
+          <p:cNvSpPr txBox="1"/>
+          <p:nvPr/>
+        </p:nvSpPr>
+        <p:spPr>
+          <a:xfrm>
+            <a:off x="4392239" y="4366260"/>
+            <a:ext cx="537327" cy="230832"/>
+          </a:xfrm>
+          <a:prstGeom prst="rect">
+            <a:avLst/>
+          </a:prstGeom>
+          <a:noFill/>
+        </p:spPr>
+        <p:txBody>
+          <a:bodyPr wrap="none" rtlCol="0">
+            <a:spAutoFit/>
+          </a:bodyPr>
+          <a:lstStyle/>
+          <a:p>
+            <a:pPr algn="ctr"/>
+            <a:r>
+              <a:rPr lang="en-US" altLang="zh-CN" sz="900" dirty="0">
+                <a:solidFill>
+                  <a:schemeClr val="bg1">
+                    <a:lumMod val="85000"/>
+                  </a:schemeClr>
+                </a:solidFill>
+                <a:latin typeface="微软雅黑" panose="020B0503020204020204" pitchFamily="34" charset="-122"/>
+                <a:ea typeface="微软雅黑" panose="020B0503020204020204" pitchFamily="34" charset="-122"/>
+              </a:rPr>
+              <a:t>Win32</a:t>
+            </a:r>
+            <a:endParaRPr lang="zh-CN" altLang="en-US" sz="900" dirty="0">
+              <a:solidFill>
+                <a:schemeClr val="bg1">
+                  <a:lumMod val="85000"/>
+                </a:schemeClr>
+              </a:solidFill>
+              <a:latin typeface="微软雅黑" panose="020B0503020204020204" pitchFamily="34" charset="-122"/>
+              <a:ea typeface="微软雅黑" panose="020B0503020204020204" pitchFamily="34" charset="-122"/>
+            </a:endParaRPr>
+          </a:p>
+        </p:txBody>
+      </p:sp>
+      <p:grpSp>
+        <p:nvGrpSpPr>
+          <p:cNvPr id="183" name="组合 182">
+            <a:extLst>
+              <a:ext uri="{FF2B5EF4-FFF2-40B4-BE49-F238E27FC236}">
+                <a16:creationId xmlns:a16="http://schemas.microsoft.com/office/drawing/2014/main" id="{53208AD1-1913-4665-AE53-0BEA6CA8CA57}"/>
+              </a:ext>
+            </a:extLst>
+          </p:cNvPr>
+          <p:cNvGrpSpPr/>
+          <p:nvPr/>
+        </p:nvGrpSpPr>
+        <p:grpSpPr>
+          <a:xfrm>
+            <a:off x="4243625" y="3431500"/>
+            <a:ext cx="867600" cy="868730"/>
+            <a:chOff x="4243625" y="1987217"/>
+            <a:chExt cx="867600" cy="868730"/>
+          </a:xfrm>
+        </p:grpSpPr>
+        <p:sp>
+          <p:nvSpPr>
+            <p:cNvPr id="184" name="矩形 183">
+              <a:extLst>
+                <a:ext uri="{FF2B5EF4-FFF2-40B4-BE49-F238E27FC236}">
+                  <a16:creationId xmlns:a16="http://schemas.microsoft.com/office/drawing/2014/main" id="{B26C15CD-E8F5-46BC-9CDA-029C82145256}"/>
+                </a:ext>
+              </a:extLst>
+            </p:cNvPr>
+            <p:cNvSpPr>
+              <a:spLocks/>
+            </p:cNvSpPr>
+            <p:nvPr/>
+          </p:nvSpPr>
+          <p:spPr>
+            <a:xfrm>
+              <a:off x="4243625" y="1987217"/>
+              <a:ext cx="867600" cy="868730"/>
+            </a:xfrm>
+            <a:prstGeom prst="rect">
+              <a:avLst/>
+            </a:prstGeom>
+            <a:noFill/>
+            <a:ln>
+              <a:noFill/>
+            </a:ln>
+          </p:spPr>
+          <p:style>
+            <a:lnRef idx="2">
+              <a:schemeClr val="accent1">
+                <a:shade val="50000"/>
+              </a:schemeClr>
+            </a:lnRef>
+            <a:fillRef idx="1">
+              <a:schemeClr val="accent1"/>
+            </a:fillRef>
+            <a:effectRef idx="0">
+              <a:schemeClr val="accent1"/>
+            </a:effectRef>
+            <a:fontRef idx="minor">
+              <a:schemeClr val="lt1"/>
+            </a:fontRef>
+          </p:style>
+          <p:txBody>
+            <a:bodyPr rtlCol="0" anchor="ctr"/>
+            <a:lstStyle/>
+            <a:p>
+              <a:pPr algn="ctr"/>
+              <a:endParaRPr lang="zh-CN" altLang="en-US"/>
+            </a:p>
+          </p:txBody>
+        </p:sp>
+        <p:grpSp>
+          <p:nvGrpSpPr>
+            <p:cNvPr id="185" name="组合 184">
+              <a:extLst>
+                <a:ext uri="{FF2B5EF4-FFF2-40B4-BE49-F238E27FC236}">
+                  <a16:creationId xmlns:a16="http://schemas.microsoft.com/office/drawing/2014/main" id="{5FD2CD32-F8F8-476F-8EBE-35FEF9F452D1}"/>
+                </a:ext>
+              </a:extLst>
+            </p:cNvPr>
+            <p:cNvGrpSpPr/>
+            <p:nvPr/>
+          </p:nvGrpSpPr>
+          <p:grpSpPr>
+            <a:xfrm>
+              <a:off x="4361495" y="2168626"/>
+              <a:ext cx="631861" cy="505912"/>
+              <a:chOff x="4352288" y="2154125"/>
+              <a:chExt cx="631861" cy="505912"/>
+            </a:xfrm>
+          </p:grpSpPr>
+          <p:grpSp>
+            <p:nvGrpSpPr>
+              <p:cNvPr id="186" name="组合 185">
+                <a:extLst>
+                  <a:ext uri="{FF2B5EF4-FFF2-40B4-BE49-F238E27FC236}">
+                    <a16:creationId xmlns:a16="http://schemas.microsoft.com/office/drawing/2014/main" id="{D1C3D9DC-58A5-41AF-B18E-541FFF7764C7}"/>
+                  </a:ext>
+                </a:extLst>
+              </p:cNvPr>
+              <p:cNvGrpSpPr/>
+              <p:nvPr/>
+            </p:nvGrpSpPr>
+            <p:grpSpPr>
+              <a:xfrm>
+                <a:off x="4352288" y="2154125"/>
+                <a:ext cx="577278" cy="428734"/>
+                <a:chOff x="5002526" y="2339452"/>
+                <a:chExt cx="577278" cy="428734"/>
+              </a:xfrm>
+            </p:grpSpPr>
+            <p:sp>
+              <p:nvSpPr>
+                <p:cNvPr id="190" name="矩形: 圆角 189">
+                  <a:extLst>
+                    <a:ext uri="{FF2B5EF4-FFF2-40B4-BE49-F238E27FC236}">
+                      <a16:creationId xmlns:a16="http://schemas.microsoft.com/office/drawing/2014/main" id="{C5ACA95F-6482-477D-BDAC-B984934C16D8}"/>
+                    </a:ext>
+                  </a:extLst>
+                </p:cNvPr>
+                <p:cNvSpPr/>
+                <p:nvPr/>
+              </p:nvSpPr>
+              <p:spPr>
+                <a:xfrm>
+                  <a:off x="5002526" y="2360789"/>
+                  <a:ext cx="577278" cy="407397"/>
+                </a:xfrm>
+                <a:prstGeom prst="roundRect">
+                  <a:avLst/>
+                </a:prstGeom>
+                <a:solidFill>
+                  <a:srgbClr val="E2E2E2"/>
+                </a:solidFill>
+                <a:ln>
+                  <a:noFill/>
+                </a:ln>
+              </p:spPr>
+              <p:style>
+                <a:lnRef idx="2">
+                  <a:schemeClr val="accent1">
+                    <a:shade val="50000"/>
+                  </a:schemeClr>
+                </a:lnRef>
+                <a:fillRef idx="1">
+                  <a:schemeClr val="accent1"/>
+                </a:fillRef>
+                <a:effectRef idx="0">
+                  <a:schemeClr val="accent1"/>
+                </a:effectRef>
+                <a:fontRef idx="minor">
+                  <a:schemeClr val="lt1"/>
+                </a:fontRef>
+              </p:style>
+              <p:txBody>
+                <a:bodyPr rtlCol="0" anchor="ctr"/>
+                <a:lstStyle/>
+                <a:p>
+                  <a:pPr algn="ctr"/>
+                  <a:endParaRPr lang="zh-CN" altLang="en-US" dirty="0"/>
+                </a:p>
+              </p:txBody>
+            </p:sp>
+            <p:grpSp>
+              <p:nvGrpSpPr>
+                <p:cNvPr id="191" name="组合 190">
+                  <a:extLst>
+                    <a:ext uri="{FF2B5EF4-FFF2-40B4-BE49-F238E27FC236}">
+                      <a16:creationId xmlns:a16="http://schemas.microsoft.com/office/drawing/2014/main" id="{98321F35-E18C-41C7-AF56-8FCBD05649F8}"/>
+                    </a:ext>
+                  </a:extLst>
+                </p:cNvPr>
+                <p:cNvGrpSpPr/>
+                <p:nvPr/>
+              </p:nvGrpSpPr>
+              <p:grpSpPr>
+                <a:xfrm>
+                  <a:off x="5197075" y="2470175"/>
+                  <a:ext cx="196404" cy="298011"/>
+                  <a:chOff x="6992662" y="1309861"/>
+                  <a:chExt cx="534954" cy="883535"/>
+                </a:xfrm>
+              </p:grpSpPr>
+              <p:sp>
+                <p:nvSpPr>
+                  <p:cNvPr id="193" name="矩形: 圆角 9">
+                    <a:extLst>
+                      <a:ext uri="{FF2B5EF4-FFF2-40B4-BE49-F238E27FC236}">
+                        <a16:creationId xmlns:a16="http://schemas.microsoft.com/office/drawing/2014/main" id="{8C7B0CD6-E330-47C7-B346-DB0881D54C48}"/>
+                      </a:ext>
+                    </a:extLst>
+                  </p:cNvPr>
+                  <p:cNvSpPr/>
+                  <p:nvPr/>
+                </p:nvSpPr>
+                <p:spPr>
+                  <a:xfrm>
+                    <a:off x="6992662" y="1309861"/>
+                    <a:ext cx="534954" cy="883535"/>
+                  </a:xfrm>
+                  <a:custGeom>
+                    <a:avLst/>
+                    <a:gdLst>
+                      <a:gd name="connsiteX0" fmla="*/ 0 w 534954"/>
+                      <a:gd name="connsiteY0" fmla="*/ 267477 h 900000"/>
+                      <a:gd name="connsiteX1" fmla="*/ 267477 w 534954"/>
+                      <a:gd name="connsiteY1" fmla="*/ 0 h 900000"/>
+                      <a:gd name="connsiteX2" fmla="*/ 267477 w 534954"/>
+                      <a:gd name="connsiteY2" fmla="*/ 0 h 900000"/>
+                      <a:gd name="connsiteX3" fmla="*/ 534954 w 534954"/>
+                      <a:gd name="connsiteY3" fmla="*/ 267477 h 900000"/>
+                      <a:gd name="connsiteX4" fmla="*/ 534954 w 534954"/>
+                      <a:gd name="connsiteY4" fmla="*/ 632523 h 900000"/>
+                      <a:gd name="connsiteX5" fmla="*/ 267477 w 534954"/>
+                      <a:gd name="connsiteY5" fmla="*/ 900000 h 900000"/>
+                      <a:gd name="connsiteX6" fmla="*/ 267477 w 534954"/>
+                      <a:gd name="connsiteY6" fmla="*/ 900000 h 900000"/>
+                      <a:gd name="connsiteX7" fmla="*/ 0 w 534954"/>
+                      <a:gd name="connsiteY7" fmla="*/ 632523 h 900000"/>
+                      <a:gd name="connsiteX8" fmla="*/ 0 w 534954"/>
+                      <a:gd name="connsiteY8" fmla="*/ 267477 h 900000"/>
+                      <a:gd name="connsiteX0" fmla="*/ 0 w 534954"/>
+                      <a:gd name="connsiteY0" fmla="*/ 267477 h 900000"/>
+                      <a:gd name="connsiteX1" fmla="*/ 267477 w 534954"/>
+                      <a:gd name="connsiteY1" fmla="*/ 0 h 900000"/>
+                      <a:gd name="connsiteX2" fmla="*/ 267477 w 534954"/>
+                      <a:gd name="connsiteY2" fmla="*/ 0 h 900000"/>
+                      <a:gd name="connsiteX3" fmla="*/ 534954 w 534954"/>
+                      <a:gd name="connsiteY3" fmla="*/ 267477 h 900000"/>
+                      <a:gd name="connsiteX4" fmla="*/ 534954 w 534954"/>
+                      <a:gd name="connsiteY4" fmla="*/ 632523 h 900000"/>
+                      <a:gd name="connsiteX5" fmla="*/ 267477 w 534954"/>
+                      <a:gd name="connsiteY5" fmla="*/ 900000 h 900000"/>
+                      <a:gd name="connsiteX6" fmla="*/ 267477 w 534954"/>
+                      <a:gd name="connsiteY6" fmla="*/ 900000 h 900000"/>
+                      <a:gd name="connsiteX7" fmla="*/ 0 w 534954"/>
+                      <a:gd name="connsiteY7" fmla="*/ 632523 h 900000"/>
+                      <a:gd name="connsiteX8" fmla="*/ 0 w 534954"/>
+                      <a:gd name="connsiteY8" fmla="*/ 267477 h 900000"/>
+                      <a:gd name="connsiteX0" fmla="*/ 0 w 534954"/>
+                      <a:gd name="connsiteY0" fmla="*/ 267477 h 900000"/>
+                      <a:gd name="connsiteX1" fmla="*/ 267477 w 534954"/>
+                      <a:gd name="connsiteY1" fmla="*/ 0 h 900000"/>
+                      <a:gd name="connsiteX2" fmla="*/ 267477 w 534954"/>
+                      <a:gd name="connsiteY2" fmla="*/ 0 h 900000"/>
+                      <a:gd name="connsiteX3" fmla="*/ 534954 w 534954"/>
+                      <a:gd name="connsiteY3" fmla="*/ 267477 h 900000"/>
+                      <a:gd name="connsiteX4" fmla="*/ 534954 w 534954"/>
+                      <a:gd name="connsiteY4" fmla="*/ 632523 h 900000"/>
+                      <a:gd name="connsiteX5" fmla="*/ 267477 w 534954"/>
+                      <a:gd name="connsiteY5" fmla="*/ 900000 h 900000"/>
+                      <a:gd name="connsiteX6" fmla="*/ 267477 w 534954"/>
+                      <a:gd name="connsiteY6" fmla="*/ 900000 h 900000"/>
+                      <a:gd name="connsiteX7" fmla="*/ 0 w 534954"/>
+                      <a:gd name="connsiteY7" fmla="*/ 632523 h 900000"/>
+                      <a:gd name="connsiteX8" fmla="*/ 0 w 534954"/>
+                      <a:gd name="connsiteY8" fmla="*/ 267477 h 900000"/>
+                      <a:gd name="connsiteX0" fmla="*/ 0 w 534954"/>
+                      <a:gd name="connsiteY0" fmla="*/ 267477 h 900000"/>
+                      <a:gd name="connsiteX1" fmla="*/ 267477 w 534954"/>
+                      <a:gd name="connsiteY1" fmla="*/ 0 h 900000"/>
+                      <a:gd name="connsiteX2" fmla="*/ 267477 w 534954"/>
+                      <a:gd name="connsiteY2" fmla="*/ 0 h 900000"/>
+                      <a:gd name="connsiteX3" fmla="*/ 534954 w 534954"/>
+                      <a:gd name="connsiteY3" fmla="*/ 267477 h 900000"/>
+                      <a:gd name="connsiteX4" fmla="*/ 534954 w 534954"/>
+                      <a:gd name="connsiteY4" fmla="*/ 632523 h 900000"/>
+                      <a:gd name="connsiteX5" fmla="*/ 267477 w 534954"/>
+                      <a:gd name="connsiteY5" fmla="*/ 900000 h 900000"/>
+                      <a:gd name="connsiteX6" fmla="*/ 267477 w 534954"/>
+                      <a:gd name="connsiteY6" fmla="*/ 900000 h 900000"/>
+                      <a:gd name="connsiteX7" fmla="*/ 0 w 534954"/>
+                      <a:gd name="connsiteY7" fmla="*/ 632523 h 900000"/>
+                      <a:gd name="connsiteX8" fmla="*/ 0 w 534954"/>
+                      <a:gd name="connsiteY8" fmla="*/ 267477 h 900000"/>
+                      <a:gd name="connsiteX0" fmla="*/ 0 w 534954"/>
+                      <a:gd name="connsiteY0" fmla="*/ 267477 h 900000"/>
+                      <a:gd name="connsiteX1" fmla="*/ 267477 w 534954"/>
+                      <a:gd name="connsiteY1" fmla="*/ 0 h 900000"/>
+                      <a:gd name="connsiteX2" fmla="*/ 267477 w 534954"/>
+                      <a:gd name="connsiteY2" fmla="*/ 0 h 900000"/>
+                      <a:gd name="connsiteX3" fmla="*/ 534954 w 534954"/>
+                      <a:gd name="connsiteY3" fmla="*/ 267477 h 900000"/>
+                      <a:gd name="connsiteX4" fmla="*/ 534954 w 534954"/>
+                      <a:gd name="connsiteY4" fmla="*/ 632523 h 900000"/>
+                      <a:gd name="connsiteX5" fmla="*/ 267477 w 534954"/>
+                      <a:gd name="connsiteY5" fmla="*/ 900000 h 900000"/>
+                      <a:gd name="connsiteX6" fmla="*/ 267477 w 534954"/>
+                      <a:gd name="connsiteY6" fmla="*/ 900000 h 900000"/>
+                      <a:gd name="connsiteX7" fmla="*/ 0 w 534954"/>
+                      <a:gd name="connsiteY7" fmla="*/ 632523 h 900000"/>
+                      <a:gd name="connsiteX8" fmla="*/ 0 w 534954"/>
+                      <a:gd name="connsiteY8" fmla="*/ 267477 h 900000"/>
+                      <a:gd name="connsiteX0" fmla="*/ 0 w 534954"/>
+                      <a:gd name="connsiteY0" fmla="*/ 267477 h 900000"/>
+                      <a:gd name="connsiteX1" fmla="*/ 267477 w 534954"/>
+                      <a:gd name="connsiteY1" fmla="*/ 0 h 900000"/>
+                      <a:gd name="connsiteX2" fmla="*/ 267477 w 534954"/>
+                      <a:gd name="connsiteY2" fmla="*/ 0 h 900000"/>
+                      <a:gd name="connsiteX3" fmla="*/ 534954 w 534954"/>
+                      <a:gd name="connsiteY3" fmla="*/ 267477 h 900000"/>
+                      <a:gd name="connsiteX4" fmla="*/ 534954 w 534954"/>
+                      <a:gd name="connsiteY4" fmla="*/ 632523 h 900000"/>
+                      <a:gd name="connsiteX5" fmla="*/ 267477 w 534954"/>
+                      <a:gd name="connsiteY5" fmla="*/ 900000 h 900000"/>
+                      <a:gd name="connsiteX6" fmla="*/ 0 w 534954"/>
+                      <a:gd name="connsiteY6" fmla="*/ 632523 h 900000"/>
+                      <a:gd name="connsiteX7" fmla="*/ 0 w 534954"/>
+                      <a:gd name="connsiteY7" fmla="*/ 267477 h 900000"/>
+                      <a:gd name="connsiteX0" fmla="*/ 0 w 534954"/>
+                      <a:gd name="connsiteY0" fmla="*/ 267477 h 632523"/>
+                      <a:gd name="connsiteX1" fmla="*/ 267477 w 534954"/>
+                      <a:gd name="connsiteY1" fmla="*/ 0 h 632523"/>
+                      <a:gd name="connsiteX2" fmla="*/ 267477 w 534954"/>
+                      <a:gd name="connsiteY2" fmla="*/ 0 h 632523"/>
+                      <a:gd name="connsiteX3" fmla="*/ 534954 w 534954"/>
+                      <a:gd name="connsiteY3" fmla="*/ 267477 h 632523"/>
+                      <a:gd name="connsiteX4" fmla="*/ 534954 w 534954"/>
+                      <a:gd name="connsiteY4" fmla="*/ 632523 h 632523"/>
+                      <a:gd name="connsiteX5" fmla="*/ 0 w 534954"/>
+                      <a:gd name="connsiteY5" fmla="*/ 632523 h 632523"/>
+                      <a:gd name="connsiteX6" fmla="*/ 0 w 534954"/>
+                      <a:gd name="connsiteY6" fmla="*/ 267477 h 632523"/>
+                      <a:gd name="connsiteX0" fmla="*/ 0 w 534954"/>
+                      <a:gd name="connsiteY0" fmla="*/ 267477 h 632523"/>
+                      <a:gd name="connsiteX1" fmla="*/ 267477 w 534954"/>
+                      <a:gd name="connsiteY1" fmla="*/ 0 h 632523"/>
+                      <a:gd name="connsiteX2" fmla="*/ 267477 w 534954"/>
+                      <a:gd name="connsiteY2" fmla="*/ 0 h 632523"/>
+                      <a:gd name="connsiteX3" fmla="*/ 534954 w 534954"/>
+                      <a:gd name="connsiteY3" fmla="*/ 267477 h 632523"/>
+                      <a:gd name="connsiteX4" fmla="*/ 534954 w 534954"/>
+                      <a:gd name="connsiteY4" fmla="*/ 632523 h 632523"/>
+                      <a:gd name="connsiteX5" fmla="*/ 0 w 534954"/>
+                      <a:gd name="connsiteY5" fmla="*/ 632523 h 632523"/>
+                      <a:gd name="connsiteX6" fmla="*/ 0 w 534954"/>
+                      <a:gd name="connsiteY6" fmla="*/ 267477 h 632523"/>
+                      <a:gd name="connsiteX0" fmla="*/ 0 w 534954"/>
+                      <a:gd name="connsiteY0" fmla="*/ 267477 h 883535"/>
+                      <a:gd name="connsiteX1" fmla="*/ 267477 w 534954"/>
+                      <a:gd name="connsiteY1" fmla="*/ 0 h 883535"/>
+                      <a:gd name="connsiteX2" fmla="*/ 267477 w 534954"/>
+                      <a:gd name="connsiteY2" fmla="*/ 0 h 883535"/>
+                      <a:gd name="connsiteX3" fmla="*/ 534954 w 534954"/>
+                      <a:gd name="connsiteY3" fmla="*/ 267477 h 883535"/>
+                      <a:gd name="connsiteX4" fmla="*/ 534954 w 534954"/>
+                      <a:gd name="connsiteY4" fmla="*/ 632523 h 883535"/>
+                      <a:gd name="connsiteX5" fmla="*/ 0 w 534954"/>
+                      <a:gd name="connsiteY5" fmla="*/ 883535 h 883535"/>
+                      <a:gd name="connsiteX6" fmla="*/ 0 w 534954"/>
+                      <a:gd name="connsiteY6" fmla="*/ 267477 h 883535"/>
+                      <a:gd name="connsiteX0" fmla="*/ 0 w 534954"/>
+                      <a:gd name="connsiteY0" fmla="*/ 267477 h 883535"/>
+                      <a:gd name="connsiteX1" fmla="*/ 267477 w 534954"/>
+                      <a:gd name="connsiteY1" fmla="*/ 0 h 883535"/>
+                      <a:gd name="connsiteX2" fmla="*/ 267477 w 534954"/>
+                      <a:gd name="connsiteY2" fmla="*/ 0 h 883535"/>
+                      <a:gd name="connsiteX3" fmla="*/ 534954 w 534954"/>
+                      <a:gd name="connsiteY3" fmla="*/ 267477 h 883535"/>
+                      <a:gd name="connsiteX4" fmla="*/ 530472 w 534954"/>
+                      <a:gd name="connsiteY4" fmla="*/ 883535 h 883535"/>
+                      <a:gd name="connsiteX5" fmla="*/ 0 w 534954"/>
+                      <a:gd name="connsiteY5" fmla="*/ 883535 h 883535"/>
+                      <a:gd name="connsiteX6" fmla="*/ 0 w 534954"/>
+                      <a:gd name="connsiteY6" fmla="*/ 267477 h 883535"/>
+                    </a:gdLst>
+                    <a:ahLst/>
+                    <a:cxnLst>
+                      <a:cxn ang="0">
+                        <a:pos x="connsiteX0" y="connsiteY0"/>
+                      </a:cxn>
+                      <a:cxn ang="0">
+                        <a:pos x="connsiteX1" y="connsiteY1"/>
+                      </a:cxn>
+                      <a:cxn ang="0">
+                        <a:pos x="connsiteX2" y="connsiteY2"/>
+                      </a:cxn>
+                      <a:cxn ang="0">
+                        <a:pos x="connsiteX3" y="connsiteY3"/>
+                      </a:cxn>
+                      <a:cxn ang="0">
+                        <a:pos x="connsiteX4" y="connsiteY4"/>
+                      </a:cxn>
+                      <a:cxn ang="0">
+                        <a:pos x="connsiteX5" y="connsiteY5"/>
+                      </a:cxn>
+                      <a:cxn ang="0">
+                        <a:pos x="connsiteX6" y="connsiteY6"/>
+                      </a:cxn>
+                    </a:cxnLst>
+                    <a:rect l="l" t="t" r="r" b="b"/>
+                    <a:pathLst>
+                      <a:path w="534954" h="883535">
+                        <a:moveTo>
+                          <a:pt x="0" y="267477"/>
+                        </a:moveTo>
+                        <a:cubicBezTo>
+                          <a:pt x="0" y="119754"/>
+                          <a:pt x="119754" y="0"/>
+                          <a:pt x="267477" y="0"/>
+                        </a:cubicBezTo>
+                        <a:lnTo>
+                          <a:pt x="267477" y="0"/>
+                        </a:lnTo>
+                        <a:cubicBezTo>
+                          <a:pt x="415200" y="0"/>
+                          <a:pt x="534954" y="119754"/>
+                          <a:pt x="534954" y="267477"/>
+                        </a:cubicBezTo>
+                        <a:lnTo>
+                          <a:pt x="530472" y="883535"/>
+                        </a:lnTo>
+                        <a:lnTo>
+                          <a:pt x="0" y="883535"/>
+                        </a:lnTo>
+                        <a:lnTo>
+                          <a:pt x="0" y="267477"/>
+                        </a:lnTo>
+                        <a:close/>
+                      </a:path>
+                    </a:pathLst>
+                  </a:custGeom>
+                  <a:solidFill>
+                    <a:srgbClr val="0AB0FF">
+                      <a:alpha val="80000"/>
+                    </a:srgbClr>
+                  </a:solidFill>
+                  <a:ln>
+                    <a:noFill/>
+                  </a:ln>
+                  <a:effectLst/>
+                </p:spPr>
+                <p:style>
+                  <a:lnRef idx="2">
+                    <a:schemeClr val="accent1">
+                      <a:shade val="50000"/>
+                    </a:schemeClr>
+                  </a:lnRef>
+                  <a:fillRef idx="1">
+                    <a:schemeClr val="accent1"/>
+                  </a:fillRef>
+                  <a:effectRef idx="0">
+                    <a:schemeClr val="accent1"/>
+                  </a:effectRef>
+                  <a:fontRef idx="minor">
+                    <a:schemeClr val="lt1"/>
+                  </a:fontRef>
+                </p:style>
+                <p:txBody>
+                  <a:bodyPr rtlCol="0" anchor="ctr"/>
+                  <a:lstStyle/>
+                  <a:p>
+                    <a:pPr algn="ctr"/>
+                    <a:endParaRPr lang="zh-CN" altLang="en-US"/>
+                  </a:p>
+                </p:txBody>
+              </p:sp>
+              <p:sp>
+                <p:nvSpPr>
+                  <p:cNvPr id="194" name="任意多边形: 形状 193">
+                    <a:extLst>
+                      <a:ext uri="{FF2B5EF4-FFF2-40B4-BE49-F238E27FC236}">
+                        <a16:creationId xmlns:a16="http://schemas.microsoft.com/office/drawing/2014/main" id="{BBB96C2C-CF15-463B-9D6B-B5E2C0950C40}"/>
+                      </a:ext>
+                    </a:extLst>
+                  </p:cNvPr>
+                  <p:cNvSpPr/>
+                  <p:nvPr/>
+                </p:nvSpPr>
+                <p:spPr>
+                  <a:xfrm>
+                    <a:off x="6992662" y="1715341"/>
+                    <a:ext cx="532928" cy="478055"/>
+                  </a:xfrm>
+                  <a:custGeom>
+                    <a:avLst/>
+                    <a:gdLst>
+                      <a:gd name="connsiteX0" fmla="*/ 0 w 532928"/>
+                      <a:gd name="connsiteY0" fmla="*/ 0 h 478055"/>
+                      <a:gd name="connsiteX1" fmla="*/ 532928 w 532928"/>
+                      <a:gd name="connsiteY1" fmla="*/ 140520 h 478055"/>
+                      <a:gd name="connsiteX2" fmla="*/ 530472 w 532928"/>
+                      <a:gd name="connsiteY2" fmla="*/ 478055 h 478055"/>
+                      <a:gd name="connsiteX3" fmla="*/ 0 w 532928"/>
+                      <a:gd name="connsiteY3" fmla="*/ 478055 h 478055"/>
+                    </a:gdLst>
+                    <a:ahLst/>
+                    <a:cxnLst>
+                      <a:cxn ang="0">
+                        <a:pos x="connsiteX0" y="connsiteY0"/>
+                      </a:cxn>
+                      <a:cxn ang="0">
+                        <a:pos x="connsiteX1" y="connsiteY1"/>
+                      </a:cxn>
+                      <a:cxn ang="0">
+                        <a:pos x="connsiteX2" y="connsiteY2"/>
+                      </a:cxn>
+                      <a:cxn ang="0">
+                        <a:pos x="connsiteX3" y="connsiteY3"/>
+                      </a:cxn>
+                    </a:cxnLst>
+                    <a:rect l="l" t="t" r="r" b="b"/>
+                    <a:pathLst>
+                      <a:path w="532928" h="478055">
+                        <a:moveTo>
+                          <a:pt x="0" y="0"/>
+                        </a:moveTo>
+                        <a:lnTo>
+                          <a:pt x="532928" y="140520"/>
+                        </a:lnTo>
+                        <a:lnTo>
+                          <a:pt x="530472" y="478055"/>
+                        </a:lnTo>
+                        <a:lnTo>
+                          <a:pt x="0" y="478055"/>
+                        </a:lnTo>
+                        <a:close/>
+                      </a:path>
+                    </a:pathLst>
+                  </a:custGeom>
+                  <a:solidFill>
+                    <a:srgbClr val="0AB0FF"/>
+                  </a:solidFill>
+                  <a:ln>
+                    <a:noFill/>
+                  </a:ln>
+                  <a:effectLst/>
+                </p:spPr>
+                <p:style>
+                  <a:lnRef idx="2">
+                    <a:schemeClr val="accent1">
+                      <a:shade val="50000"/>
+                    </a:schemeClr>
+                  </a:lnRef>
+                  <a:fillRef idx="1">
+                    <a:schemeClr val="accent1"/>
+                  </a:fillRef>
+                  <a:effectRef idx="0">
+                    <a:schemeClr val="accent1"/>
+                  </a:effectRef>
+                  <a:fontRef idx="minor">
+                    <a:schemeClr val="lt1"/>
+                  </a:fontRef>
+                </p:style>
+                <p:txBody>
+                  <a:bodyPr wrap="square" rtlCol="0" anchor="ctr">
+                    <a:noAutofit/>
+                  </a:bodyPr>
+                  <a:lstStyle/>
+                  <a:p>
+                    <a:pPr algn="ctr"/>
+                    <a:endParaRPr lang="zh-CN" altLang="en-US"/>
+                  </a:p>
+                </p:txBody>
+              </p:sp>
+              <p:sp>
+                <p:nvSpPr>
+                  <p:cNvPr id="195" name="矩形: 圆角 194">
+                    <a:extLst>
+                      <a:ext uri="{FF2B5EF4-FFF2-40B4-BE49-F238E27FC236}">
+                        <a16:creationId xmlns:a16="http://schemas.microsoft.com/office/drawing/2014/main" id="{6C983BE0-DA96-4AE5-8BC0-9DEE24339D34}"/>
+                      </a:ext>
+                    </a:extLst>
+                  </p:cNvPr>
+                  <p:cNvSpPr>
+                    <a:spLocks noChangeAspect="1"/>
+                  </p:cNvSpPr>
+                  <p:nvPr/>
+                </p:nvSpPr>
+                <p:spPr>
+                  <a:xfrm rot="7916071">
+                    <a:off x="7053927" y="1749040"/>
+                    <a:ext cx="402400" cy="82800"/>
+                  </a:xfrm>
+                  <a:prstGeom prst="roundRect">
+                    <a:avLst>
+                      <a:gd name="adj" fmla="val 50000"/>
+                    </a:avLst>
+                  </a:prstGeom>
+                  <a:solidFill>
+                    <a:schemeClr val="bg1"/>
+                  </a:solidFill>
+                  <a:ln>
+                    <a:noFill/>
+                  </a:ln>
+                </p:spPr>
+                <p:style>
+                  <a:lnRef idx="2">
+                    <a:schemeClr val="accent1">
+                      <a:shade val="50000"/>
+                    </a:schemeClr>
+                  </a:lnRef>
+                  <a:fillRef idx="1">
+                    <a:schemeClr val="accent1"/>
+                  </a:fillRef>
+                  <a:effectRef idx="0">
+                    <a:schemeClr val="accent1"/>
+                  </a:effectRef>
+                  <a:fontRef idx="minor">
+                    <a:schemeClr val="lt1"/>
+                  </a:fontRef>
+                </p:style>
+                <p:txBody>
+                  <a:bodyPr rtlCol="0" anchor="ctr"/>
+                  <a:lstStyle/>
+                  <a:p>
+                    <a:pPr algn="ctr"/>
+                    <a:endParaRPr lang="zh-CN" altLang="en-US"/>
+                  </a:p>
+                </p:txBody>
+              </p:sp>
+            </p:grpSp>
+            <p:sp>
+              <p:nvSpPr>
+                <p:cNvPr id="192" name="矩形 191">
+                  <a:extLst>
+                    <a:ext uri="{FF2B5EF4-FFF2-40B4-BE49-F238E27FC236}">
+                      <a16:creationId xmlns:a16="http://schemas.microsoft.com/office/drawing/2014/main" id="{8724FA33-5E8A-42DD-B82A-8E2909F13B5B}"/>
+                    </a:ext>
+                  </a:extLst>
+                </p:cNvPr>
+                <p:cNvSpPr/>
+                <p:nvPr/>
+              </p:nvSpPr>
+              <p:spPr>
+                <a:xfrm>
+                  <a:off x="5002526" y="2339452"/>
+                  <a:ext cx="577278" cy="102744"/>
+                </a:xfrm>
+                <a:prstGeom prst="rect">
+                  <a:avLst/>
+                </a:prstGeom>
+                <a:solidFill>
+                  <a:schemeClr val="bg1">
+                    <a:lumMod val="65000"/>
+                  </a:schemeClr>
+                </a:solidFill>
+                <a:ln>
+                  <a:noFill/>
+                </a:ln>
+              </p:spPr>
+              <p:style>
+                <a:lnRef idx="2">
+                  <a:schemeClr val="accent1">
+                    <a:shade val="50000"/>
+                  </a:schemeClr>
+                </a:lnRef>
+                <a:fillRef idx="1">
+                  <a:schemeClr val="accent1"/>
+                </a:fillRef>
+                <a:effectRef idx="0">
+                  <a:schemeClr val="accent1"/>
+                </a:effectRef>
+                <a:fontRef idx="minor">
+                  <a:schemeClr val="lt1"/>
+                </a:fontRef>
+              </p:style>
+              <p:txBody>
+                <a:bodyPr rtlCol="0" anchor="ctr"/>
+                <a:lstStyle/>
+                <a:p>
+                  <a:pPr algn="ctr"/>
+                  <a:endParaRPr lang="zh-CN" altLang="en-US" dirty="0"/>
+                </a:p>
+              </p:txBody>
+            </p:sp>
+          </p:grpSp>
+          <p:sp>
+            <p:nvSpPr>
+              <p:cNvPr id="187" name="矩形: 圆角 186">
+                <a:extLst>
+                  <a:ext uri="{FF2B5EF4-FFF2-40B4-BE49-F238E27FC236}">
+                    <a16:creationId xmlns:a16="http://schemas.microsoft.com/office/drawing/2014/main" id="{6E1B961D-9C02-4998-96B5-0A60E7DBDC33}"/>
+                  </a:ext>
+                </a:extLst>
+              </p:cNvPr>
+              <p:cNvSpPr/>
+              <p:nvPr/>
+            </p:nvSpPr>
+            <p:spPr>
+              <a:xfrm>
+                <a:off x="4406871" y="2231303"/>
+                <a:ext cx="577278" cy="428734"/>
+              </a:xfrm>
+              <a:prstGeom prst="roundRect">
+                <a:avLst/>
+              </a:prstGeom>
+              <a:solidFill>
+                <a:schemeClr val="bg1">
+                  <a:lumMod val="95000"/>
+                </a:schemeClr>
+              </a:solidFill>
+              <a:ln>
+                <a:noFill/>
+              </a:ln>
+            </p:spPr>
+            <p:style>
+              <a:lnRef idx="2">
+                <a:schemeClr val="accent1">
+                  <a:shade val="50000"/>
+                </a:schemeClr>
+              </a:lnRef>
+              <a:fillRef idx="1">
+                <a:schemeClr val="accent1"/>
+              </a:fillRef>
+              <a:effectRef idx="0">
+                <a:schemeClr val="accent1"/>
+              </a:effectRef>
+              <a:fontRef idx="minor">
+                <a:schemeClr val="lt1"/>
+              </a:fontRef>
+            </p:style>
+            <p:txBody>
+              <a:bodyPr rtlCol="0" anchor="ctr"/>
+              <a:lstStyle/>
+              <a:p>
+                <a:pPr algn="ctr"/>
+                <a:endParaRPr lang="zh-CN" altLang="en-US"/>
+              </a:p>
+            </p:txBody>
+          </p:sp>
+          <p:sp>
+            <p:nvSpPr>
+              <p:cNvPr id="188" name="矩形 187">
+                <a:extLst>
+                  <a:ext uri="{FF2B5EF4-FFF2-40B4-BE49-F238E27FC236}">
+                    <a16:creationId xmlns:a16="http://schemas.microsoft.com/office/drawing/2014/main" id="{F46BE63E-2588-42BA-9E66-D43B10A5D947}"/>
+                  </a:ext>
+                </a:extLst>
+              </p:cNvPr>
+              <p:cNvSpPr/>
+              <p:nvPr/>
+            </p:nvSpPr>
+            <p:spPr>
+              <a:xfrm>
+                <a:off x="4405753" y="2229397"/>
+                <a:ext cx="577278" cy="102744"/>
+              </a:xfrm>
+              <a:prstGeom prst="rect">
+                <a:avLst/>
+              </a:prstGeom>
+              <a:solidFill>
+                <a:schemeClr val="bg1">
+                  <a:lumMod val="95000"/>
+                </a:schemeClr>
+              </a:solidFill>
+              <a:ln>
+                <a:noFill/>
+              </a:ln>
+            </p:spPr>
+            <p:style>
+              <a:lnRef idx="2">
+                <a:schemeClr val="accent1">
+                  <a:shade val="50000"/>
+                </a:schemeClr>
+              </a:lnRef>
+              <a:fillRef idx="1">
+                <a:schemeClr val="accent1"/>
+              </a:fillRef>
+              <a:effectRef idx="0">
+                <a:schemeClr val="accent1"/>
+              </a:effectRef>
+              <a:fontRef idx="minor">
+                <a:schemeClr val="lt1"/>
+              </a:fontRef>
+            </p:style>
+            <p:txBody>
+              <a:bodyPr rtlCol="0" anchor="ctr"/>
+              <a:lstStyle/>
+              <a:p>
+                <a:pPr algn="ctr"/>
+                <a:endParaRPr lang="zh-CN" altLang="en-US"/>
+              </a:p>
+            </p:txBody>
+          </p:sp>
+          <p:sp>
+            <p:nvSpPr>
+              <p:cNvPr id="189" name="矩形 188">
+                <a:extLst>
+                  <a:ext uri="{FF2B5EF4-FFF2-40B4-BE49-F238E27FC236}">
+                    <a16:creationId xmlns:a16="http://schemas.microsoft.com/office/drawing/2014/main" id="{C454E906-FCA9-4F75-B748-FC3ECA8FC103}"/>
+                  </a:ext>
+                </a:extLst>
+              </p:cNvPr>
+              <p:cNvSpPr/>
+              <p:nvPr/>
+            </p:nvSpPr>
+            <p:spPr>
+              <a:xfrm>
+                <a:off x="4406871" y="2229194"/>
+                <a:ext cx="577278" cy="102744"/>
+              </a:xfrm>
+              <a:prstGeom prst="rect">
+                <a:avLst/>
+              </a:prstGeom>
+              <a:solidFill>
+                <a:srgbClr val="3BBEFF"/>
+              </a:solidFill>
+              <a:ln>
+                <a:noFill/>
+              </a:ln>
+            </p:spPr>
+            <p:style>
+              <a:lnRef idx="2">
+                <a:schemeClr val="accent1">
+                  <a:shade val="50000"/>
+                </a:schemeClr>
+              </a:lnRef>
+              <a:fillRef idx="1">
+                <a:schemeClr val="accent1"/>
+              </a:fillRef>
+              <a:effectRef idx="0">
+                <a:schemeClr val="accent1"/>
+              </a:effectRef>
+              <a:fontRef idx="minor">
+                <a:schemeClr val="lt1"/>
+              </a:fontRef>
+            </p:style>
+            <p:txBody>
+              <a:bodyPr rtlCol="0" anchor="ctr"/>
+              <a:lstStyle/>
+              <a:p>
+                <a:pPr algn="ctr"/>
+                <a:endParaRPr lang="zh-CN" altLang="en-US"/>
+              </a:p>
+            </p:txBody>
+          </p:sp>
+        </p:grpSp>
+      </p:grpSp>
+      <p:grpSp>
+        <p:nvGrpSpPr>
+          <p:cNvPr id="261" name="组合 260">
+            <a:extLst>
+              <a:ext uri="{FF2B5EF4-FFF2-40B4-BE49-F238E27FC236}">
+                <a16:creationId xmlns:a16="http://schemas.microsoft.com/office/drawing/2014/main" id="{CF4D86D2-7B00-4F12-A0B5-19208E715200}"/>
+              </a:ext>
+            </a:extLst>
+          </p:cNvPr>
+          <p:cNvGrpSpPr/>
+          <p:nvPr/>
+        </p:nvGrpSpPr>
+        <p:grpSpPr>
+          <a:xfrm>
+            <a:off x="1285475" y="2086266"/>
+            <a:ext cx="262690" cy="263032"/>
+            <a:chOff x="1292398" y="1965186"/>
+            <a:chExt cx="867600" cy="868730"/>
+          </a:xfrm>
+        </p:grpSpPr>
+        <p:sp>
+          <p:nvSpPr>
+            <p:cNvPr id="262" name="矩形 261">
+              <a:extLst>
+                <a:ext uri="{FF2B5EF4-FFF2-40B4-BE49-F238E27FC236}">
+                  <a16:creationId xmlns:a16="http://schemas.microsoft.com/office/drawing/2014/main" id="{F1D48320-ABAA-4F00-A713-3E80A0107F4C}"/>
+                </a:ext>
+              </a:extLst>
+            </p:cNvPr>
+            <p:cNvSpPr>
+              <a:spLocks/>
+            </p:cNvSpPr>
+            <p:nvPr/>
+          </p:nvSpPr>
+          <p:spPr>
+            <a:xfrm>
+              <a:off x="1292398" y="1965186"/>
+              <a:ext cx="867600" cy="868730"/>
+            </a:xfrm>
+            <a:prstGeom prst="rect">
+              <a:avLst/>
+            </a:prstGeom>
+            <a:noFill/>
+            <a:ln>
+              <a:noFill/>
+            </a:ln>
+          </p:spPr>
+          <p:style>
+            <a:lnRef idx="2">
+              <a:schemeClr val="accent1">
+                <a:shade val="50000"/>
+              </a:schemeClr>
+            </a:lnRef>
+            <a:fillRef idx="1">
+              <a:schemeClr val="accent1"/>
+            </a:fillRef>
+            <a:effectRef idx="0">
+              <a:schemeClr val="accent1"/>
+            </a:effectRef>
+            <a:fontRef idx="minor">
+              <a:schemeClr val="lt1"/>
+            </a:fontRef>
+          </p:style>
+          <p:txBody>
+            <a:bodyPr rtlCol="0" anchor="ctr"/>
+            <a:lstStyle/>
+            <a:p>
+              <a:pPr algn="ctr"/>
+              <a:endParaRPr lang="zh-CN" altLang="en-US"/>
+            </a:p>
+          </p:txBody>
+        </p:sp>
+        <p:grpSp>
+          <p:nvGrpSpPr>
+            <p:cNvPr id="263" name="组合 262">
+              <a:extLst>
+                <a:ext uri="{FF2B5EF4-FFF2-40B4-BE49-F238E27FC236}">
+                  <a16:creationId xmlns:a16="http://schemas.microsoft.com/office/drawing/2014/main" id="{B948FF62-81A7-48A0-92AC-124747EAB672}"/>
+                </a:ext>
+              </a:extLst>
+            </p:cNvPr>
+            <p:cNvGrpSpPr/>
+            <p:nvPr/>
+          </p:nvGrpSpPr>
+          <p:grpSpPr>
+            <a:xfrm>
+              <a:off x="1358553" y="2100833"/>
+              <a:ext cx="735291" cy="597437"/>
+              <a:chOff x="1357460" y="2075160"/>
+              <a:chExt cx="735291" cy="597437"/>
+            </a:xfrm>
+          </p:grpSpPr>
+          <p:sp>
+            <p:nvSpPr>
+              <p:cNvPr id="264" name="矩形 263">
+                <a:extLst>
+                  <a:ext uri="{FF2B5EF4-FFF2-40B4-BE49-F238E27FC236}">
+                    <a16:creationId xmlns:a16="http://schemas.microsoft.com/office/drawing/2014/main" id="{FEC50CE4-1899-4C3D-84A0-46912D510CBD}"/>
+                  </a:ext>
+                </a:extLst>
+              </p:cNvPr>
+              <p:cNvSpPr/>
+              <p:nvPr/>
+            </p:nvSpPr>
+            <p:spPr>
+              <a:xfrm>
+                <a:off x="1508706" y="2265200"/>
+                <a:ext cx="426032" cy="322687"/>
+              </a:xfrm>
+              <a:prstGeom prst="rect">
+                <a:avLst/>
+              </a:prstGeom>
+              <a:solidFill>
+                <a:schemeClr val="bg1">
+                  <a:lumMod val="75000"/>
+                </a:schemeClr>
+              </a:solidFill>
+              <a:ln>
+                <a:noFill/>
+              </a:ln>
+            </p:spPr>
+            <p:style>
+              <a:lnRef idx="2">
+                <a:schemeClr val="accent1">
+                  <a:shade val="50000"/>
+                </a:schemeClr>
+              </a:lnRef>
+              <a:fillRef idx="1">
+                <a:schemeClr val="accent1"/>
+              </a:fillRef>
+              <a:effectRef idx="0">
+                <a:schemeClr val="accent1"/>
+              </a:effectRef>
+              <a:fontRef idx="minor">
+                <a:schemeClr val="lt1"/>
+              </a:fontRef>
+            </p:style>
+            <p:txBody>
+              <a:bodyPr rtlCol="0" anchor="ctr"/>
+              <a:lstStyle/>
+              <a:p>
+                <a:pPr algn="ctr"/>
+                <a:endParaRPr lang="zh-CN" altLang="en-US"/>
+              </a:p>
+            </p:txBody>
+          </p:sp>
+          <p:sp>
+            <p:nvSpPr>
+              <p:cNvPr id="265" name="矩形 264">
+                <a:extLst>
+                  <a:ext uri="{FF2B5EF4-FFF2-40B4-BE49-F238E27FC236}">
+                    <a16:creationId xmlns:a16="http://schemas.microsoft.com/office/drawing/2014/main" id="{1F2CA7CD-EE20-4085-96CE-85F1756A454D}"/>
+                  </a:ext>
+                </a:extLst>
+              </p:cNvPr>
+              <p:cNvSpPr/>
+              <p:nvPr/>
+            </p:nvSpPr>
+            <p:spPr>
+              <a:xfrm>
+                <a:off x="1421090" y="2308272"/>
+                <a:ext cx="601264" cy="322687"/>
+              </a:xfrm>
+              <a:prstGeom prst="rect">
+                <a:avLst/>
+              </a:prstGeom>
+              <a:solidFill>
+                <a:schemeClr val="bg1">
+                  <a:lumMod val="85000"/>
+                </a:schemeClr>
+              </a:solidFill>
+              <a:ln>
+                <a:noFill/>
+              </a:ln>
+            </p:spPr>
+            <p:style>
+              <a:lnRef idx="2">
+                <a:schemeClr val="accent1">
+                  <a:shade val="50000"/>
+                </a:schemeClr>
+              </a:lnRef>
+              <a:fillRef idx="1">
+                <a:schemeClr val="accent1"/>
+              </a:fillRef>
+              <a:effectRef idx="0">
+                <a:schemeClr val="accent1"/>
+              </a:effectRef>
+              <a:fontRef idx="minor">
+                <a:schemeClr val="lt1"/>
+              </a:fontRef>
+            </p:style>
+            <p:txBody>
+              <a:bodyPr rtlCol="0" anchor="ctr"/>
+              <a:lstStyle/>
+              <a:p>
+                <a:pPr algn="ctr"/>
+                <a:endParaRPr lang="zh-CN" altLang="en-US"/>
+              </a:p>
+            </p:txBody>
+          </p:sp>
+          <p:sp>
+            <p:nvSpPr>
+              <p:cNvPr id="266" name="矩形 265">
+                <a:extLst>
+                  <a:ext uri="{FF2B5EF4-FFF2-40B4-BE49-F238E27FC236}">
+                    <a16:creationId xmlns:a16="http://schemas.microsoft.com/office/drawing/2014/main" id="{740CD838-D6E1-40E4-85EF-661909199F54}"/>
+                  </a:ext>
+                </a:extLst>
+              </p:cNvPr>
+              <p:cNvSpPr/>
+              <p:nvPr/>
+            </p:nvSpPr>
+            <p:spPr>
+              <a:xfrm>
+                <a:off x="1357460" y="2339546"/>
+                <a:ext cx="735291" cy="333051"/>
+              </a:xfrm>
+              <a:prstGeom prst="rect">
+                <a:avLst/>
+              </a:prstGeom>
+              <a:solidFill>
+                <a:srgbClr val="EBEBEB"/>
+              </a:solidFill>
+              <a:ln>
+                <a:noFill/>
+              </a:ln>
+            </p:spPr>
+            <p:style>
+              <a:lnRef idx="2">
+                <a:schemeClr val="accent1">
+                  <a:shade val="50000"/>
+                </a:schemeClr>
+              </a:lnRef>
+              <a:fillRef idx="1">
+                <a:schemeClr val="accent1"/>
+              </a:fillRef>
+              <a:effectRef idx="0">
+                <a:schemeClr val="accent1"/>
+              </a:effectRef>
+              <a:fontRef idx="minor">
+                <a:schemeClr val="lt1"/>
+              </a:fontRef>
+            </p:style>
+            <p:txBody>
+              <a:bodyPr rtlCol="0" anchor="ctr"/>
+              <a:lstStyle/>
+              <a:p>
+                <a:pPr algn="ctr"/>
+                <a:endParaRPr lang="zh-CN" altLang="en-US"/>
+              </a:p>
+            </p:txBody>
+          </p:sp>
+          <p:grpSp>
+            <p:nvGrpSpPr>
+              <p:cNvPr id="267" name="组合 266">
+                <a:extLst>
+                  <a:ext uri="{FF2B5EF4-FFF2-40B4-BE49-F238E27FC236}">
+                    <a16:creationId xmlns:a16="http://schemas.microsoft.com/office/drawing/2014/main" id="{07EAE9F5-0BA6-42C6-B016-886D5F14F0B7}"/>
+                  </a:ext>
+                </a:extLst>
+              </p:cNvPr>
+              <p:cNvGrpSpPr/>
+              <p:nvPr/>
+            </p:nvGrpSpPr>
+            <p:grpSpPr>
+              <a:xfrm>
+                <a:off x="1545367" y="2075160"/>
+                <a:ext cx="361094" cy="596386"/>
+                <a:chOff x="6992662" y="1309861"/>
+                <a:chExt cx="534954" cy="883535"/>
+              </a:xfrm>
+            </p:grpSpPr>
+            <p:sp>
+              <p:nvSpPr>
+                <p:cNvPr id="268" name="矩形: 圆角 9">
+                  <a:extLst>
+                    <a:ext uri="{FF2B5EF4-FFF2-40B4-BE49-F238E27FC236}">
+                      <a16:creationId xmlns:a16="http://schemas.microsoft.com/office/drawing/2014/main" id="{36A1869C-B5B7-459F-993C-852B43D404AC}"/>
+                    </a:ext>
+                  </a:extLst>
+                </p:cNvPr>
+                <p:cNvSpPr/>
+                <p:nvPr/>
+              </p:nvSpPr>
+              <p:spPr>
+                <a:xfrm>
+                  <a:off x="6992662" y="1309861"/>
+                  <a:ext cx="534954" cy="883535"/>
+                </a:xfrm>
+                <a:custGeom>
+                  <a:avLst/>
+                  <a:gdLst>
+                    <a:gd name="connsiteX0" fmla="*/ 0 w 534954"/>
+                    <a:gd name="connsiteY0" fmla="*/ 267477 h 900000"/>
+                    <a:gd name="connsiteX1" fmla="*/ 267477 w 534954"/>
+                    <a:gd name="connsiteY1" fmla="*/ 0 h 900000"/>
+                    <a:gd name="connsiteX2" fmla="*/ 267477 w 534954"/>
+                    <a:gd name="connsiteY2" fmla="*/ 0 h 900000"/>
+                    <a:gd name="connsiteX3" fmla="*/ 534954 w 534954"/>
+                    <a:gd name="connsiteY3" fmla="*/ 267477 h 900000"/>
+                    <a:gd name="connsiteX4" fmla="*/ 534954 w 534954"/>
+                    <a:gd name="connsiteY4" fmla="*/ 632523 h 900000"/>
+                    <a:gd name="connsiteX5" fmla="*/ 267477 w 534954"/>
+                    <a:gd name="connsiteY5" fmla="*/ 900000 h 900000"/>
+                    <a:gd name="connsiteX6" fmla="*/ 267477 w 534954"/>
+                    <a:gd name="connsiteY6" fmla="*/ 900000 h 900000"/>
+                    <a:gd name="connsiteX7" fmla="*/ 0 w 534954"/>
+                    <a:gd name="connsiteY7" fmla="*/ 632523 h 900000"/>
+                    <a:gd name="connsiteX8" fmla="*/ 0 w 534954"/>
+                    <a:gd name="connsiteY8" fmla="*/ 267477 h 900000"/>
+                    <a:gd name="connsiteX0" fmla="*/ 0 w 534954"/>
+                    <a:gd name="connsiteY0" fmla="*/ 267477 h 900000"/>
+                    <a:gd name="connsiteX1" fmla="*/ 267477 w 534954"/>
+                    <a:gd name="connsiteY1" fmla="*/ 0 h 900000"/>
+                    <a:gd name="connsiteX2" fmla="*/ 267477 w 534954"/>
+                    <a:gd name="connsiteY2" fmla="*/ 0 h 900000"/>
+                    <a:gd name="connsiteX3" fmla="*/ 534954 w 534954"/>
+                    <a:gd name="connsiteY3" fmla="*/ 267477 h 900000"/>
+                    <a:gd name="connsiteX4" fmla="*/ 534954 w 534954"/>
+                    <a:gd name="connsiteY4" fmla="*/ 632523 h 900000"/>
+                    <a:gd name="connsiteX5" fmla="*/ 267477 w 534954"/>
+                    <a:gd name="connsiteY5" fmla="*/ 900000 h 900000"/>
+                    <a:gd name="connsiteX6" fmla="*/ 267477 w 534954"/>
+                    <a:gd name="connsiteY6" fmla="*/ 900000 h 900000"/>
+                    <a:gd name="connsiteX7" fmla="*/ 0 w 534954"/>
+                    <a:gd name="connsiteY7" fmla="*/ 632523 h 900000"/>
+                    <a:gd name="connsiteX8" fmla="*/ 0 w 534954"/>
+                    <a:gd name="connsiteY8" fmla="*/ 267477 h 900000"/>
+                    <a:gd name="connsiteX0" fmla="*/ 0 w 534954"/>
+                    <a:gd name="connsiteY0" fmla="*/ 267477 h 900000"/>
+                    <a:gd name="connsiteX1" fmla="*/ 267477 w 534954"/>
+                    <a:gd name="connsiteY1" fmla="*/ 0 h 900000"/>
+                    <a:gd name="connsiteX2" fmla="*/ 267477 w 534954"/>
+                    <a:gd name="connsiteY2" fmla="*/ 0 h 900000"/>
+                    <a:gd name="connsiteX3" fmla="*/ 534954 w 534954"/>
+                    <a:gd name="connsiteY3" fmla="*/ 267477 h 900000"/>
+                    <a:gd name="connsiteX4" fmla="*/ 534954 w 534954"/>
+                    <a:gd name="connsiteY4" fmla="*/ 632523 h 900000"/>
+                    <a:gd name="connsiteX5" fmla="*/ 267477 w 534954"/>
+                    <a:gd name="connsiteY5" fmla="*/ 900000 h 900000"/>
+                    <a:gd name="connsiteX6" fmla="*/ 267477 w 534954"/>
+                    <a:gd name="connsiteY6" fmla="*/ 900000 h 900000"/>
+                    <a:gd name="connsiteX7" fmla="*/ 0 w 534954"/>
+                    <a:gd name="connsiteY7" fmla="*/ 632523 h 900000"/>
+                    <a:gd name="connsiteX8" fmla="*/ 0 w 534954"/>
+                    <a:gd name="connsiteY8" fmla="*/ 267477 h 900000"/>
+                    <a:gd name="connsiteX0" fmla="*/ 0 w 534954"/>
+                    <a:gd name="connsiteY0" fmla="*/ 267477 h 900000"/>
+                    <a:gd name="connsiteX1" fmla="*/ 267477 w 534954"/>
+                    <a:gd name="connsiteY1" fmla="*/ 0 h 900000"/>
+                    <a:gd name="connsiteX2" fmla="*/ 267477 w 534954"/>
+                    <a:gd name="connsiteY2" fmla="*/ 0 h 900000"/>
+                    <a:gd name="connsiteX3" fmla="*/ 534954 w 534954"/>
+                    <a:gd name="connsiteY3" fmla="*/ 267477 h 900000"/>
+                    <a:gd name="connsiteX4" fmla="*/ 534954 w 534954"/>
+                    <a:gd name="connsiteY4" fmla="*/ 632523 h 900000"/>
+                    <a:gd name="connsiteX5" fmla="*/ 267477 w 534954"/>
+                    <a:gd name="connsiteY5" fmla="*/ 900000 h 900000"/>
+                    <a:gd name="connsiteX6" fmla="*/ 267477 w 534954"/>
+                    <a:gd name="connsiteY6" fmla="*/ 900000 h 900000"/>
+                    <a:gd name="connsiteX7" fmla="*/ 0 w 534954"/>
+                    <a:gd name="connsiteY7" fmla="*/ 632523 h 900000"/>
+                    <a:gd name="connsiteX8" fmla="*/ 0 w 534954"/>
+                    <a:gd name="connsiteY8" fmla="*/ 267477 h 900000"/>
+                    <a:gd name="connsiteX0" fmla="*/ 0 w 534954"/>
+                    <a:gd name="connsiteY0" fmla="*/ 267477 h 900000"/>
+                    <a:gd name="connsiteX1" fmla="*/ 267477 w 534954"/>
+                    <a:gd name="connsiteY1" fmla="*/ 0 h 900000"/>
+                    <a:gd name="connsiteX2" fmla="*/ 267477 w 534954"/>
+                    <a:gd name="connsiteY2" fmla="*/ 0 h 900000"/>
+                    <a:gd name="connsiteX3" fmla="*/ 534954 w 534954"/>
+                    <a:gd name="connsiteY3" fmla="*/ 267477 h 900000"/>
+                    <a:gd name="connsiteX4" fmla="*/ 534954 w 534954"/>
+                    <a:gd name="connsiteY4" fmla="*/ 632523 h 900000"/>
+                    <a:gd name="connsiteX5" fmla="*/ 267477 w 534954"/>
+                    <a:gd name="connsiteY5" fmla="*/ 900000 h 900000"/>
+                    <a:gd name="connsiteX6" fmla="*/ 267477 w 534954"/>
+                    <a:gd name="connsiteY6" fmla="*/ 900000 h 900000"/>
+                    <a:gd name="connsiteX7" fmla="*/ 0 w 534954"/>
+                    <a:gd name="connsiteY7" fmla="*/ 632523 h 900000"/>
+                    <a:gd name="connsiteX8" fmla="*/ 0 w 534954"/>
+                    <a:gd name="connsiteY8" fmla="*/ 267477 h 900000"/>
+                    <a:gd name="connsiteX0" fmla="*/ 0 w 534954"/>
+                    <a:gd name="connsiteY0" fmla="*/ 267477 h 900000"/>
+                    <a:gd name="connsiteX1" fmla="*/ 267477 w 534954"/>
+                    <a:gd name="connsiteY1" fmla="*/ 0 h 900000"/>
+                    <a:gd name="connsiteX2" fmla="*/ 267477 w 534954"/>
+                    <a:gd name="connsiteY2" fmla="*/ 0 h 900000"/>
+                    <a:gd name="connsiteX3" fmla="*/ 534954 w 534954"/>
+                    <a:gd name="connsiteY3" fmla="*/ 267477 h 900000"/>
+                    <a:gd name="connsiteX4" fmla="*/ 534954 w 534954"/>
+                    <a:gd name="connsiteY4" fmla="*/ 632523 h 900000"/>
+                    <a:gd name="connsiteX5" fmla="*/ 267477 w 534954"/>
+                    <a:gd name="connsiteY5" fmla="*/ 900000 h 900000"/>
+                    <a:gd name="connsiteX6" fmla="*/ 0 w 534954"/>
+                    <a:gd name="connsiteY6" fmla="*/ 632523 h 900000"/>
+                    <a:gd name="connsiteX7" fmla="*/ 0 w 534954"/>
+                    <a:gd name="connsiteY7" fmla="*/ 267477 h 900000"/>
+                    <a:gd name="connsiteX0" fmla="*/ 0 w 534954"/>
+                    <a:gd name="connsiteY0" fmla="*/ 267477 h 632523"/>
+                    <a:gd name="connsiteX1" fmla="*/ 267477 w 534954"/>
+                    <a:gd name="connsiteY1" fmla="*/ 0 h 632523"/>
+                    <a:gd name="connsiteX2" fmla="*/ 267477 w 534954"/>
+                    <a:gd name="connsiteY2" fmla="*/ 0 h 632523"/>
+                    <a:gd name="connsiteX3" fmla="*/ 534954 w 534954"/>
+                    <a:gd name="connsiteY3" fmla="*/ 267477 h 632523"/>
+                    <a:gd name="connsiteX4" fmla="*/ 534954 w 534954"/>
+                    <a:gd name="connsiteY4" fmla="*/ 632523 h 632523"/>
+                    <a:gd name="connsiteX5" fmla="*/ 0 w 534954"/>
+                    <a:gd name="connsiteY5" fmla="*/ 632523 h 632523"/>
+                    <a:gd name="connsiteX6" fmla="*/ 0 w 534954"/>
+                    <a:gd name="connsiteY6" fmla="*/ 267477 h 632523"/>
+                    <a:gd name="connsiteX0" fmla="*/ 0 w 534954"/>
+                    <a:gd name="connsiteY0" fmla="*/ 267477 h 632523"/>
+                    <a:gd name="connsiteX1" fmla="*/ 267477 w 534954"/>
+                    <a:gd name="connsiteY1" fmla="*/ 0 h 632523"/>
+                    <a:gd name="connsiteX2" fmla="*/ 267477 w 534954"/>
+                    <a:gd name="connsiteY2" fmla="*/ 0 h 632523"/>
+                    <a:gd name="connsiteX3" fmla="*/ 534954 w 534954"/>
+                    <a:gd name="connsiteY3" fmla="*/ 267477 h 632523"/>
+                    <a:gd name="connsiteX4" fmla="*/ 534954 w 534954"/>
+                    <a:gd name="connsiteY4" fmla="*/ 632523 h 632523"/>
+                    <a:gd name="connsiteX5" fmla="*/ 0 w 534954"/>
+                    <a:gd name="connsiteY5" fmla="*/ 632523 h 632523"/>
+                    <a:gd name="connsiteX6" fmla="*/ 0 w 534954"/>
+                    <a:gd name="connsiteY6" fmla="*/ 267477 h 632523"/>
+                    <a:gd name="connsiteX0" fmla="*/ 0 w 534954"/>
+                    <a:gd name="connsiteY0" fmla="*/ 267477 h 883535"/>
+                    <a:gd name="connsiteX1" fmla="*/ 267477 w 534954"/>
+                    <a:gd name="connsiteY1" fmla="*/ 0 h 883535"/>
+                    <a:gd name="connsiteX2" fmla="*/ 267477 w 534954"/>
+                    <a:gd name="connsiteY2" fmla="*/ 0 h 883535"/>
+                    <a:gd name="connsiteX3" fmla="*/ 534954 w 534954"/>
+                    <a:gd name="connsiteY3" fmla="*/ 267477 h 883535"/>
+                    <a:gd name="connsiteX4" fmla="*/ 534954 w 534954"/>
+                    <a:gd name="connsiteY4" fmla="*/ 632523 h 883535"/>
+                    <a:gd name="connsiteX5" fmla="*/ 0 w 534954"/>
+                    <a:gd name="connsiteY5" fmla="*/ 883535 h 883535"/>
+                    <a:gd name="connsiteX6" fmla="*/ 0 w 534954"/>
+                    <a:gd name="connsiteY6" fmla="*/ 267477 h 883535"/>
+                    <a:gd name="connsiteX0" fmla="*/ 0 w 534954"/>
+                    <a:gd name="connsiteY0" fmla="*/ 267477 h 883535"/>
+                    <a:gd name="connsiteX1" fmla="*/ 267477 w 534954"/>
+                    <a:gd name="connsiteY1" fmla="*/ 0 h 883535"/>
+                    <a:gd name="connsiteX2" fmla="*/ 267477 w 534954"/>
+                    <a:gd name="connsiteY2" fmla="*/ 0 h 883535"/>
+                    <a:gd name="connsiteX3" fmla="*/ 534954 w 534954"/>
+                    <a:gd name="connsiteY3" fmla="*/ 267477 h 883535"/>
+                    <a:gd name="connsiteX4" fmla="*/ 530472 w 534954"/>
+                    <a:gd name="connsiteY4" fmla="*/ 883535 h 883535"/>
+                    <a:gd name="connsiteX5" fmla="*/ 0 w 534954"/>
+                    <a:gd name="connsiteY5" fmla="*/ 883535 h 883535"/>
+                    <a:gd name="connsiteX6" fmla="*/ 0 w 534954"/>
+                    <a:gd name="connsiteY6" fmla="*/ 267477 h 883535"/>
+                  </a:gdLst>
+                  <a:ahLst/>
+                  <a:cxnLst>
+                    <a:cxn ang="0">
+                      <a:pos x="connsiteX0" y="connsiteY0"/>
+                    </a:cxn>
+                    <a:cxn ang="0">
+                      <a:pos x="connsiteX1" y="connsiteY1"/>
+                    </a:cxn>
+                    <a:cxn ang="0">
+                      <a:pos x="connsiteX2" y="connsiteY2"/>
+                    </a:cxn>
+                    <a:cxn ang="0">
+                      <a:pos x="connsiteX3" y="connsiteY3"/>
+                    </a:cxn>
+                    <a:cxn ang="0">
+                      <a:pos x="connsiteX4" y="connsiteY4"/>
+                    </a:cxn>
+                    <a:cxn ang="0">
+                      <a:pos x="connsiteX5" y="connsiteY5"/>
+                    </a:cxn>
+                    <a:cxn ang="0">
+                      <a:pos x="connsiteX6" y="connsiteY6"/>
+                    </a:cxn>
+                  </a:cxnLst>
+                  <a:rect l="l" t="t" r="r" b="b"/>
+                  <a:pathLst>
+                    <a:path w="534954" h="883535">
+                      <a:moveTo>
+                        <a:pt x="0" y="267477"/>
+                      </a:moveTo>
+                      <a:cubicBezTo>
+                        <a:pt x="0" y="119754"/>
+                        <a:pt x="119754" y="0"/>
+                        <a:pt x="267477" y="0"/>
+                      </a:cubicBezTo>
+                      <a:lnTo>
+                        <a:pt x="267477" y="0"/>
+                      </a:lnTo>
+                      <a:cubicBezTo>
+                        <a:pt x="415200" y="0"/>
+                        <a:pt x="534954" y="119754"/>
+                        <a:pt x="534954" y="267477"/>
+                      </a:cubicBezTo>
+                      <a:lnTo>
+                        <a:pt x="530472" y="883535"/>
+                      </a:lnTo>
+                      <a:lnTo>
+                        <a:pt x="0" y="883535"/>
+                      </a:lnTo>
+                      <a:lnTo>
+                        <a:pt x="0" y="267477"/>
+                      </a:lnTo>
+                      <a:close/>
+                    </a:path>
+                  </a:pathLst>
+                </a:custGeom>
+                <a:solidFill>
+                  <a:srgbClr val="0AB0FF">
+                    <a:alpha val="80000"/>
+                  </a:srgbClr>
+                </a:solidFill>
+                <a:ln>
+                  <a:noFill/>
+                </a:ln>
+                <a:effectLst/>
+              </p:spPr>
+              <p:style>
+                <a:lnRef idx="2">
+                  <a:schemeClr val="accent1">
+                    <a:shade val="50000"/>
+                  </a:schemeClr>
+                </a:lnRef>
+                <a:fillRef idx="1">
+                  <a:schemeClr val="accent1"/>
+                </a:fillRef>
+                <a:effectRef idx="0">
+                  <a:schemeClr val="accent1"/>
+                </a:effectRef>
+                <a:fontRef idx="minor">
+                  <a:schemeClr val="lt1"/>
+                </a:fontRef>
+              </p:style>
+              <p:txBody>
+                <a:bodyPr rtlCol="0" anchor="ctr"/>
+                <a:lstStyle/>
+                <a:p>
+                  <a:pPr algn="ctr"/>
+                  <a:endParaRPr lang="zh-CN" altLang="en-US"/>
+                </a:p>
+              </p:txBody>
+            </p:sp>
+            <p:sp>
+              <p:nvSpPr>
+                <p:cNvPr id="269" name="任意多边形: 形状 268">
+                  <a:extLst>
+                    <a:ext uri="{FF2B5EF4-FFF2-40B4-BE49-F238E27FC236}">
+                      <a16:creationId xmlns:a16="http://schemas.microsoft.com/office/drawing/2014/main" id="{1EE5F4F9-06C2-488B-A869-B1ABA45248EB}"/>
+                    </a:ext>
+                  </a:extLst>
+                </p:cNvPr>
+                <p:cNvSpPr/>
+                <p:nvPr/>
+              </p:nvSpPr>
+              <p:spPr>
+                <a:xfrm>
+                  <a:off x="6992662" y="1715341"/>
+                  <a:ext cx="532928" cy="478055"/>
+                </a:xfrm>
+                <a:custGeom>
+                  <a:avLst/>
+                  <a:gdLst>
+                    <a:gd name="connsiteX0" fmla="*/ 0 w 532928"/>
+                    <a:gd name="connsiteY0" fmla="*/ 0 h 478055"/>
+                    <a:gd name="connsiteX1" fmla="*/ 532928 w 532928"/>
+                    <a:gd name="connsiteY1" fmla="*/ 140520 h 478055"/>
+                    <a:gd name="connsiteX2" fmla="*/ 530472 w 532928"/>
+                    <a:gd name="connsiteY2" fmla="*/ 478055 h 478055"/>
+                    <a:gd name="connsiteX3" fmla="*/ 0 w 532928"/>
+                    <a:gd name="connsiteY3" fmla="*/ 478055 h 478055"/>
+                  </a:gdLst>
+                  <a:ahLst/>
+                  <a:cxnLst>
+                    <a:cxn ang="0">
+                      <a:pos x="connsiteX0" y="connsiteY0"/>
+                    </a:cxn>
+                    <a:cxn ang="0">
+                      <a:pos x="connsiteX1" y="connsiteY1"/>
+                    </a:cxn>
+                    <a:cxn ang="0">
+                      <a:pos x="connsiteX2" y="connsiteY2"/>
+                    </a:cxn>
+                    <a:cxn ang="0">
+                      <a:pos x="connsiteX3" y="connsiteY3"/>
+                    </a:cxn>
+                  </a:cxnLst>
+                  <a:rect l="l" t="t" r="r" b="b"/>
+                  <a:pathLst>
+                    <a:path w="532928" h="478055">
+                      <a:moveTo>
+                        <a:pt x="0" y="0"/>
+                      </a:moveTo>
+                      <a:lnTo>
+                        <a:pt x="532928" y="140520"/>
+                      </a:lnTo>
+                      <a:lnTo>
+                        <a:pt x="530472" y="478055"/>
+                      </a:lnTo>
+                      <a:lnTo>
+                        <a:pt x="0" y="478055"/>
+                      </a:lnTo>
+                      <a:close/>
+                    </a:path>
+                  </a:pathLst>
+                </a:custGeom>
+                <a:solidFill>
+                  <a:srgbClr val="0AB0FF"/>
+                </a:solidFill>
+                <a:ln>
+                  <a:noFill/>
+                </a:ln>
+                <a:effectLst/>
+              </p:spPr>
+              <p:style>
+                <a:lnRef idx="2">
+                  <a:schemeClr val="accent1">
+                    <a:shade val="50000"/>
+                  </a:schemeClr>
+                </a:lnRef>
+                <a:fillRef idx="1">
+                  <a:schemeClr val="accent1"/>
+                </a:fillRef>
+                <a:effectRef idx="0">
+                  <a:schemeClr val="accent1"/>
+                </a:effectRef>
+                <a:fontRef idx="minor">
+                  <a:schemeClr val="lt1"/>
+                </a:fontRef>
+              </p:style>
+              <p:txBody>
+                <a:bodyPr wrap="square" rtlCol="0" anchor="ctr">
+                  <a:noAutofit/>
+                </a:bodyPr>
+                <a:lstStyle/>
+                <a:p>
+                  <a:pPr algn="ctr"/>
+                  <a:endParaRPr lang="zh-CN" altLang="en-US"/>
+                </a:p>
+              </p:txBody>
+            </p:sp>
+            <p:sp>
+              <p:nvSpPr>
+                <p:cNvPr id="270" name="矩形: 圆角 269">
+                  <a:extLst>
+                    <a:ext uri="{FF2B5EF4-FFF2-40B4-BE49-F238E27FC236}">
+                      <a16:creationId xmlns:a16="http://schemas.microsoft.com/office/drawing/2014/main" id="{FB78E15B-E25B-4F8C-8C8B-1E4FD1275A56}"/>
+                    </a:ext>
+                  </a:extLst>
+                </p:cNvPr>
+                <p:cNvSpPr>
+                  <a:spLocks noChangeAspect="1"/>
+                </p:cNvSpPr>
+                <p:nvPr/>
+              </p:nvSpPr>
+              <p:spPr>
+                <a:xfrm rot="7916071">
+                  <a:off x="7053927" y="1749040"/>
+                  <a:ext cx="402400" cy="82800"/>
+                </a:xfrm>
+                <a:prstGeom prst="roundRect">
+                  <a:avLst>
+                    <a:gd name="adj" fmla="val 50000"/>
+                  </a:avLst>
+                </a:prstGeom>
+                <a:solidFill>
+                  <a:schemeClr val="bg1"/>
+                </a:solidFill>
+                <a:ln>
+                  <a:noFill/>
+                </a:ln>
+              </p:spPr>
+              <p:style>
+                <a:lnRef idx="2">
+                  <a:schemeClr val="accent1">
+                    <a:shade val="50000"/>
+                  </a:schemeClr>
+                </a:lnRef>
+                <a:fillRef idx="1">
+                  <a:schemeClr val="accent1"/>
+                </a:fillRef>
+                <a:effectRef idx="0">
+                  <a:schemeClr val="accent1"/>
+                </a:effectRef>
+                <a:fontRef idx="minor">
+                  <a:schemeClr val="lt1"/>
+                </a:fontRef>
+              </p:style>
+              <p:txBody>
+                <a:bodyPr rtlCol="0" anchor="ctr"/>
+                <a:lstStyle/>
+                <a:p>
+                  <a:pPr algn="ctr"/>
+                  <a:endParaRPr lang="zh-CN" altLang="en-US"/>
+                </a:p>
+              </p:txBody>
+            </p:sp>
+          </p:grpSp>
+        </p:grpSp>
+      </p:grpSp>
+      <p:grpSp>
+        <p:nvGrpSpPr>
+          <p:cNvPr id="271" name="组合 270">
+            <a:extLst>
+              <a:ext uri="{FF2B5EF4-FFF2-40B4-BE49-F238E27FC236}">
+                <a16:creationId xmlns:a16="http://schemas.microsoft.com/office/drawing/2014/main" id="{C4FDD2E8-1D28-465D-BC83-CCFD64B5BE85}"/>
+              </a:ext>
+            </a:extLst>
+          </p:cNvPr>
+          <p:cNvGrpSpPr/>
+          <p:nvPr/>
+        </p:nvGrpSpPr>
+        <p:grpSpPr>
+          <a:xfrm>
+            <a:off x="1881186" y="2086266"/>
+            <a:ext cx="262690" cy="263032"/>
+            <a:chOff x="3265288" y="1987217"/>
+            <a:chExt cx="867600" cy="868730"/>
+          </a:xfrm>
+        </p:grpSpPr>
+        <p:sp>
+          <p:nvSpPr>
+            <p:cNvPr id="272" name="矩形 271">
+              <a:extLst>
+                <a:ext uri="{FF2B5EF4-FFF2-40B4-BE49-F238E27FC236}">
+                  <a16:creationId xmlns:a16="http://schemas.microsoft.com/office/drawing/2014/main" id="{C2442CA4-32E8-4C2D-9096-696740EFCFDE}"/>
+                </a:ext>
+              </a:extLst>
+            </p:cNvPr>
+            <p:cNvSpPr>
+              <a:spLocks/>
+            </p:cNvSpPr>
+            <p:nvPr/>
+          </p:nvSpPr>
+          <p:spPr>
+            <a:xfrm>
+              <a:off x="3265288" y="1987217"/>
+              <a:ext cx="867600" cy="868730"/>
+            </a:xfrm>
+            <a:prstGeom prst="rect">
+              <a:avLst/>
+            </a:prstGeom>
+            <a:noFill/>
+            <a:ln>
+              <a:noFill/>
+            </a:ln>
+          </p:spPr>
+          <p:style>
+            <a:lnRef idx="2">
+              <a:schemeClr val="accent1">
+                <a:shade val="50000"/>
+              </a:schemeClr>
+            </a:lnRef>
+            <a:fillRef idx="1">
+              <a:schemeClr val="accent1"/>
+            </a:fillRef>
+            <a:effectRef idx="0">
+              <a:schemeClr val="accent1"/>
+            </a:effectRef>
+            <a:fontRef idx="minor">
+              <a:schemeClr val="lt1"/>
+            </a:fontRef>
+          </p:style>
+          <p:txBody>
+            <a:bodyPr rtlCol="0" anchor="ctr"/>
+            <a:lstStyle/>
+            <a:p>
+              <a:pPr algn="ctr"/>
+              <a:endParaRPr lang="zh-CN" altLang="en-US"/>
+            </a:p>
+          </p:txBody>
+        </p:sp>
+        <p:grpSp>
+          <p:nvGrpSpPr>
+            <p:cNvPr id="273" name="组合 272">
+              <a:extLst>
+                <a:ext uri="{FF2B5EF4-FFF2-40B4-BE49-F238E27FC236}">
+                  <a16:creationId xmlns:a16="http://schemas.microsoft.com/office/drawing/2014/main" id="{9830F48D-45D3-482F-92E0-8FB1D3A359E8}"/>
+                </a:ext>
+              </a:extLst>
+            </p:cNvPr>
+            <p:cNvGrpSpPr/>
+            <p:nvPr/>
+          </p:nvGrpSpPr>
+          <p:grpSpPr>
+            <a:xfrm>
+              <a:off x="3379130" y="2192982"/>
+              <a:ext cx="639916" cy="457200"/>
+              <a:chOff x="3293257" y="2213294"/>
+              <a:chExt cx="639916" cy="457200"/>
+            </a:xfrm>
+          </p:grpSpPr>
+          <p:sp>
+            <p:nvSpPr>
+              <p:cNvPr id="274" name="矩形: 圆角 273">
+                <a:extLst>
+                  <a:ext uri="{FF2B5EF4-FFF2-40B4-BE49-F238E27FC236}">
+                    <a16:creationId xmlns:a16="http://schemas.microsoft.com/office/drawing/2014/main" id="{16C8C721-EAC6-4BB6-BC0F-2CF964590054}"/>
+                  </a:ext>
+                </a:extLst>
+              </p:cNvPr>
+              <p:cNvSpPr/>
+              <p:nvPr/>
+            </p:nvSpPr>
+            <p:spPr>
+              <a:xfrm>
+                <a:off x="3293257" y="2213294"/>
+                <a:ext cx="639916" cy="457200"/>
+              </a:xfrm>
+              <a:prstGeom prst="roundRect">
+                <a:avLst>
+                  <a:gd name="adj" fmla="val 8448"/>
+                </a:avLst>
+              </a:prstGeom>
+              <a:solidFill>
+                <a:srgbClr val="EBEBEB"/>
+              </a:solidFill>
+              <a:ln>
+                <a:noFill/>
+              </a:ln>
+            </p:spPr>
+            <p:style>
+              <a:lnRef idx="2">
+                <a:schemeClr val="accent1">
+                  <a:shade val="50000"/>
+                </a:schemeClr>
+              </a:lnRef>
+              <a:fillRef idx="1">
+                <a:schemeClr val="accent1"/>
+              </a:fillRef>
+              <a:effectRef idx="0">
+                <a:schemeClr val="accent1"/>
+              </a:effectRef>
+              <a:fontRef idx="minor">
+                <a:schemeClr val="lt1"/>
+              </a:fontRef>
+            </p:style>
+            <p:txBody>
+              <a:bodyPr rtlCol="0" anchor="ctr"/>
+              <a:lstStyle/>
+              <a:p>
+                <a:pPr algn="ctr"/>
+                <a:endParaRPr lang="zh-CN" altLang="en-US"/>
+              </a:p>
+            </p:txBody>
+          </p:sp>
+          <p:sp>
+            <p:nvSpPr>
+              <p:cNvPr id="275" name="矩形: 圆角 274">
+                <a:extLst>
+                  <a:ext uri="{FF2B5EF4-FFF2-40B4-BE49-F238E27FC236}">
+                    <a16:creationId xmlns:a16="http://schemas.microsoft.com/office/drawing/2014/main" id="{058654A5-2204-41BC-9CBF-38A1AC6385FC}"/>
+                  </a:ext>
+                </a:extLst>
+              </p:cNvPr>
+              <p:cNvSpPr/>
+              <p:nvPr/>
+            </p:nvSpPr>
+            <p:spPr>
+              <a:xfrm>
+                <a:off x="3293257" y="2213294"/>
+                <a:ext cx="639916" cy="136616"/>
+              </a:xfrm>
+              <a:prstGeom prst="roundRect">
+                <a:avLst>
+                  <a:gd name="adj" fmla="val 0"/>
+                </a:avLst>
+              </a:prstGeom>
+              <a:solidFill>
+                <a:srgbClr val="3BBEFF"/>
+              </a:solidFill>
+              <a:ln>
+                <a:noFill/>
+              </a:ln>
+            </p:spPr>
+            <p:style>
+              <a:lnRef idx="2">
+                <a:schemeClr val="accent1">
+                  <a:shade val="50000"/>
+                </a:schemeClr>
+              </a:lnRef>
+              <a:fillRef idx="1">
+                <a:schemeClr val="accent1"/>
+              </a:fillRef>
+              <a:effectRef idx="0">
+                <a:schemeClr val="accent1"/>
+              </a:effectRef>
+              <a:fontRef idx="minor">
+                <a:schemeClr val="lt1"/>
+              </a:fontRef>
+            </p:style>
+            <p:txBody>
+              <a:bodyPr rtlCol="0" anchor="ctr"/>
+              <a:lstStyle/>
+              <a:p>
+                <a:pPr algn="ctr"/>
+                <a:endParaRPr lang="zh-CN" altLang="en-US"/>
+              </a:p>
+            </p:txBody>
+          </p:sp>
+          <p:cxnSp>
+            <p:nvCxnSpPr>
+              <p:cNvPr id="276" name="直接连接符 275">
+                <a:extLst>
+                  <a:ext uri="{FF2B5EF4-FFF2-40B4-BE49-F238E27FC236}">
+                    <a16:creationId xmlns:a16="http://schemas.microsoft.com/office/drawing/2014/main" id="{1E55DEC3-D732-4577-8F78-58E2B40B86AE}"/>
+                  </a:ext>
+                </a:extLst>
+              </p:cNvPr>
+              <p:cNvCxnSpPr>
+                <a:cxnSpLocks/>
+              </p:cNvCxnSpPr>
+              <p:nvPr/>
+            </p:nvCxnSpPr>
+            <p:spPr>
+              <a:xfrm flipH="1">
+                <a:off x="3374110" y="2284185"/>
+                <a:ext cx="327331" cy="0"/>
+              </a:xfrm>
+              <a:prstGeom prst="line">
+                <a:avLst/>
+              </a:prstGeom>
+              <a:ln w="9525" cap="rnd">
+                <a:solidFill>
+                  <a:schemeClr val="bg1"/>
+                </a:solidFill>
+                <a:round/>
+              </a:ln>
+            </p:spPr>
+            <p:style>
+              <a:lnRef idx="1">
+                <a:schemeClr val="accent1"/>
+              </a:lnRef>
+              <a:fillRef idx="0">
+                <a:schemeClr val="accent1"/>
+              </a:fillRef>
+              <a:effectRef idx="0">
+                <a:schemeClr val="accent1"/>
+              </a:effectRef>
+              <a:fontRef idx="minor">
+                <a:schemeClr val="tx1"/>
+              </a:fontRef>
+            </p:style>
+          </p:cxnSp>
+          <p:cxnSp>
+            <p:nvCxnSpPr>
+              <p:cNvPr id="277" name="直接连接符 276">
+                <a:extLst>
+                  <a:ext uri="{FF2B5EF4-FFF2-40B4-BE49-F238E27FC236}">
+                    <a16:creationId xmlns:a16="http://schemas.microsoft.com/office/drawing/2014/main" id="{EC56A4D9-EE16-4673-9306-6B80FCBBD4BE}"/>
+                  </a:ext>
+                </a:extLst>
+              </p:cNvPr>
+              <p:cNvCxnSpPr>
+                <a:cxnSpLocks/>
+              </p:cNvCxnSpPr>
+              <p:nvPr/>
+            </p:nvCxnSpPr>
+            <p:spPr>
+              <a:xfrm flipH="1">
+                <a:off x="3374110" y="2410468"/>
+                <a:ext cx="174928" cy="0"/>
+              </a:xfrm>
+              <a:prstGeom prst="line">
+                <a:avLst/>
+              </a:prstGeom>
+              <a:ln w="9525" cap="rnd">
+                <a:solidFill>
+                  <a:schemeClr val="bg1">
+                    <a:lumMod val="75000"/>
+                  </a:schemeClr>
+                </a:solidFill>
+                <a:round/>
+              </a:ln>
+            </p:spPr>
+            <p:style>
+              <a:lnRef idx="1">
+                <a:schemeClr val="accent1"/>
+              </a:lnRef>
+              <a:fillRef idx="0">
+                <a:schemeClr val="accent1"/>
+              </a:fillRef>
+              <a:effectRef idx="0">
+                <a:schemeClr val="accent1"/>
+              </a:effectRef>
+              <a:fontRef idx="minor">
+                <a:schemeClr val="tx1"/>
+              </a:fontRef>
+            </p:style>
+          </p:cxnSp>
+          <p:cxnSp>
+            <p:nvCxnSpPr>
+              <p:cNvPr id="278" name="直接连接符 277">
+                <a:extLst>
+                  <a:ext uri="{FF2B5EF4-FFF2-40B4-BE49-F238E27FC236}">
+                    <a16:creationId xmlns:a16="http://schemas.microsoft.com/office/drawing/2014/main" id="{B661510C-2E34-4DB7-A7E9-15F355575E11}"/>
+                  </a:ext>
+                </a:extLst>
+              </p:cNvPr>
+              <p:cNvCxnSpPr>
+                <a:cxnSpLocks/>
+              </p:cNvCxnSpPr>
+              <p:nvPr/>
+            </p:nvCxnSpPr>
+            <p:spPr>
+              <a:xfrm flipH="1">
+                <a:off x="3374110" y="2480255"/>
+                <a:ext cx="280201" cy="0"/>
+              </a:xfrm>
+              <a:prstGeom prst="line">
+                <a:avLst/>
+              </a:prstGeom>
+              <a:ln w="9525" cap="rnd">
+                <a:solidFill>
+                  <a:schemeClr val="bg1">
+                    <a:lumMod val="75000"/>
+                  </a:schemeClr>
+                </a:solidFill>
+                <a:round/>
+              </a:ln>
+            </p:spPr>
+            <p:style>
+              <a:lnRef idx="1">
+                <a:schemeClr val="accent1"/>
+              </a:lnRef>
+              <a:fillRef idx="0">
+                <a:schemeClr val="accent1"/>
+              </a:fillRef>
+              <a:effectRef idx="0">
+                <a:schemeClr val="accent1"/>
+              </a:effectRef>
+              <a:fontRef idx="minor">
+                <a:schemeClr val="tx1"/>
+              </a:fontRef>
+            </p:style>
+          </p:cxnSp>
+        </p:grpSp>
+      </p:grpSp>
+      <p:sp>
+        <p:nvSpPr>
+          <p:cNvPr id="279" name="文本框 278">
+            <a:extLst>
+              <a:ext uri="{FF2B5EF4-FFF2-40B4-BE49-F238E27FC236}">
+                <a16:creationId xmlns:a16="http://schemas.microsoft.com/office/drawing/2014/main" id="{6CE2ABA9-E674-4A8C-9CF7-EE08E4D15639}"/>
+              </a:ext>
+            </a:extLst>
+          </p:cNvPr>
+          <p:cNvSpPr txBox="1"/>
+          <p:nvPr/>
+        </p:nvSpPr>
+        <p:spPr>
+          <a:xfrm>
+            <a:off x="1329266" y="2376375"/>
+            <a:ext cx="172398" cy="69891"/>
+          </a:xfrm>
+          <a:prstGeom prst="rect">
+            <a:avLst/>
+          </a:prstGeom>
+          <a:noFill/>
+        </p:spPr>
+        <p:txBody>
+          <a:bodyPr wrap="none" rtlCol="0">
+            <a:spAutoFit/>
+          </a:bodyPr>
+          <a:lstStyle/>
+          <a:p>
+            <a:pPr algn="ctr"/>
+            <a:r>
+              <a:rPr lang="en-US" altLang="zh-CN" sz="900" dirty="0">
+                <a:solidFill>
+                  <a:schemeClr val="bg1">
+                    <a:lumMod val="85000"/>
+                  </a:schemeClr>
+                </a:solidFill>
+                <a:latin typeface="微软雅黑" panose="020B0503020204020204" pitchFamily="34" charset="-122"/>
+                <a:ea typeface="微软雅黑" panose="020B0503020204020204" pitchFamily="34" charset="-122"/>
+              </a:rPr>
+              <a:t>Project</a:t>
+            </a:r>
+            <a:endParaRPr lang="zh-CN" altLang="en-US" sz="900" dirty="0">
+              <a:solidFill>
+                <a:schemeClr val="bg1">
+                  <a:lumMod val="85000"/>
+                </a:schemeClr>
+              </a:solidFill>
+              <a:latin typeface="微软雅黑" panose="020B0503020204020204" pitchFamily="34" charset="-122"/>
+              <a:ea typeface="微软雅黑" panose="020B0503020204020204" pitchFamily="34" charset="-122"/>
+            </a:endParaRPr>
+          </a:p>
+        </p:txBody>
+      </p:sp>
+      <p:sp>
+        <p:nvSpPr>
+          <p:cNvPr id="280" name="文本框 279">
+            <a:extLst>
+              <a:ext uri="{FF2B5EF4-FFF2-40B4-BE49-F238E27FC236}">
+                <a16:creationId xmlns:a16="http://schemas.microsoft.com/office/drawing/2014/main" id="{B9337B34-8E25-42F8-A61D-31FC9252F010}"/>
+              </a:ext>
+            </a:extLst>
+          </p:cNvPr>
+          <p:cNvSpPr txBox="1"/>
+          <p:nvPr/>
+        </p:nvSpPr>
+        <p:spPr>
+          <a:xfrm>
+            <a:off x="1649347" y="2376375"/>
+            <a:ext cx="130657" cy="69891"/>
+          </a:xfrm>
+          <a:prstGeom prst="rect">
+            <a:avLst/>
+          </a:prstGeom>
+          <a:noFill/>
+        </p:spPr>
+        <p:txBody>
+          <a:bodyPr wrap="none" rtlCol="0">
+            <a:spAutoFit/>
+          </a:bodyPr>
+          <a:lstStyle/>
+          <a:p>
+            <a:pPr algn="ctr"/>
+            <a:r>
+              <a:rPr lang="en-US" altLang="zh-CN" sz="900" dirty="0">
+                <a:solidFill>
+                  <a:schemeClr val="bg1">
+                    <a:lumMod val="85000"/>
+                  </a:schemeClr>
+                </a:solidFill>
+                <a:latin typeface="微软雅黑" panose="020B0503020204020204" pitchFamily="34" charset="-122"/>
+                <a:ea typeface="微软雅黑" panose="020B0503020204020204" pitchFamily="34" charset="-122"/>
+              </a:rPr>
+              <a:t>C++</a:t>
+            </a:r>
+            <a:endParaRPr lang="zh-CN" altLang="en-US" sz="900" dirty="0">
+              <a:solidFill>
+                <a:schemeClr val="bg1">
+                  <a:lumMod val="85000"/>
+                </a:schemeClr>
+              </a:solidFill>
+              <a:latin typeface="微软雅黑" panose="020B0503020204020204" pitchFamily="34" charset="-122"/>
+              <a:ea typeface="微软雅黑" panose="020B0503020204020204" pitchFamily="34" charset="-122"/>
+            </a:endParaRPr>
+          </a:p>
+        </p:txBody>
+      </p:sp>
+      <p:sp>
+        <p:nvSpPr>
+          <p:cNvPr id="281" name="文本框 280">
+            <a:extLst>
+              <a:ext uri="{FF2B5EF4-FFF2-40B4-BE49-F238E27FC236}">
+                <a16:creationId xmlns:a16="http://schemas.microsoft.com/office/drawing/2014/main" id="{107E3DED-3E12-4FDB-8225-5726052DBF87}"/>
+              </a:ext>
+            </a:extLst>
+          </p:cNvPr>
+          <p:cNvSpPr txBox="1"/>
+          <p:nvPr/>
+        </p:nvSpPr>
+        <p:spPr>
+          <a:xfrm>
+            <a:off x="1915654" y="2376375"/>
+            <a:ext cx="190355" cy="69891"/>
+          </a:xfrm>
+          <a:prstGeom prst="rect">
+            <a:avLst/>
+          </a:prstGeom>
+          <a:noFill/>
+        </p:spPr>
+        <p:txBody>
+          <a:bodyPr wrap="none" rtlCol="0">
+            <a:spAutoFit/>
+          </a:bodyPr>
+          <a:lstStyle/>
+          <a:p>
+            <a:pPr algn="ctr"/>
+            <a:r>
+              <a:rPr lang="en-US" altLang="zh-CN" sz="900" dirty="0">
+                <a:solidFill>
+                  <a:schemeClr val="bg1">
+                    <a:lumMod val="85000"/>
+                  </a:schemeClr>
+                </a:solidFill>
+                <a:latin typeface="微软雅黑" panose="020B0503020204020204" pitchFamily="34" charset="-122"/>
+                <a:ea typeface="微软雅黑" panose="020B0503020204020204" pitchFamily="34" charset="-122"/>
+              </a:rPr>
+              <a:t>Console</a:t>
+            </a:r>
+            <a:endParaRPr lang="zh-CN" altLang="en-US" sz="900" dirty="0">
+              <a:solidFill>
+                <a:schemeClr val="bg1">
+                  <a:lumMod val="85000"/>
+                </a:schemeClr>
+              </a:solidFill>
+              <a:latin typeface="微软雅黑" panose="020B0503020204020204" pitchFamily="34" charset="-122"/>
+              <a:ea typeface="微软雅黑" panose="020B0503020204020204" pitchFamily="34" charset="-122"/>
+            </a:endParaRPr>
+          </a:p>
+        </p:txBody>
+      </p:sp>
+      <p:grpSp>
+        <p:nvGrpSpPr>
+          <p:cNvPr id="3" name="组合 2">
+            <a:extLst>
+              <a:ext uri="{FF2B5EF4-FFF2-40B4-BE49-F238E27FC236}">
+                <a16:creationId xmlns:a16="http://schemas.microsoft.com/office/drawing/2014/main" id="{90FA9EE5-0634-4E4B-B72D-2F218AFE59C4}"/>
+              </a:ext>
+            </a:extLst>
+          </p:cNvPr>
+          <p:cNvGrpSpPr/>
+          <p:nvPr/>
+        </p:nvGrpSpPr>
+        <p:grpSpPr>
+          <a:xfrm>
+            <a:off x="1583330" y="2086266"/>
+            <a:ext cx="262690" cy="263032"/>
+            <a:chOff x="1583330" y="2086266"/>
+            <a:chExt cx="262690" cy="263032"/>
+          </a:xfrm>
+        </p:grpSpPr>
+        <p:sp>
+          <p:nvSpPr>
+            <p:cNvPr id="283" name="矩形 282">
+              <a:extLst>
+                <a:ext uri="{FF2B5EF4-FFF2-40B4-BE49-F238E27FC236}">
+                  <a16:creationId xmlns:a16="http://schemas.microsoft.com/office/drawing/2014/main" id="{3FD2EC83-E502-4FBF-8B18-ABD0384086D1}"/>
+                </a:ext>
+              </a:extLst>
+            </p:cNvPr>
+            <p:cNvSpPr>
+              <a:spLocks/>
+            </p:cNvSpPr>
+            <p:nvPr/>
+          </p:nvSpPr>
+          <p:spPr>
+            <a:xfrm>
+              <a:off x="1583330" y="2086266"/>
+              <a:ext cx="262690" cy="263032"/>
+            </a:xfrm>
+            <a:prstGeom prst="rect">
+              <a:avLst/>
+            </a:prstGeom>
+            <a:noFill/>
+            <a:ln>
+              <a:noFill/>
+            </a:ln>
+          </p:spPr>
+          <p:style>
+            <a:lnRef idx="2">
+              <a:schemeClr val="accent1">
+                <a:shade val="50000"/>
+              </a:schemeClr>
+            </a:lnRef>
+            <a:fillRef idx="1">
+              <a:schemeClr val="accent1"/>
+            </a:fillRef>
+            <a:effectRef idx="0">
+              <a:schemeClr val="accent1"/>
+            </a:effectRef>
+            <a:fontRef idx="minor">
+              <a:schemeClr val="lt1"/>
+            </a:fontRef>
+          </p:style>
+          <p:txBody>
+            <a:bodyPr rtlCol="0" anchor="ctr"/>
+            <a:lstStyle/>
+            <a:p>
+              <a:pPr algn="ctr"/>
+              <a:endParaRPr lang="zh-CN" altLang="en-US"/>
+            </a:p>
+          </p:txBody>
+        </p:sp>
+        <p:sp>
+          <p:nvSpPr>
+            <p:cNvPr id="285" name="椭圆 284">
+              <a:extLst>
+                <a:ext uri="{FF2B5EF4-FFF2-40B4-BE49-F238E27FC236}">
+                  <a16:creationId xmlns:a16="http://schemas.microsoft.com/office/drawing/2014/main" id="{0923DAA7-DC48-4ECE-96B0-906D8F8A58ED}"/>
+                </a:ext>
+              </a:extLst>
+            </p:cNvPr>
+            <p:cNvSpPr/>
+            <p:nvPr/>
+          </p:nvSpPr>
+          <p:spPr>
+            <a:xfrm>
+              <a:off x="1622343" y="2136065"/>
+              <a:ext cx="163419" cy="163435"/>
+            </a:xfrm>
+            <a:prstGeom prst="ellipse">
+              <a:avLst/>
+            </a:prstGeom>
+            <a:solidFill>
+              <a:srgbClr val="EBEBEB"/>
+            </a:solidFill>
+            <a:ln>
+              <a:noFill/>
+            </a:ln>
+          </p:spPr>
+          <p:style>
+            <a:lnRef idx="2">
+              <a:schemeClr val="accent1">
+                <a:shade val="50000"/>
+              </a:schemeClr>
+            </a:lnRef>
+            <a:fillRef idx="1">
+              <a:schemeClr val="accent1"/>
+            </a:fillRef>
+            <a:effectRef idx="0">
+              <a:schemeClr val="accent1"/>
+            </a:effectRef>
+            <a:fontRef idx="minor">
+              <a:schemeClr val="lt1"/>
+            </a:fontRef>
+          </p:style>
+          <p:txBody>
+            <a:bodyPr rtlCol="0" anchor="ctr"/>
+            <a:lstStyle/>
+            <a:p>
+              <a:pPr algn="ctr"/>
+              <a:endParaRPr lang="zh-CN" altLang="en-US" dirty="0"/>
+            </a:p>
+          </p:txBody>
+        </p:sp>
+        <p:sp>
+          <p:nvSpPr>
+            <p:cNvPr id="286" name="弧形 285">
+              <a:extLst>
+                <a:ext uri="{FF2B5EF4-FFF2-40B4-BE49-F238E27FC236}">
+                  <a16:creationId xmlns:a16="http://schemas.microsoft.com/office/drawing/2014/main" id="{D478AB8E-F01D-40FB-95F7-CCE04C749F3E}"/>
+                </a:ext>
+              </a:extLst>
+            </p:cNvPr>
+            <p:cNvSpPr>
+              <a:spLocks noChangeAspect="1"/>
+            </p:cNvSpPr>
+            <p:nvPr/>
+          </p:nvSpPr>
+          <p:spPr>
+            <a:xfrm>
+              <a:off x="1662118" y="2174003"/>
+              <a:ext cx="87200" cy="87200"/>
+            </a:xfrm>
+            <a:prstGeom prst="arc">
+              <a:avLst>
+                <a:gd name="adj1" fmla="val 2220813"/>
+                <a:gd name="adj2" fmla="val 16605377"/>
+              </a:avLst>
+            </a:prstGeom>
+            <a:ln w="12700" cap="rnd">
+              <a:solidFill>
+                <a:srgbClr val="0AB0FF"/>
+              </a:solidFill>
+              <a:round/>
+            </a:ln>
+          </p:spPr>
+          <p:style>
+            <a:lnRef idx="1">
+              <a:schemeClr val="accent1"/>
+            </a:lnRef>
+            <a:fillRef idx="0">
+              <a:schemeClr val="accent1"/>
+            </a:fillRef>
+            <a:effectRef idx="0">
+              <a:schemeClr val="accent1"/>
+            </a:effectRef>
+            <a:fontRef idx="minor">
+              <a:schemeClr val="tx1"/>
+            </a:fontRef>
+          </p:style>
+          <p:txBody>
+            <a:bodyPr rtlCol="0" anchor="ctr"/>
+            <a:lstStyle/>
+            <a:p>
+              <a:pPr algn="ctr"/>
+              <a:endParaRPr lang="zh-CN" altLang="en-US"/>
+            </a:p>
+          </p:txBody>
+        </p:sp>
+        <p:grpSp>
+          <p:nvGrpSpPr>
+            <p:cNvPr id="287" name="组合 286">
+              <a:extLst>
+                <a:ext uri="{FF2B5EF4-FFF2-40B4-BE49-F238E27FC236}">
+                  <a16:creationId xmlns:a16="http://schemas.microsoft.com/office/drawing/2014/main" id="{0796E713-1EFB-4530-8BA2-63A0844F2926}"/>
+                </a:ext>
+              </a:extLst>
+            </p:cNvPr>
+            <p:cNvGrpSpPr>
+              <a:grpSpLocks noChangeAspect="1"/>
+            </p:cNvGrpSpPr>
+            <p:nvPr/>
+          </p:nvGrpSpPr>
+          <p:grpSpPr>
+            <a:xfrm>
+              <a:off x="1736936" y="2138617"/>
+              <a:ext cx="70072" cy="31126"/>
+              <a:chOff x="2852347" y="2115381"/>
+              <a:chExt cx="408748" cy="181566"/>
+            </a:xfrm>
+          </p:grpSpPr>
+          <p:grpSp>
+            <p:nvGrpSpPr>
+              <p:cNvPr id="288" name="组合 287">
+                <a:extLst>
+                  <a:ext uri="{FF2B5EF4-FFF2-40B4-BE49-F238E27FC236}">
+                    <a16:creationId xmlns:a16="http://schemas.microsoft.com/office/drawing/2014/main" id="{1C34B779-D38E-4B49-B412-8E8E2A4BC8F8}"/>
+                  </a:ext>
+                </a:extLst>
+              </p:cNvPr>
+              <p:cNvGrpSpPr/>
+              <p:nvPr/>
+            </p:nvGrpSpPr>
+            <p:grpSpPr>
+              <a:xfrm>
+                <a:off x="2852347" y="2115381"/>
+                <a:ext cx="174928" cy="181317"/>
+                <a:chOff x="2852347" y="2115381"/>
+                <a:chExt cx="174928" cy="181317"/>
+              </a:xfrm>
+            </p:grpSpPr>
+            <p:cxnSp>
+              <p:nvCxnSpPr>
+                <p:cNvPr id="292" name="直接连接符 291">
+                  <a:extLst>
+                    <a:ext uri="{FF2B5EF4-FFF2-40B4-BE49-F238E27FC236}">
+                      <a16:creationId xmlns:a16="http://schemas.microsoft.com/office/drawing/2014/main" id="{531C448F-777A-4538-85DC-4716110918B3}"/>
+                    </a:ext>
+                  </a:extLst>
+                </p:cNvPr>
+                <p:cNvCxnSpPr>
+                  <a:cxnSpLocks/>
+                </p:cNvCxnSpPr>
+                <p:nvPr/>
+              </p:nvCxnSpPr>
+              <p:spPr>
+                <a:xfrm flipH="1">
+                  <a:off x="2852347" y="2201099"/>
+                  <a:ext cx="174928" cy="0"/>
+                </a:xfrm>
+                <a:prstGeom prst="line">
+                  <a:avLst/>
+                </a:prstGeom>
+                <a:ln w="9525" cap="rnd">
+                  <a:solidFill>
+                    <a:srgbClr val="3BBEFF"/>
+                  </a:solidFill>
+                  <a:round/>
+                </a:ln>
+              </p:spPr>
+              <p:style>
+                <a:lnRef idx="1">
+                  <a:schemeClr val="accent1"/>
+                </a:lnRef>
+                <a:fillRef idx="0">
+                  <a:schemeClr val="accent1"/>
+                </a:fillRef>
+                <a:effectRef idx="0">
+                  <a:schemeClr val="accent1"/>
+                </a:effectRef>
+                <a:fontRef idx="minor">
+                  <a:schemeClr val="tx1"/>
+                </a:fontRef>
+              </p:style>
+            </p:cxnSp>
+            <p:cxnSp>
+              <p:nvCxnSpPr>
+                <p:cNvPr id="293" name="直接连接符 292">
+                  <a:extLst>
+                    <a:ext uri="{FF2B5EF4-FFF2-40B4-BE49-F238E27FC236}">
+                      <a16:creationId xmlns:a16="http://schemas.microsoft.com/office/drawing/2014/main" id="{76D89645-15F7-4794-9CB5-E786A3494406}"/>
+                    </a:ext>
+                  </a:extLst>
+                </p:cNvPr>
+                <p:cNvCxnSpPr>
+                  <a:cxnSpLocks/>
+                </p:cNvCxnSpPr>
+                <p:nvPr/>
+              </p:nvCxnSpPr>
+              <p:spPr>
+                <a:xfrm>
+                  <a:off x="2945158" y="2115381"/>
+                  <a:ext cx="492" cy="181317"/>
+                </a:xfrm>
+                <a:prstGeom prst="line">
+                  <a:avLst/>
+                </a:prstGeom>
+                <a:ln w="9525" cap="rnd">
+                  <a:solidFill>
+                    <a:srgbClr val="3BBEFF">
+                      <a:alpha val="70000"/>
+                    </a:srgbClr>
+                  </a:solidFill>
+                  <a:round/>
+                </a:ln>
+              </p:spPr>
+              <p:style>
+                <a:lnRef idx="1">
+                  <a:schemeClr val="accent1"/>
+                </a:lnRef>
+                <a:fillRef idx="0">
+                  <a:schemeClr val="accent1"/>
+                </a:fillRef>
+                <a:effectRef idx="0">
+                  <a:schemeClr val="accent1"/>
+                </a:effectRef>
+                <a:fontRef idx="minor">
+                  <a:schemeClr val="tx1"/>
+                </a:fontRef>
+              </p:style>
+            </p:cxnSp>
+          </p:grpSp>
+          <p:grpSp>
+            <p:nvGrpSpPr>
+              <p:cNvPr id="289" name="组合 288">
+                <a:extLst>
+                  <a:ext uri="{FF2B5EF4-FFF2-40B4-BE49-F238E27FC236}">
+                    <a16:creationId xmlns:a16="http://schemas.microsoft.com/office/drawing/2014/main" id="{97D14E61-D00B-40F4-A3E6-4069B9B0599E}"/>
+                  </a:ext>
+                </a:extLst>
+              </p:cNvPr>
+              <p:cNvGrpSpPr/>
+              <p:nvPr/>
+            </p:nvGrpSpPr>
+            <p:grpSpPr>
+              <a:xfrm>
+                <a:off x="3086167" y="2115630"/>
+                <a:ext cx="174928" cy="181317"/>
+                <a:chOff x="2879603" y="2115381"/>
+                <a:chExt cx="174928" cy="181317"/>
+              </a:xfrm>
+            </p:grpSpPr>
+            <p:cxnSp>
+              <p:nvCxnSpPr>
+                <p:cNvPr id="290" name="直接连接符 289">
+                  <a:extLst>
+                    <a:ext uri="{FF2B5EF4-FFF2-40B4-BE49-F238E27FC236}">
+                      <a16:creationId xmlns:a16="http://schemas.microsoft.com/office/drawing/2014/main" id="{E299E0D3-D302-4B40-AF21-FDE5E58666F5}"/>
+                    </a:ext>
+                  </a:extLst>
+                </p:cNvPr>
+                <p:cNvCxnSpPr>
+                  <a:cxnSpLocks/>
+                </p:cNvCxnSpPr>
+                <p:nvPr/>
+              </p:nvCxnSpPr>
+              <p:spPr>
+                <a:xfrm flipH="1">
+                  <a:off x="2879603" y="2201100"/>
+                  <a:ext cx="174928" cy="0"/>
+                </a:xfrm>
+                <a:prstGeom prst="line">
+                  <a:avLst/>
+                </a:prstGeom>
+                <a:ln w="9525" cap="rnd">
+                  <a:solidFill>
+                    <a:srgbClr val="3BBEFF">
+                      <a:alpha val="70000"/>
+                    </a:srgbClr>
+                  </a:solidFill>
+                  <a:round/>
+                </a:ln>
+              </p:spPr>
+              <p:style>
+                <a:lnRef idx="1">
+                  <a:schemeClr val="accent1"/>
+                </a:lnRef>
+                <a:fillRef idx="0">
+                  <a:schemeClr val="accent1"/>
+                </a:fillRef>
+                <a:effectRef idx="0">
+                  <a:schemeClr val="accent1"/>
+                </a:effectRef>
+                <a:fontRef idx="minor">
+                  <a:schemeClr val="tx1"/>
+                </a:fontRef>
+              </p:style>
+            </p:cxnSp>
+            <p:cxnSp>
+              <p:nvCxnSpPr>
+                <p:cNvPr id="291" name="直接连接符 290">
+                  <a:extLst>
+                    <a:ext uri="{FF2B5EF4-FFF2-40B4-BE49-F238E27FC236}">
+                      <a16:creationId xmlns:a16="http://schemas.microsoft.com/office/drawing/2014/main" id="{A25F1C27-9F4E-487A-9647-FC64DC259B75}"/>
+                    </a:ext>
+                  </a:extLst>
+                </p:cNvPr>
+                <p:cNvCxnSpPr>
+                  <a:cxnSpLocks/>
+                </p:cNvCxnSpPr>
+                <p:nvPr/>
+              </p:nvCxnSpPr>
+              <p:spPr>
+                <a:xfrm>
+                  <a:off x="2972413" y="2115381"/>
+                  <a:ext cx="493" cy="181317"/>
+                </a:xfrm>
+                <a:prstGeom prst="line">
+                  <a:avLst/>
+                </a:prstGeom>
+                <a:ln w="9525" cap="rnd">
+                  <a:solidFill>
+                    <a:srgbClr val="3BBEFF"/>
+                  </a:solidFill>
+                  <a:round/>
+                </a:ln>
+              </p:spPr>
+              <p:style>
+                <a:lnRef idx="1">
+                  <a:schemeClr val="accent1"/>
+                </a:lnRef>
+                <a:fillRef idx="0">
+                  <a:schemeClr val="accent1"/>
+                </a:fillRef>
+                <a:effectRef idx="0">
+                  <a:schemeClr val="accent1"/>
+                </a:effectRef>
+                <a:fontRef idx="minor">
+                  <a:schemeClr val="tx1"/>
+                </a:fontRef>
+              </p:style>
+            </p:cxnSp>
+          </p:grpSp>
+        </p:grpSp>
+      </p:grpSp>
+      <p:sp>
+        <p:nvSpPr>
+          <p:cNvPr id="294" name="文本框 293">
+            <a:extLst>
+              <a:ext uri="{FF2B5EF4-FFF2-40B4-BE49-F238E27FC236}">
+                <a16:creationId xmlns:a16="http://schemas.microsoft.com/office/drawing/2014/main" id="{F5BDCBB9-5AB0-4567-B0D6-D5B05EBE22A6}"/>
+              </a:ext>
+            </a:extLst>
+          </p:cNvPr>
+          <p:cNvSpPr txBox="1"/>
+          <p:nvPr/>
+        </p:nvSpPr>
+        <p:spPr>
+          <a:xfrm>
+            <a:off x="2224038" y="2369290"/>
+            <a:ext cx="162690" cy="69891"/>
+          </a:xfrm>
+          <a:prstGeom prst="rect">
+            <a:avLst/>
+          </a:prstGeom>
+          <a:noFill/>
+        </p:spPr>
+        <p:txBody>
+          <a:bodyPr wrap="none" rtlCol="0">
+            <a:spAutoFit/>
+          </a:bodyPr>
+          <a:lstStyle/>
+          <a:p>
+            <a:pPr algn="ctr"/>
+            <a:r>
+              <a:rPr lang="en-US" altLang="zh-CN" sz="900" dirty="0">
+                <a:solidFill>
+                  <a:schemeClr val="bg1">
+                    <a:lumMod val="85000"/>
+                  </a:schemeClr>
+                </a:solidFill>
+                <a:latin typeface="微软雅黑" panose="020B0503020204020204" pitchFamily="34" charset="-122"/>
+                <a:ea typeface="微软雅黑" panose="020B0503020204020204" pitchFamily="34" charset="-122"/>
+              </a:rPr>
+              <a:t>Win32</a:t>
+            </a:r>
+            <a:endParaRPr lang="zh-CN" altLang="en-US" sz="900" dirty="0">
+              <a:solidFill>
+                <a:schemeClr val="bg1">
+                  <a:lumMod val="85000"/>
+                </a:schemeClr>
+              </a:solidFill>
+              <a:latin typeface="微软雅黑" panose="020B0503020204020204" pitchFamily="34" charset="-122"/>
+              <a:ea typeface="微软雅黑" panose="020B0503020204020204" pitchFamily="34" charset="-122"/>
+            </a:endParaRPr>
+          </a:p>
+        </p:txBody>
+      </p:sp>
+      <p:grpSp>
+        <p:nvGrpSpPr>
+          <p:cNvPr id="295" name="组合 294">
+            <a:extLst>
+              <a:ext uri="{FF2B5EF4-FFF2-40B4-BE49-F238E27FC236}">
+                <a16:creationId xmlns:a16="http://schemas.microsoft.com/office/drawing/2014/main" id="{1A6E6620-CB41-4F18-B6DE-FE50982E9385}"/>
+              </a:ext>
+            </a:extLst>
+          </p:cNvPr>
+          <p:cNvGrpSpPr/>
+          <p:nvPr/>
+        </p:nvGrpSpPr>
+        <p:grpSpPr>
+          <a:xfrm>
+            <a:off x="2179041" y="2086266"/>
+            <a:ext cx="262690" cy="263032"/>
+            <a:chOff x="4243625" y="1987217"/>
+            <a:chExt cx="867600" cy="868730"/>
+          </a:xfrm>
+        </p:grpSpPr>
+        <p:sp>
+          <p:nvSpPr>
+            <p:cNvPr id="296" name="矩形 295">
+              <a:extLst>
+                <a:ext uri="{FF2B5EF4-FFF2-40B4-BE49-F238E27FC236}">
+                  <a16:creationId xmlns:a16="http://schemas.microsoft.com/office/drawing/2014/main" id="{5A73E626-7CD4-439C-BE08-F5C676F31E00}"/>
+                </a:ext>
+              </a:extLst>
+            </p:cNvPr>
+            <p:cNvSpPr>
+              <a:spLocks/>
+            </p:cNvSpPr>
+            <p:nvPr/>
+          </p:nvSpPr>
+          <p:spPr>
+            <a:xfrm>
+              <a:off x="4243625" y="1987217"/>
+              <a:ext cx="867600" cy="868730"/>
+            </a:xfrm>
+            <a:prstGeom prst="rect">
+              <a:avLst/>
+            </a:prstGeom>
+            <a:noFill/>
+            <a:ln>
+              <a:noFill/>
+            </a:ln>
+          </p:spPr>
+          <p:style>
+            <a:lnRef idx="2">
+              <a:schemeClr val="accent1">
+                <a:shade val="50000"/>
+              </a:schemeClr>
+            </a:lnRef>
+            <a:fillRef idx="1">
+              <a:schemeClr val="accent1"/>
+            </a:fillRef>
+            <a:effectRef idx="0">
+              <a:schemeClr val="accent1"/>
+            </a:effectRef>
+            <a:fontRef idx="minor">
+              <a:schemeClr val="lt1"/>
+            </a:fontRef>
+          </p:style>
+          <p:txBody>
+            <a:bodyPr rtlCol="0" anchor="ctr"/>
+            <a:lstStyle/>
+            <a:p>
+              <a:pPr algn="ctr"/>
+              <a:endParaRPr lang="zh-CN" altLang="en-US"/>
+            </a:p>
+          </p:txBody>
+        </p:sp>
+        <p:grpSp>
+          <p:nvGrpSpPr>
+            <p:cNvPr id="297" name="组合 296">
+              <a:extLst>
+                <a:ext uri="{FF2B5EF4-FFF2-40B4-BE49-F238E27FC236}">
+                  <a16:creationId xmlns:a16="http://schemas.microsoft.com/office/drawing/2014/main" id="{31211A45-B6CD-40FD-9901-1FF665AE6C50}"/>
+                </a:ext>
+              </a:extLst>
+            </p:cNvPr>
+            <p:cNvGrpSpPr/>
+            <p:nvPr/>
+          </p:nvGrpSpPr>
+          <p:grpSpPr>
+            <a:xfrm>
+              <a:off x="4361495" y="2168626"/>
+              <a:ext cx="631861" cy="505912"/>
+              <a:chOff x="4352288" y="2154125"/>
+              <a:chExt cx="631861" cy="505912"/>
+            </a:xfrm>
+          </p:grpSpPr>
+          <p:grpSp>
+            <p:nvGrpSpPr>
+              <p:cNvPr id="298" name="组合 297">
+                <a:extLst>
+                  <a:ext uri="{FF2B5EF4-FFF2-40B4-BE49-F238E27FC236}">
+                    <a16:creationId xmlns:a16="http://schemas.microsoft.com/office/drawing/2014/main" id="{4A63B090-4DF9-4099-9C4F-6E9AD08C6A5F}"/>
+                  </a:ext>
+                </a:extLst>
+              </p:cNvPr>
+              <p:cNvGrpSpPr/>
+              <p:nvPr/>
+            </p:nvGrpSpPr>
+            <p:grpSpPr>
+              <a:xfrm>
+                <a:off x="4352288" y="2154125"/>
+                <a:ext cx="577278" cy="428734"/>
+                <a:chOff x="5002526" y="2339452"/>
+                <a:chExt cx="577278" cy="428734"/>
+              </a:xfrm>
+            </p:grpSpPr>
+            <p:sp>
+              <p:nvSpPr>
+                <p:cNvPr id="302" name="矩形: 圆角 301">
+                  <a:extLst>
+                    <a:ext uri="{FF2B5EF4-FFF2-40B4-BE49-F238E27FC236}">
+                      <a16:creationId xmlns:a16="http://schemas.microsoft.com/office/drawing/2014/main" id="{8CCDF3AB-1ABB-44F3-BE39-46E713C834B8}"/>
+                    </a:ext>
+                  </a:extLst>
+                </p:cNvPr>
+                <p:cNvSpPr/>
+                <p:nvPr/>
+              </p:nvSpPr>
+              <p:spPr>
+                <a:xfrm>
+                  <a:off x="5002526" y="2360789"/>
+                  <a:ext cx="577278" cy="407397"/>
+                </a:xfrm>
+                <a:prstGeom prst="roundRect">
+                  <a:avLst/>
+                </a:prstGeom>
+                <a:solidFill>
+                  <a:srgbClr val="E2E2E2"/>
+                </a:solidFill>
+                <a:ln>
+                  <a:noFill/>
+                </a:ln>
+              </p:spPr>
+              <p:style>
+                <a:lnRef idx="2">
+                  <a:schemeClr val="accent1">
+                    <a:shade val="50000"/>
+                  </a:schemeClr>
+                </a:lnRef>
+                <a:fillRef idx="1">
+                  <a:schemeClr val="accent1"/>
+                </a:fillRef>
+                <a:effectRef idx="0">
+                  <a:schemeClr val="accent1"/>
+                </a:effectRef>
+                <a:fontRef idx="minor">
+                  <a:schemeClr val="lt1"/>
+                </a:fontRef>
+              </p:style>
+              <p:txBody>
+                <a:bodyPr rtlCol="0" anchor="ctr"/>
+                <a:lstStyle/>
+                <a:p>
+                  <a:pPr algn="ctr"/>
+                  <a:endParaRPr lang="zh-CN" altLang="en-US" dirty="0"/>
+                </a:p>
+              </p:txBody>
+            </p:sp>
+            <p:grpSp>
+              <p:nvGrpSpPr>
+                <p:cNvPr id="303" name="组合 302">
+                  <a:extLst>
+                    <a:ext uri="{FF2B5EF4-FFF2-40B4-BE49-F238E27FC236}">
+                      <a16:creationId xmlns:a16="http://schemas.microsoft.com/office/drawing/2014/main" id="{A6BF7B67-D799-4D6C-BD04-9ACBB62E6E26}"/>
+                    </a:ext>
+                  </a:extLst>
+                </p:cNvPr>
+                <p:cNvGrpSpPr/>
+                <p:nvPr/>
+              </p:nvGrpSpPr>
+              <p:grpSpPr>
+                <a:xfrm>
+                  <a:off x="5197075" y="2470175"/>
+                  <a:ext cx="196404" cy="298011"/>
+                  <a:chOff x="6992662" y="1309861"/>
+                  <a:chExt cx="534954" cy="883535"/>
+                </a:xfrm>
+              </p:grpSpPr>
+              <p:sp>
+                <p:nvSpPr>
+                  <p:cNvPr id="305" name="矩形: 圆角 9">
+                    <a:extLst>
+                      <a:ext uri="{FF2B5EF4-FFF2-40B4-BE49-F238E27FC236}">
+                        <a16:creationId xmlns:a16="http://schemas.microsoft.com/office/drawing/2014/main" id="{4204ECCD-35B4-4503-8DAE-CAD9EAA00546}"/>
+                      </a:ext>
+                    </a:extLst>
+                  </p:cNvPr>
+                  <p:cNvSpPr/>
+                  <p:nvPr/>
+                </p:nvSpPr>
+                <p:spPr>
+                  <a:xfrm>
+                    <a:off x="6992662" y="1309861"/>
+                    <a:ext cx="534954" cy="883535"/>
+                  </a:xfrm>
+                  <a:custGeom>
+                    <a:avLst/>
+                    <a:gdLst>
+                      <a:gd name="connsiteX0" fmla="*/ 0 w 534954"/>
+                      <a:gd name="connsiteY0" fmla="*/ 267477 h 900000"/>
+                      <a:gd name="connsiteX1" fmla="*/ 267477 w 534954"/>
+                      <a:gd name="connsiteY1" fmla="*/ 0 h 900000"/>
+                      <a:gd name="connsiteX2" fmla="*/ 267477 w 534954"/>
+                      <a:gd name="connsiteY2" fmla="*/ 0 h 900000"/>
+                      <a:gd name="connsiteX3" fmla="*/ 534954 w 534954"/>
+                      <a:gd name="connsiteY3" fmla="*/ 267477 h 900000"/>
+                      <a:gd name="connsiteX4" fmla="*/ 534954 w 534954"/>
+                      <a:gd name="connsiteY4" fmla="*/ 632523 h 900000"/>
+                      <a:gd name="connsiteX5" fmla="*/ 267477 w 534954"/>
+                      <a:gd name="connsiteY5" fmla="*/ 900000 h 900000"/>
+                      <a:gd name="connsiteX6" fmla="*/ 267477 w 534954"/>
+                      <a:gd name="connsiteY6" fmla="*/ 900000 h 900000"/>
+                      <a:gd name="connsiteX7" fmla="*/ 0 w 534954"/>
+                      <a:gd name="connsiteY7" fmla="*/ 632523 h 900000"/>
+                      <a:gd name="connsiteX8" fmla="*/ 0 w 534954"/>
+                      <a:gd name="connsiteY8" fmla="*/ 267477 h 900000"/>
+                      <a:gd name="connsiteX0" fmla="*/ 0 w 534954"/>
+                      <a:gd name="connsiteY0" fmla="*/ 267477 h 900000"/>
+                      <a:gd name="connsiteX1" fmla="*/ 267477 w 534954"/>
+                      <a:gd name="connsiteY1" fmla="*/ 0 h 900000"/>
+                      <a:gd name="connsiteX2" fmla="*/ 267477 w 534954"/>
+                      <a:gd name="connsiteY2" fmla="*/ 0 h 900000"/>
+                      <a:gd name="connsiteX3" fmla="*/ 534954 w 534954"/>
+                      <a:gd name="connsiteY3" fmla="*/ 267477 h 900000"/>
+                      <a:gd name="connsiteX4" fmla="*/ 534954 w 534954"/>
+                      <a:gd name="connsiteY4" fmla="*/ 632523 h 900000"/>
+                      <a:gd name="connsiteX5" fmla="*/ 267477 w 534954"/>
+                      <a:gd name="connsiteY5" fmla="*/ 900000 h 900000"/>
+                      <a:gd name="connsiteX6" fmla="*/ 267477 w 534954"/>
+                      <a:gd name="connsiteY6" fmla="*/ 900000 h 900000"/>
+                      <a:gd name="connsiteX7" fmla="*/ 0 w 534954"/>
+                      <a:gd name="connsiteY7" fmla="*/ 632523 h 900000"/>
+                      <a:gd name="connsiteX8" fmla="*/ 0 w 534954"/>
+                      <a:gd name="connsiteY8" fmla="*/ 267477 h 900000"/>
+                      <a:gd name="connsiteX0" fmla="*/ 0 w 534954"/>
+                      <a:gd name="connsiteY0" fmla="*/ 267477 h 900000"/>
+                      <a:gd name="connsiteX1" fmla="*/ 267477 w 534954"/>
+                      <a:gd name="connsiteY1" fmla="*/ 0 h 900000"/>
+                      <a:gd name="connsiteX2" fmla="*/ 267477 w 534954"/>
+                      <a:gd name="connsiteY2" fmla="*/ 0 h 900000"/>
+                      <a:gd name="connsiteX3" fmla="*/ 534954 w 534954"/>
+                      <a:gd name="connsiteY3" fmla="*/ 267477 h 900000"/>
+                      <a:gd name="connsiteX4" fmla="*/ 534954 w 534954"/>
+                      <a:gd name="connsiteY4" fmla="*/ 632523 h 900000"/>
+                      <a:gd name="connsiteX5" fmla="*/ 267477 w 534954"/>
+                      <a:gd name="connsiteY5" fmla="*/ 900000 h 900000"/>
+                      <a:gd name="connsiteX6" fmla="*/ 267477 w 534954"/>
+                      <a:gd name="connsiteY6" fmla="*/ 900000 h 900000"/>
+                      <a:gd name="connsiteX7" fmla="*/ 0 w 534954"/>
+                      <a:gd name="connsiteY7" fmla="*/ 632523 h 900000"/>
+                      <a:gd name="connsiteX8" fmla="*/ 0 w 534954"/>
+                      <a:gd name="connsiteY8" fmla="*/ 267477 h 900000"/>
+                      <a:gd name="connsiteX0" fmla="*/ 0 w 534954"/>
+                      <a:gd name="connsiteY0" fmla="*/ 267477 h 900000"/>
+                      <a:gd name="connsiteX1" fmla="*/ 267477 w 534954"/>
+                      <a:gd name="connsiteY1" fmla="*/ 0 h 900000"/>
+                      <a:gd name="connsiteX2" fmla="*/ 267477 w 534954"/>
+                      <a:gd name="connsiteY2" fmla="*/ 0 h 900000"/>
+                      <a:gd name="connsiteX3" fmla="*/ 534954 w 534954"/>
+                      <a:gd name="connsiteY3" fmla="*/ 267477 h 900000"/>
+                      <a:gd name="connsiteX4" fmla="*/ 534954 w 534954"/>
+                      <a:gd name="connsiteY4" fmla="*/ 632523 h 900000"/>
+                      <a:gd name="connsiteX5" fmla="*/ 267477 w 534954"/>
+                      <a:gd name="connsiteY5" fmla="*/ 900000 h 900000"/>
+                      <a:gd name="connsiteX6" fmla="*/ 267477 w 534954"/>
+                      <a:gd name="connsiteY6" fmla="*/ 900000 h 900000"/>
+                      <a:gd name="connsiteX7" fmla="*/ 0 w 534954"/>
+                      <a:gd name="connsiteY7" fmla="*/ 632523 h 900000"/>
+                      <a:gd name="connsiteX8" fmla="*/ 0 w 534954"/>
+                      <a:gd name="connsiteY8" fmla="*/ 267477 h 900000"/>
+                      <a:gd name="connsiteX0" fmla="*/ 0 w 534954"/>
+                      <a:gd name="connsiteY0" fmla="*/ 267477 h 900000"/>
+                      <a:gd name="connsiteX1" fmla="*/ 267477 w 534954"/>
+                      <a:gd name="connsiteY1" fmla="*/ 0 h 900000"/>
+                      <a:gd name="connsiteX2" fmla="*/ 267477 w 534954"/>
+                      <a:gd name="connsiteY2" fmla="*/ 0 h 900000"/>
+                      <a:gd name="connsiteX3" fmla="*/ 534954 w 534954"/>
+                      <a:gd name="connsiteY3" fmla="*/ 267477 h 900000"/>
+                      <a:gd name="connsiteX4" fmla="*/ 534954 w 534954"/>
+                      <a:gd name="connsiteY4" fmla="*/ 632523 h 900000"/>
+                      <a:gd name="connsiteX5" fmla="*/ 267477 w 534954"/>
+                      <a:gd name="connsiteY5" fmla="*/ 900000 h 900000"/>
+                      <a:gd name="connsiteX6" fmla="*/ 267477 w 534954"/>
+                      <a:gd name="connsiteY6" fmla="*/ 900000 h 900000"/>
+                      <a:gd name="connsiteX7" fmla="*/ 0 w 534954"/>
+                      <a:gd name="connsiteY7" fmla="*/ 632523 h 900000"/>
+                      <a:gd name="connsiteX8" fmla="*/ 0 w 534954"/>
+                      <a:gd name="connsiteY8" fmla="*/ 267477 h 900000"/>
+                      <a:gd name="connsiteX0" fmla="*/ 0 w 534954"/>
+                      <a:gd name="connsiteY0" fmla="*/ 267477 h 900000"/>
+                      <a:gd name="connsiteX1" fmla="*/ 267477 w 534954"/>
+                      <a:gd name="connsiteY1" fmla="*/ 0 h 900000"/>
+                      <a:gd name="connsiteX2" fmla="*/ 267477 w 534954"/>
+                      <a:gd name="connsiteY2" fmla="*/ 0 h 900000"/>
+                      <a:gd name="connsiteX3" fmla="*/ 534954 w 534954"/>
+                      <a:gd name="connsiteY3" fmla="*/ 267477 h 900000"/>
+                      <a:gd name="connsiteX4" fmla="*/ 534954 w 534954"/>
+                      <a:gd name="connsiteY4" fmla="*/ 632523 h 900000"/>
+                      <a:gd name="connsiteX5" fmla="*/ 267477 w 534954"/>
+                      <a:gd name="connsiteY5" fmla="*/ 900000 h 900000"/>
+                      <a:gd name="connsiteX6" fmla="*/ 0 w 534954"/>
+                      <a:gd name="connsiteY6" fmla="*/ 632523 h 900000"/>
+                      <a:gd name="connsiteX7" fmla="*/ 0 w 534954"/>
+                      <a:gd name="connsiteY7" fmla="*/ 267477 h 900000"/>
+                      <a:gd name="connsiteX0" fmla="*/ 0 w 534954"/>
+                      <a:gd name="connsiteY0" fmla="*/ 267477 h 632523"/>
+                      <a:gd name="connsiteX1" fmla="*/ 267477 w 534954"/>
+                      <a:gd name="connsiteY1" fmla="*/ 0 h 632523"/>
+                      <a:gd name="connsiteX2" fmla="*/ 267477 w 534954"/>
+                      <a:gd name="connsiteY2" fmla="*/ 0 h 632523"/>
+                      <a:gd name="connsiteX3" fmla="*/ 534954 w 534954"/>
+                      <a:gd name="connsiteY3" fmla="*/ 267477 h 632523"/>
+                      <a:gd name="connsiteX4" fmla="*/ 534954 w 534954"/>
+                      <a:gd name="connsiteY4" fmla="*/ 632523 h 632523"/>
+                      <a:gd name="connsiteX5" fmla="*/ 0 w 534954"/>
+                      <a:gd name="connsiteY5" fmla="*/ 632523 h 632523"/>
+                      <a:gd name="connsiteX6" fmla="*/ 0 w 534954"/>
+                      <a:gd name="connsiteY6" fmla="*/ 267477 h 632523"/>
+                      <a:gd name="connsiteX0" fmla="*/ 0 w 534954"/>
+                      <a:gd name="connsiteY0" fmla="*/ 267477 h 632523"/>
+                      <a:gd name="connsiteX1" fmla="*/ 267477 w 534954"/>
+                      <a:gd name="connsiteY1" fmla="*/ 0 h 632523"/>
+                      <a:gd name="connsiteX2" fmla="*/ 267477 w 534954"/>
+                      <a:gd name="connsiteY2" fmla="*/ 0 h 632523"/>
+                      <a:gd name="connsiteX3" fmla="*/ 534954 w 534954"/>
+                      <a:gd name="connsiteY3" fmla="*/ 267477 h 632523"/>
+                      <a:gd name="connsiteX4" fmla="*/ 534954 w 534954"/>
+                      <a:gd name="connsiteY4" fmla="*/ 632523 h 632523"/>
+                      <a:gd name="connsiteX5" fmla="*/ 0 w 534954"/>
+                      <a:gd name="connsiteY5" fmla="*/ 632523 h 632523"/>
+                      <a:gd name="connsiteX6" fmla="*/ 0 w 534954"/>
+                      <a:gd name="connsiteY6" fmla="*/ 267477 h 632523"/>
+                      <a:gd name="connsiteX0" fmla="*/ 0 w 534954"/>
+                      <a:gd name="connsiteY0" fmla="*/ 267477 h 883535"/>
+                      <a:gd name="connsiteX1" fmla="*/ 267477 w 534954"/>
+                      <a:gd name="connsiteY1" fmla="*/ 0 h 883535"/>
+                      <a:gd name="connsiteX2" fmla="*/ 267477 w 534954"/>
+                      <a:gd name="connsiteY2" fmla="*/ 0 h 883535"/>
+                      <a:gd name="connsiteX3" fmla="*/ 534954 w 534954"/>
+                      <a:gd name="connsiteY3" fmla="*/ 267477 h 883535"/>
+                      <a:gd name="connsiteX4" fmla="*/ 534954 w 534954"/>
+                      <a:gd name="connsiteY4" fmla="*/ 632523 h 883535"/>
+                      <a:gd name="connsiteX5" fmla="*/ 0 w 534954"/>
+                      <a:gd name="connsiteY5" fmla="*/ 883535 h 883535"/>
+                      <a:gd name="connsiteX6" fmla="*/ 0 w 534954"/>
+                      <a:gd name="connsiteY6" fmla="*/ 267477 h 883535"/>
+                      <a:gd name="connsiteX0" fmla="*/ 0 w 534954"/>
+                      <a:gd name="connsiteY0" fmla="*/ 267477 h 883535"/>
+                      <a:gd name="connsiteX1" fmla="*/ 267477 w 534954"/>
+                      <a:gd name="connsiteY1" fmla="*/ 0 h 883535"/>
+                      <a:gd name="connsiteX2" fmla="*/ 267477 w 534954"/>
+                      <a:gd name="connsiteY2" fmla="*/ 0 h 883535"/>
+                      <a:gd name="connsiteX3" fmla="*/ 534954 w 534954"/>
+                      <a:gd name="connsiteY3" fmla="*/ 267477 h 883535"/>
+                      <a:gd name="connsiteX4" fmla="*/ 530472 w 534954"/>
+                      <a:gd name="connsiteY4" fmla="*/ 883535 h 883535"/>
+                      <a:gd name="connsiteX5" fmla="*/ 0 w 534954"/>
+                      <a:gd name="connsiteY5" fmla="*/ 883535 h 883535"/>
+                      <a:gd name="connsiteX6" fmla="*/ 0 w 534954"/>
+                      <a:gd name="connsiteY6" fmla="*/ 267477 h 883535"/>
+                    </a:gdLst>
+                    <a:ahLst/>
+                    <a:cxnLst>
+                      <a:cxn ang="0">
+                        <a:pos x="connsiteX0" y="connsiteY0"/>
+                      </a:cxn>
+                      <a:cxn ang="0">
+                        <a:pos x="connsiteX1" y="connsiteY1"/>
+                      </a:cxn>
+                      <a:cxn ang="0">
+                        <a:pos x="connsiteX2" y="connsiteY2"/>
+                      </a:cxn>
+                      <a:cxn ang="0">
+                        <a:pos x="connsiteX3" y="connsiteY3"/>
+                      </a:cxn>
+                      <a:cxn ang="0">
+                        <a:pos x="connsiteX4" y="connsiteY4"/>
+                      </a:cxn>
+                      <a:cxn ang="0">
+                        <a:pos x="connsiteX5" y="connsiteY5"/>
+                      </a:cxn>
+                      <a:cxn ang="0">
+                        <a:pos x="connsiteX6" y="connsiteY6"/>
+                      </a:cxn>
+                    </a:cxnLst>
+                    <a:rect l="l" t="t" r="r" b="b"/>
+                    <a:pathLst>
+                      <a:path w="534954" h="883535">
+                        <a:moveTo>
+                          <a:pt x="0" y="267477"/>
+                        </a:moveTo>
+                        <a:cubicBezTo>
+                          <a:pt x="0" y="119754"/>
+                          <a:pt x="119754" y="0"/>
+                          <a:pt x="267477" y="0"/>
+                        </a:cubicBezTo>
+                        <a:lnTo>
+                          <a:pt x="267477" y="0"/>
+                        </a:lnTo>
+                        <a:cubicBezTo>
+                          <a:pt x="415200" y="0"/>
+                          <a:pt x="534954" y="119754"/>
+                          <a:pt x="534954" y="267477"/>
+                        </a:cubicBezTo>
+                        <a:lnTo>
+                          <a:pt x="530472" y="883535"/>
+                        </a:lnTo>
+                        <a:lnTo>
+                          <a:pt x="0" y="883535"/>
+                        </a:lnTo>
+                        <a:lnTo>
+                          <a:pt x="0" y="267477"/>
+                        </a:lnTo>
+                        <a:close/>
+                      </a:path>
+                    </a:pathLst>
+                  </a:custGeom>
+                  <a:solidFill>
+                    <a:srgbClr val="0AB0FF">
+                      <a:alpha val="80000"/>
+                    </a:srgbClr>
+                  </a:solidFill>
+                  <a:ln>
+                    <a:noFill/>
+                  </a:ln>
+                  <a:effectLst/>
+                </p:spPr>
+                <p:style>
+                  <a:lnRef idx="2">
+                    <a:schemeClr val="accent1">
+                      <a:shade val="50000"/>
+                    </a:schemeClr>
+                  </a:lnRef>
+                  <a:fillRef idx="1">
+                    <a:schemeClr val="accent1"/>
+                  </a:fillRef>
+                  <a:effectRef idx="0">
+                    <a:schemeClr val="accent1"/>
+                  </a:effectRef>
+                  <a:fontRef idx="minor">
+                    <a:schemeClr val="lt1"/>
+                  </a:fontRef>
+                </p:style>
+                <p:txBody>
+                  <a:bodyPr rtlCol="0" anchor="ctr"/>
+                  <a:lstStyle/>
+                  <a:p>
+                    <a:pPr algn="ctr"/>
+                    <a:endParaRPr lang="zh-CN" altLang="en-US"/>
+                  </a:p>
+                </p:txBody>
+              </p:sp>
+              <p:sp>
+                <p:nvSpPr>
+                  <p:cNvPr id="306" name="任意多边形: 形状 305">
+                    <a:extLst>
+                      <a:ext uri="{FF2B5EF4-FFF2-40B4-BE49-F238E27FC236}">
+                        <a16:creationId xmlns:a16="http://schemas.microsoft.com/office/drawing/2014/main" id="{42E9741E-DAB6-41F9-84C4-6607482096AA}"/>
+                      </a:ext>
+                    </a:extLst>
+                  </p:cNvPr>
+                  <p:cNvSpPr/>
+                  <p:nvPr/>
+                </p:nvSpPr>
+                <p:spPr>
+                  <a:xfrm>
+                    <a:off x="6992662" y="1715341"/>
+                    <a:ext cx="532928" cy="478055"/>
+                  </a:xfrm>
+                  <a:custGeom>
+                    <a:avLst/>
+                    <a:gdLst>
+                      <a:gd name="connsiteX0" fmla="*/ 0 w 532928"/>
+                      <a:gd name="connsiteY0" fmla="*/ 0 h 478055"/>
+                      <a:gd name="connsiteX1" fmla="*/ 532928 w 532928"/>
+                      <a:gd name="connsiteY1" fmla="*/ 140520 h 478055"/>
+                      <a:gd name="connsiteX2" fmla="*/ 530472 w 532928"/>
+                      <a:gd name="connsiteY2" fmla="*/ 478055 h 478055"/>
+                      <a:gd name="connsiteX3" fmla="*/ 0 w 532928"/>
+                      <a:gd name="connsiteY3" fmla="*/ 478055 h 478055"/>
+                    </a:gdLst>
+                    <a:ahLst/>
+                    <a:cxnLst>
+                      <a:cxn ang="0">
+                        <a:pos x="connsiteX0" y="connsiteY0"/>
+                      </a:cxn>
+                      <a:cxn ang="0">
+                        <a:pos x="connsiteX1" y="connsiteY1"/>
+                      </a:cxn>
+                      <a:cxn ang="0">
+                        <a:pos x="connsiteX2" y="connsiteY2"/>
+                      </a:cxn>
+                      <a:cxn ang="0">
+                        <a:pos x="connsiteX3" y="connsiteY3"/>
+                      </a:cxn>
+                    </a:cxnLst>
+                    <a:rect l="l" t="t" r="r" b="b"/>
+                    <a:pathLst>
+                      <a:path w="532928" h="478055">
+                        <a:moveTo>
+                          <a:pt x="0" y="0"/>
+                        </a:moveTo>
+                        <a:lnTo>
+                          <a:pt x="532928" y="140520"/>
+                        </a:lnTo>
+                        <a:lnTo>
+                          <a:pt x="530472" y="478055"/>
+                        </a:lnTo>
+                        <a:lnTo>
+                          <a:pt x="0" y="478055"/>
+                        </a:lnTo>
+                        <a:close/>
+                      </a:path>
+                    </a:pathLst>
+                  </a:custGeom>
+                  <a:solidFill>
+                    <a:srgbClr val="0AB0FF"/>
+                  </a:solidFill>
+                  <a:ln>
+                    <a:noFill/>
+                  </a:ln>
+                  <a:effectLst/>
+                </p:spPr>
+                <p:style>
+                  <a:lnRef idx="2">
+                    <a:schemeClr val="accent1">
+                      <a:shade val="50000"/>
+                    </a:schemeClr>
+                  </a:lnRef>
+                  <a:fillRef idx="1">
+                    <a:schemeClr val="accent1"/>
+                  </a:fillRef>
+                  <a:effectRef idx="0">
+                    <a:schemeClr val="accent1"/>
+                  </a:effectRef>
+                  <a:fontRef idx="minor">
+                    <a:schemeClr val="lt1"/>
+                  </a:fontRef>
+                </p:style>
+                <p:txBody>
+                  <a:bodyPr wrap="square" rtlCol="0" anchor="ctr">
+                    <a:noAutofit/>
+                  </a:bodyPr>
+                  <a:lstStyle/>
+                  <a:p>
+                    <a:pPr algn="ctr"/>
+                    <a:endParaRPr lang="zh-CN" altLang="en-US"/>
+                  </a:p>
+                </p:txBody>
+              </p:sp>
+              <p:sp>
+                <p:nvSpPr>
+                  <p:cNvPr id="307" name="矩形: 圆角 306">
+                    <a:extLst>
+                      <a:ext uri="{FF2B5EF4-FFF2-40B4-BE49-F238E27FC236}">
+                        <a16:creationId xmlns:a16="http://schemas.microsoft.com/office/drawing/2014/main" id="{8A6CDAEC-029B-4EC5-810B-072778DAC6D4}"/>
+                      </a:ext>
+                    </a:extLst>
+                  </p:cNvPr>
+                  <p:cNvSpPr>
+                    <a:spLocks noChangeAspect="1"/>
+                  </p:cNvSpPr>
+                  <p:nvPr/>
+                </p:nvSpPr>
+                <p:spPr>
+                  <a:xfrm rot="7916071">
+                    <a:off x="7053927" y="1749040"/>
+                    <a:ext cx="402400" cy="82800"/>
+                  </a:xfrm>
+                  <a:prstGeom prst="roundRect">
+                    <a:avLst>
+                      <a:gd name="adj" fmla="val 50000"/>
+                    </a:avLst>
+                  </a:prstGeom>
+                  <a:solidFill>
+                    <a:schemeClr val="bg1"/>
+                  </a:solidFill>
+                  <a:ln>
+                    <a:noFill/>
+                  </a:ln>
+                </p:spPr>
+                <p:style>
+                  <a:lnRef idx="2">
+                    <a:schemeClr val="accent1">
+                      <a:shade val="50000"/>
+                    </a:schemeClr>
+                  </a:lnRef>
+                  <a:fillRef idx="1">
+                    <a:schemeClr val="accent1"/>
+                  </a:fillRef>
+                  <a:effectRef idx="0">
+                    <a:schemeClr val="accent1"/>
+                  </a:effectRef>
+                  <a:fontRef idx="minor">
+                    <a:schemeClr val="lt1"/>
+                  </a:fontRef>
+                </p:style>
+                <p:txBody>
+                  <a:bodyPr rtlCol="0" anchor="ctr"/>
+                  <a:lstStyle/>
+                  <a:p>
+                    <a:pPr algn="ctr"/>
+                    <a:endParaRPr lang="zh-CN" altLang="en-US"/>
+                  </a:p>
+                </p:txBody>
+              </p:sp>
+            </p:grpSp>
+            <p:sp>
+              <p:nvSpPr>
+                <p:cNvPr id="304" name="矩形 303">
+                  <a:extLst>
+                    <a:ext uri="{FF2B5EF4-FFF2-40B4-BE49-F238E27FC236}">
+                      <a16:creationId xmlns:a16="http://schemas.microsoft.com/office/drawing/2014/main" id="{ECF4F0D7-10C0-448E-AB65-1C215667A142}"/>
+                    </a:ext>
+                  </a:extLst>
+                </p:cNvPr>
+                <p:cNvSpPr/>
+                <p:nvPr/>
+              </p:nvSpPr>
+              <p:spPr>
+                <a:xfrm>
+                  <a:off x="5002526" y="2339452"/>
+                  <a:ext cx="577278" cy="102744"/>
+                </a:xfrm>
+                <a:prstGeom prst="rect">
+                  <a:avLst/>
+                </a:prstGeom>
+                <a:solidFill>
+                  <a:schemeClr val="bg1">
+                    <a:lumMod val="65000"/>
+                  </a:schemeClr>
+                </a:solidFill>
+                <a:ln>
+                  <a:noFill/>
+                </a:ln>
+              </p:spPr>
+              <p:style>
+                <a:lnRef idx="2">
+                  <a:schemeClr val="accent1">
+                    <a:shade val="50000"/>
+                  </a:schemeClr>
+                </a:lnRef>
+                <a:fillRef idx="1">
+                  <a:schemeClr val="accent1"/>
+                </a:fillRef>
+                <a:effectRef idx="0">
+                  <a:schemeClr val="accent1"/>
+                </a:effectRef>
+                <a:fontRef idx="minor">
+                  <a:schemeClr val="lt1"/>
+                </a:fontRef>
+              </p:style>
+              <p:txBody>
+                <a:bodyPr rtlCol="0" anchor="ctr"/>
+                <a:lstStyle/>
+                <a:p>
+                  <a:pPr algn="ctr"/>
+                  <a:endParaRPr lang="zh-CN" altLang="en-US" dirty="0"/>
+                </a:p>
+              </p:txBody>
+            </p:sp>
+          </p:grpSp>
+          <p:sp>
+            <p:nvSpPr>
+              <p:cNvPr id="299" name="矩形: 圆角 298">
+                <a:extLst>
+                  <a:ext uri="{FF2B5EF4-FFF2-40B4-BE49-F238E27FC236}">
+                    <a16:creationId xmlns:a16="http://schemas.microsoft.com/office/drawing/2014/main" id="{E804E90B-0BCE-4CF1-8D42-F142E272FA4B}"/>
+                  </a:ext>
+                </a:extLst>
+              </p:cNvPr>
+              <p:cNvSpPr/>
+              <p:nvPr/>
+            </p:nvSpPr>
+            <p:spPr>
+              <a:xfrm>
+                <a:off x="4406871" y="2231303"/>
+                <a:ext cx="577278" cy="428734"/>
+              </a:xfrm>
+              <a:prstGeom prst="roundRect">
+                <a:avLst/>
+              </a:prstGeom>
+              <a:solidFill>
+                <a:schemeClr val="bg1">
+                  <a:lumMod val="95000"/>
+                </a:schemeClr>
+              </a:solidFill>
+              <a:ln>
+                <a:noFill/>
+              </a:ln>
+            </p:spPr>
+            <p:style>
+              <a:lnRef idx="2">
+                <a:schemeClr val="accent1">
+                  <a:shade val="50000"/>
+                </a:schemeClr>
+              </a:lnRef>
+              <a:fillRef idx="1">
+                <a:schemeClr val="accent1"/>
+              </a:fillRef>
+              <a:effectRef idx="0">
+                <a:schemeClr val="accent1"/>
+              </a:effectRef>
+              <a:fontRef idx="minor">
+                <a:schemeClr val="lt1"/>
+              </a:fontRef>
+            </p:style>
+            <p:txBody>
+              <a:bodyPr rtlCol="0" anchor="ctr"/>
+              <a:lstStyle/>
+              <a:p>
+                <a:pPr algn="ctr"/>
+                <a:endParaRPr lang="zh-CN" altLang="en-US"/>
+              </a:p>
+            </p:txBody>
+          </p:sp>
+          <p:sp>
+            <p:nvSpPr>
+              <p:cNvPr id="300" name="矩形 299">
+                <a:extLst>
+                  <a:ext uri="{FF2B5EF4-FFF2-40B4-BE49-F238E27FC236}">
+                    <a16:creationId xmlns:a16="http://schemas.microsoft.com/office/drawing/2014/main" id="{7D90D30E-822E-4205-9DDB-BEE0CAEB6904}"/>
+                  </a:ext>
+                </a:extLst>
+              </p:cNvPr>
+              <p:cNvSpPr/>
+              <p:nvPr/>
+            </p:nvSpPr>
+            <p:spPr>
+              <a:xfrm>
+                <a:off x="4405753" y="2229397"/>
+                <a:ext cx="577278" cy="102744"/>
+              </a:xfrm>
+              <a:prstGeom prst="rect">
+                <a:avLst/>
+              </a:prstGeom>
+              <a:solidFill>
+                <a:schemeClr val="bg1">
+                  <a:lumMod val="95000"/>
+                </a:schemeClr>
+              </a:solidFill>
+              <a:ln>
+                <a:noFill/>
+              </a:ln>
+            </p:spPr>
+            <p:style>
+              <a:lnRef idx="2">
+                <a:schemeClr val="accent1">
+                  <a:shade val="50000"/>
+                </a:schemeClr>
+              </a:lnRef>
+              <a:fillRef idx="1">
+                <a:schemeClr val="accent1"/>
+              </a:fillRef>
+              <a:effectRef idx="0">
+                <a:schemeClr val="accent1"/>
+              </a:effectRef>
+              <a:fontRef idx="minor">
+                <a:schemeClr val="lt1"/>
+              </a:fontRef>
+            </p:style>
+            <p:txBody>
+              <a:bodyPr rtlCol="0" anchor="ctr"/>
+              <a:lstStyle/>
+              <a:p>
+                <a:pPr algn="ctr"/>
+                <a:endParaRPr lang="zh-CN" altLang="en-US"/>
+              </a:p>
+            </p:txBody>
+          </p:sp>
+          <p:sp>
+            <p:nvSpPr>
+              <p:cNvPr id="301" name="矩形 300">
+                <a:extLst>
+                  <a:ext uri="{FF2B5EF4-FFF2-40B4-BE49-F238E27FC236}">
+                    <a16:creationId xmlns:a16="http://schemas.microsoft.com/office/drawing/2014/main" id="{7901F241-217C-4D97-831B-12F27787F8B1}"/>
+                  </a:ext>
+                </a:extLst>
+              </p:cNvPr>
+              <p:cNvSpPr/>
+              <p:nvPr/>
+            </p:nvSpPr>
+            <p:spPr>
+              <a:xfrm>
+                <a:off x="4406871" y="2229194"/>
+                <a:ext cx="577278" cy="102744"/>
+              </a:xfrm>
+              <a:prstGeom prst="rect">
+                <a:avLst/>
+              </a:prstGeom>
+              <a:solidFill>
+                <a:srgbClr val="3BBEFF"/>
+              </a:solidFill>
+              <a:ln>
+                <a:noFill/>
+              </a:ln>
+            </p:spPr>
+            <p:style>
+              <a:lnRef idx="2">
+                <a:schemeClr val="accent1">
+                  <a:shade val="50000"/>
+                </a:schemeClr>
+              </a:lnRef>
+              <a:fillRef idx="1">
+                <a:schemeClr val="accent1"/>
+              </a:fillRef>
+              <a:effectRef idx="0">
+                <a:schemeClr val="accent1"/>
+              </a:effectRef>
+              <a:fontRef idx="minor">
+                <a:schemeClr val="lt1"/>
+              </a:fontRef>
+            </p:style>
+            <p:txBody>
+              <a:bodyPr rtlCol="0" anchor="ctr"/>
+              <a:lstStyle/>
+              <a:p>
+                <a:pPr algn="ctr"/>
                 <a:endParaRPr lang="zh-CN" altLang="en-US"/>
               </a:p>
             </p:txBody>
@@ -8315,7 +15520,1149 @@
     </p:spTree>
     <p:extLst>
       <p:ext uri="{BB962C8B-B14F-4D97-AF65-F5344CB8AC3E}">
-        <p14:creationId xmlns:p14="http://schemas.microsoft.com/office/powerpoint/2010/main" val="1414842793"/>
+        <p14:creationId xmlns:p14="http://schemas.microsoft.com/office/powerpoint/2010/main" val="1970583955"/>
+      </p:ext>
+    </p:extLst>
+  </p:cSld>
+  <p:clrMapOvr>
+    <a:masterClrMapping/>
+  </p:clrMapOvr>
+</p:sld>
+</file>
+
+<file path=ppt/slides/slide3.xml><?xml version="1.0" encoding="utf-8"?>
+<p:sld xmlns:a="http://schemas.openxmlformats.org/drawingml/2006/main" xmlns:r="http://schemas.openxmlformats.org/officeDocument/2006/relationships" xmlns:p="http://schemas.openxmlformats.org/presentationml/2006/main">
+  <p:cSld>
+    <p:bg>
+      <p:bgPr>
+        <a:solidFill>
+          <a:srgbClr val="2D2D30"/>
+        </a:solidFill>
+        <a:effectLst/>
+      </p:bgPr>
+    </p:bg>
+    <p:spTree>
+      <p:nvGrpSpPr>
+        <p:cNvPr id="1" name=""/>
+        <p:cNvGrpSpPr/>
+        <p:nvPr/>
+      </p:nvGrpSpPr>
+      <p:grpSpPr>
+        <a:xfrm>
+          <a:off x="0" y="0"/>
+          <a:ext cx="0" cy="0"/>
+          <a:chOff x="0" y="0"/>
+          <a:chExt cx="0" cy="0"/>
+        </a:xfrm>
+      </p:grpSpPr>
+      <p:pic>
+        <p:nvPicPr>
+          <p:cNvPr id="1025" name="Picture 1">
+            <a:extLst>
+              <a:ext uri="{FF2B5EF4-FFF2-40B4-BE49-F238E27FC236}">
+                <a16:creationId xmlns:a16="http://schemas.microsoft.com/office/drawing/2014/main" id="{995CC4B2-389F-4B8D-B8B3-AA5198E899CF}"/>
+              </a:ext>
+            </a:extLst>
+          </p:cNvPr>
+          <p:cNvPicPr>
+            <a:picLocks noChangeAspect="1" noChangeArrowheads="1"/>
+          </p:cNvPicPr>
+          <p:nvPr/>
+        </p:nvPicPr>
+        <p:blipFill>
+          <a:blip r:embed="rId2">
+            <a:extLst>
+              <a:ext uri="{28A0092B-C50C-407E-A947-70E740481C1C}">
+                <a14:useLocalDpi xmlns:a14="http://schemas.microsoft.com/office/drawing/2010/main" val="0"/>
+              </a:ext>
+            </a:extLst>
+          </a:blip>
+          <a:srcRect/>
+          <a:stretch>
+            <a:fillRect/>
+          </a:stretch>
+        </p:blipFill>
+        <p:spPr bwMode="auto">
+          <a:xfrm>
+            <a:off x="5375189" y="1099751"/>
+            <a:ext cx="2228850" cy="419100"/>
+          </a:xfrm>
+          <a:prstGeom prst="rect">
+            <a:avLst/>
+          </a:prstGeom>
+          <a:noFill/>
+          <a:extLst>
+            <a:ext uri="{909E8E84-426E-40DD-AFC4-6F175D3DCCD1}">
+              <a14:hiddenFill xmlns:a14="http://schemas.microsoft.com/office/drawing/2010/main">
+                <a:solidFill>
+                  <a:srgbClr val="FFFFFF"/>
+                </a:solidFill>
+              </a14:hiddenFill>
+            </a:ext>
+          </a:extLst>
+        </p:spPr>
+      </p:pic>
+      <p:sp>
+        <p:nvSpPr>
+          <p:cNvPr id="111" name="文本框 110">
+            <a:extLst>
+              <a:ext uri="{FF2B5EF4-FFF2-40B4-BE49-F238E27FC236}">
+                <a16:creationId xmlns:a16="http://schemas.microsoft.com/office/drawing/2014/main" id="{531EDF7A-51ED-4AC3-86DF-1C433EFB0549}"/>
+              </a:ext>
+            </a:extLst>
+          </p:cNvPr>
+          <p:cNvSpPr txBox="1"/>
+          <p:nvPr/>
+        </p:nvSpPr>
+        <p:spPr>
+          <a:xfrm>
+            <a:off x="613626" y="2639236"/>
+            <a:ext cx="1569660" cy="276999"/>
+          </a:xfrm>
+          <a:prstGeom prst="rect">
+            <a:avLst/>
+          </a:prstGeom>
+          <a:noFill/>
+        </p:spPr>
+        <p:txBody>
+          <a:bodyPr wrap="none" rtlCol="0">
+            <a:spAutoFit/>
+          </a:bodyPr>
+          <a:lstStyle/>
+          <a:p>
+            <a:r>
+              <a:rPr lang="zh-CN" altLang="en-US" sz="1200" dirty="0">
+                <a:solidFill>
+                  <a:schemeClr val="bg1">
+                    <a:lumMod val="85000"/>
+                  </a:schemeClr>
+                </a:solidFill>
+                <a:latin typeface="微软雅黑" panose="020B0503020204020204" pitchFamily="34" charset="-122"/>
+                <a:ea typeface="微软雅黑" panose="020B0503020204020204" pitchFamily="34" charset="-122"/>
+              </a:rPr>
+              <a:t>欢迎使用拖控件大法</a:t>
+            </a:r>
+          </a:p>
+        </p:txBody>
+      </p:sp>
+      <p:sp>
+        <p:nvSpPr>
+          <p:cNvPr id="112" name="文本框 111">
+            <a:extLst>
+              <a:ext uri="{FF2B5EF4-FFF2-40B4-BE49-F238E27FC236}">
+                <a16:creationId xmlns:a16="http://schemas.microsoft.com/office/drawing/2014/main" id="{A043E5D0-6ABD-430A-86E3-9E8A8C8067A3}"/>
+              </a:ext>
+            </a:extLst>
+          </p:cNvPr>
+          <p:cNvSpPr txBox="1"/>
+          <p:nvPr/>
+        </p:nvSpPr>
+        <p:spPr>
+          <a:xfrm>
+            <a:off x="860151" y="3013056"/>
+            <a:ext cx="492443" cy="276999"/>
+          </a:xfrm>
+          <a:prstGeom prst="rect">
+            <a:avLst/>
+          </a:prstGeom>
+          <a:noFill/>
+        </p:spPr>
+        <p:txBody>
+          <a:bodyPr wrap="none" rtlCol="0">
+            <a:spAutoFit/>
+          </a:bodyPr>
+          <a:lstStyle/>
+          <a:p>
+            <a:r>
+              <a:rPr lang="zh-CN" altLang="en-US" sz="1200" dirty="0">
+                <a:solidFill>
+                  <a:srgbClr val="0AB0FF"/>
+                </a:solidFill>
+                <a:latin typeface="微软雅黑" panose="020B0503020204020204" pitchFamily="34" charset="-122"/>
+                <a:ea typeface="微软雅黑" panose="020B0503020204020204" pitchFamily="34" charset="-122"/>
+              </a:rPr>
+              <a:t>创建</a:t>
+            </a:r>
+          </a:p>
+        </p:txBody>
+      </p:sp>
+      <p:sp>
+        <p:nvSpPr>
+          <p:cNvPr id="113" name="文本框 112">
+            <a:extLst>
+              <a:ext uri="{FF2B5EF4-FFF2-40B4-BE49-F238E27FC236}">
+                <a16:creationId xmlns:a16="http://schemas.microsoft.com/office/drawing/2014/main" id="{214B6C7D-A7F6-4549-A263-86174B51B3B2}"/>
+              </a:ext>
+            </a:extLst>
+          </p:cNvPr>
+          <p:cNvSpPr txBox="1"/>
+          <p:nvPr/>
+        </p:nvSpPr>
+        <p:spPr>
+          <a:xfrm>
+            <a:off x="5603557" y="2681641"/>
+            <a:ext cx="492443" cy="276999"/>
+          </a:xfrm>
+          <a:prstGeom prst="rect">
+            <a:avLst/>
+          </a:prstGeom>
+          <a:noFill/>
+        </p:spPr>
+        <p:txBody>
+          <a:bodyPr wrap="none" rtlCol="0">
+            <a:spAutoFit/>
+          </a:bodyPr>
+          <a:lstStyle/>
+          <a:p>
+            <a:r>
+              <a:rPr lang="zh-CN" altLang="en-US" sz="1200" dirty="0">
+                <a:solidFill>
+                  <a:schemeClr val="bg1">
+                    <a:lumMod val="85000"/>
+                  </a:schemeClr>
+                </a:solidFill>
+                <a:latin typeface="微软雅黑" panose="020B0503020204020204" pitchFamily="34" charset="-122"/>
+                <a:ea typeface="微软雅黑" panose="020B0503020204020204" pitchFamily="34" charset="-122"/>
+              </a:rPr>
+              <a:t>最近</a:t>
+            </a:r>
+          </a:p>
+        </p:txBody>
+      </p:sp>
+      <p:sp>
+        <p:nvSpPr>
+          <p:cNvPr id="2" name="矩形 1">
+            <a:extLst>
+              <a:ext uri="{FF2B5EF4-FFF2-40B4-BE49-F238E27FC236}">
+                <a16:creationId xmlns:a16="http://schemas.microsoft.com/office/drawing/2014/main" id="{047E6E46-BA58-4204-B1CF-0DD5411A2716}"/>
+              </a:ext>
+            </a:extLst>
+          </p:cNvPr>
+          <p:cNvSpPr/>
+          <p:nvPr/>
+        </p:nvSpPr>
+        <p:spPr>
+          <a:xfrm>
+            <a:off x="705716" y="2989604"/>
+            <a:ext cx="58643" cy="307744"/>
+          </a:xfrm>
+          <a:prstGeom prst="rect">
+            <a:avLst/>
+          </a:prstGeom>
+          <a:solidFill>
+            <a:srgbClr val="0AB0FF"/>
+          </a:solidFill>
+          <a:ln>
+            <a:noFill/>
+          </a:ln>
+        </p:spPr>
+        <p:style>
+          <a:lnRef idx="2">
+            <a:schemeClr val="accent1">
+              <a:shade val="50000"/>
+            </a:schemeClr>
+          </a:lnRef>
+          <a:fillRef idx="1">
+            <a:schemeClr val="accent1"/>
+          </a:fillRef>
+          <a:effectRef idx="0">
+            <a:schemeClr val="accent1"/>
+          </a:effectRef>
+          <a:fontRef idx="minor">
+            <a:schemeClr val="lt1"/>
+          </a:fontRef>
+        </p:style>
+        <p:txBody>
+          <a:bodyPr rtlCol="0" anchor="ctr"/>
+          <a:lstStyle/>
+          <a:p>
+            <a:pPr algn="ctr"/>
+            <a:endParaRPr lang="zh-CN" altLang="en-US"/>
+          </a:p>
+        </p:txBody>
+      </p:sp>
+      <p:grpSp>
+        <p:nvGrpSpPr>
+          <p:cNvPr id="115" name="组合 114">
+            <a:extLst>
+              <a:ext uri="{FF2B5EF4-FFF2-40B4-BE49-F238E27FC236}">
+                <a16:creationId xmlns:a16="http://schemas.microsoft.com/office/drawing/2014/main" id="{57BCF4F1-68CE-468D-B7A1-CACCA80EB573}"/>
+              </a:ext>
+            </a:extLst>
+          </p:cNvPr>
+          <p:cNvGrpSpPr/>
+          <p:nvPr/>
+        </p:nvGrpSpPr>
+        <p:grpSpPr>
+          <a:xfrm>
+            <a:off x="906013" y="3507401"/>
+            <a:ext cx="492443" cy="434365"/>
+            <a:chOff x="4243625" y="1987217"/>
+            <a:chExt cx="867600" cy="868730"/>
+          </a:xfrm>
+        </p:grpSpPr>
+        <p:sp>
+          <p:nvSpPr>
+            <p:cNvPr id="116" name="椭圆 115">
+              <a:extLst>
+                <a:ext uri="{FF2B5EF4-FFF2-40B4-BE49-F238E27FC236}">
+                  <a16:creationId xmlns:a16="http://schemas.microsoft.com/office/drawing/2014/main" id="{231A0CC8-B63F-4F58-9E84-74143018E984}"/>
+                </a:ext>
+              </a:extLst>
+            </p:cNvPr>
+            <p:cNvSpPr>
+              <a:spLocks/>
+            </p:cNvSpPr>
+            <p:nvPr/>
+          </p:nvSpPr>
+          <p:spPr>
+            <a:xfrm>
+              <a:off x="4243625" y="1987217"/>
+              <a:ext cx="867600" cy="868730"/>
+            </a:xfrm>
+            <a:prstGeom prst="ellipse">
+              <a:avLst/>
+            </a:prstGeom>
+            <a:solidFill>
+              <a:schemeClr val="tx1">
+                <a:lumMod val="75000"/>
+                <a:lumOff val="25000"/>
+              </a:schemeClr>
+            </a:solidFill>
+            <a:ln>
+              <a:noFill/>
+            </a:ln>
+          </p:spPr>
+          <p:style>
+            <a:lnRef idx="2">
+              <a:schemeClr val="accent1">
+                <a:shade val="50000"/>
+              </a:schemeClr>
+            </a:lnRef>
+            <a:fillRef idx="1">
+              <a:schemeClr val="accent1"/>
+            </a:fillRef>
+            <a:effectRef idx="0">
+              <a:schemeClr val="accent1"/>
+            </a:effectRef>
+            <a:fontRef idx="minor">
+              <a:schemeClr val="lt1"/>
+            </a:fontRef>
+          </p:style>
+          <p:txBody>
+            <a:bodyPr rtlCol="0" anchor="ctr"/>
+            <a:lstStyle/>
+            <a:p>
+              <a:pPr algn="ctr"/>
+              <a:endParaRPr lang="zh-CN" altLang="en-US"/>
+            </a:p>
+          </p:txBody>
+        </p:sp>
+        <p:grpSp>
+          <p:nvGrpSpPr>
+            <p:cNvPr id="117" name="组合 116">
+              <a:extLst>
+                <a:ext uri="{FF2B5EF4-FFF2-40B4-BE49-F238E27FC236}">
+                  <a16:creationId xmlns:a16="http://schemas.microsoft.com/office/drawing/2014/main" id="{26299DBF-F226-441B-B5A1-8413D032C249}"/>
+                </a:ext>
+              </a:extLst>
+            </p:cNvPr>
+            <p:cNvGrpSpPr/>
+            <p:nvPr/>
+          </p:nvGrpSpPr>
+          <p:grpSpPr>
+            <a:xfrm>
+              <a:off x="4361495" y="2168626"/>
+              <a:ext cx="631861" cy="505912"/>
+              <a:chOff x="4352288" y="2154125"/>
+              <a:chExt cx="631861" cy="505912"/>
+            </a:xfrm>
+          </p:grpSpPr>
+          <p:grpSp>
+            <p:nvGrpSpPr>
+              <p:cNvPr id="118" name="组合 117">
+                <a:extLst>
+                  <a:ext uri="{FF2B5EF4-FFF2-40B4-BE49-F238E27FC236}">
+                    <a16:creationId xmlns:a16="http://schemas.microsoft.com/office/drawing/2014/main" id="{B0FB92B7-03CC-4F6E-9C2B-574E4056824C}"/>
+                  </a:ext>
+                </a:extLst>
+              </p:cNvPr>
+              <p:cNvGrpSpPr/>
+              <p:nvPr/>
+            </p:nvGrpSpPr>
+            <p:grpSpPr>
+              <a:xfrm>
+                <a:off x="4352288" y="2154125"/>
+                <a:ext cx="577278" cy="428734"/>
+                <a:chOff x="5002526" y="2339452"/>
+                <a:chExt cx="577278" cy="428734"/>
+              </a:xfrm>
+            </p:grpSpPr>
+            <p:sp>
+              <p:nvSpPr>
+                <p:cNvPr id="122" name="矩形: 圆角 121">
+                  <a:extLst>
+                    <a:ext uri="{FF2B5EF4-FFF2-40B4-BE49-F238E27FC236}">
+                      <a16:creationId xmlns:a16="http://schemas.microsoft.com/office/drawing/2014/main" id="{D40E2E66-E2CD-4BFB-B9B7-1CCD0DDE78C5}"/>
+                    </a:ext>
+                  </a:extLst>
+                </p:cNvPr>
+                <p:cNvSpPr/>
+                <p:nvPr/>
+              </p:nvSpPr>
+              <p:spPr>
+                <a:xfrm>
+                  <a:off x="5002526" y="2360789"/>
+                  <a:ext cx="577278" cy="407397"/>
+                </a:xfrm>
+                <a:prstGeom prst="roundRect">
+                  <a:avLst/>
+                </a:prstGeom>
+                <a:solidFill>
+                  <a:srgbClr val="E2E2E2"/>
+                </a:solidFill>
+                <a:ln>
+                  <a:noFill/>
+                </a:ln>
+              </p:spPr>
+              <p:style>
+                <a:lnRef idx="2">
+                  <a:schemeClr val="accent1">
+                    <a:shade val="50000"/>
+                  </a:schemeClr>
+                </a:lnRef>
+                <a:fillRef idx="1">
+                  <a:schemeClr val="accent1"/>
+                </a:fillRef>
+                <a:effectRef idx="0">
+                  <a:schemeClr val="accent1"/>
+                </a:effectRef>
+                <a:fontRef idx="minor">
+                  <a:schemeClr val="lt1"/>
+                </a:fontRef>
+              </p:style>
+              <p:txBody>
+                <a:bodyPr rtlCol="0" anchor="ctr"/>
+                <a:lstStyle/>
+                <a:p>
+                  <a:pPr algn="ctr"/>
+                  <a:endParaRPr lang="zh-CN" altLang="en-US" dirty="0"/>
+                </a:p>
+              </p:txBody>
+            </p:sp>
+            <p:grpSp>
+              <p:nvGrpSpPr>
+                <p:cNvPr id="123" name="组合 122">
+                  <a:extLst>
+                    <a:ext uri="{FF2B5EF4-FFF2-40B4-BE49-F238E27FC236}">
+                      <a16:creationId xmlns:a16="http://schemas.microsoft.com/office/drawing/2014/main" id="{64D21BF2-B418-4C9F-8E73-D70F7BC4C4FC}"/>
+                    </a:ext>
+                  </a:extLst>
+                </p:cNvPr>
+                <p:cNvGrpSpPr/>
+                <p:nvPr/>
+              </p:nvGrpSpPr>
+              <p:grpSpPr>
+                <a:xfrm>
+                  <a:off x="5197075" y="2470175"/>
+                  <a:ext cx="196404" cy="298011"/>
+                  <a:chOff x="6992662" y="1309861"/>
+                  <a:chExt cx="534954" cy="883535"/>
+                </a:xfrm>
+              </p:grpSpPr>
+              <p:sp>
+                <p:nvSpPr>
+                  <p:cNvPr id="125" name="矩形: 圆角 9">
+                    <a:extLst>
+                      <a:ext uri="{FF2B5EF4-FFF2-40B4-BE49-F238E27FC236}">
+                        <a16:creationId xmlns:a16="http://schemas.microsoft.com/office/drawing/2014/main" id="{2BF9CEC6-E2B1-4702-AE39-C1E73C6F22DE}"/>
+                      </a:ext>
+                    </a:extLst>
+                  </p:cNvPr>
+                  <p:cNvSpPr/>
+                  <p:nvPr/>
+                </p:nvSpPr>
+                <p:spPr>
+                  <a:xfrm>
+                    <a:off x="6992662" y="1309861"/>
+                    <a:ext cx="534954" cy="883535"/>
+                  </a:xfrm>
+                  <a:custGeom>
+                    <a:avLst/>
+                    <a:gdLst>
+                      <a:gd name="connsiteX0" fmla="*/ 0 w 534954"/>
+                      <a:gd name="connsiteY0" fmla="*/ 267477 h 900000"/>
+                      <a:gd name="connsiteX1" fmla="*/ 267477 w 534954"/>
+                      <a:gd name="connsiteY1" fmla="*/ 0 h 900000"/>
+                      <a:gd name="connsiteX2" fmla="*/ 267477 w 534954"/>
+                      <a:gd name="connsiteY2" fmla="*/ 0 h 900000"/>
+                      <a:gd name="connsiteX3" fmla="*/ 534954 w 534954"/>
+                      <a:gd name="connsiteY3" fmla="*/ 267477 h 900000"/>
+                      <a:gd name="connsiteX4" fmla="*/ 534954 w 534954"/>
+                      <a:gd name="connsiteY4" fmla="*/ 632523 h 900000"/>
+                      <a:gd name="connsiteX5" fmla="*/ 267477 w 534954"/>
+                      <a:gd name="connsiteY5" fmla="*/ 900000 h 900000"/>
+                      <a:gd name="connsiteX6" fmla="*/ 267477 w 534954"/>
+                      <a:gd name="connsiteY6" fmla="*/ 900000 h 900000"/>
+                      <a:gd name="connsiteX7" fmla="*/ 0 w 534954"/>
+                      <a:gd name="connsiteY7" fmla="*/ 632523 h 900000"/>
+                      <a:gd name="connsiteX8" fmla="*/ 0 w 534954"/>
+                      <a:gd name="connsiteY8" fmla="*/ 267477 h 900000"/>
+                      <a:gd name="connsiteX0" fmla="*/ 0 w 534954"/>
+                      <a:gd name="connsiteY0" fmla="*/ 267477 h 900000"/>
+                      <a:gd name="connsiteX1" fmla="*/ 267477 w 534954"/>
+                      <a:gd name="connsiteY1" fmla="*/ 0 h 900000"/>
+                      <a:gd name="connsiteX2" fmla="*/ 267477 w 534954"/>
+                      <a:gd name="connsiteY2" fmla="*/ 0 h 900000"/>
+                      <a:gd name="connsiteX3" fmla="*/ 534954 w 534954"/>
+                      <a:gd name="connsiteY3" fmla="*/ 267477 h 900000"/>
+                      <a:gd name="connsiteX4" fmla="*/ 534954 w 534954"/>
+                      <a:gd name="connsiteY4" fmla="*/ 632523 h 900000"/>
+                      <a:gd name="connsiteX5" fmla="*/ 267477 w 534954"/>
+                      <a:gd name="connsiteY5" fmla="*/ 900000 h 900000"/>
+                      <a:gd name="connsiteX6" fmla="*/ 267477 w 534954"/>
+                      <a:gd name="connsiteY6" fmla="*/ 900000 h 900000"/>
+                      <a:gd name="connsiteX7" fmla="*/ 0 w 534954"/>
+                      <a:gd name="connsiteY7" fmla="*/ 632523 h 900000"/>
+                      <a:gd name="connsiteX8" fmla="*/ 0 w 534954"/>
+                      <a:gd name="connsiteY8" fmla="*/ 267477 h 900000"/>
+                      <a:gd name="connsiteX0" fmla="*/ 0 w 534954"/>
+                      <a:gd name="connsiteY0" fmla="*/ 267477 h 900000"/>
+                      <a:gd name="connsiteX1" fmla="*/ 267477 w 534954"/>
+                      <a:gd name="connsiteY1" fmla="*/ 0 h 900000"/>
+                      <a:gd name="connsiteX2" fmla="*/ 267477 w 534954"/>
+                      <a:gd name="connsiteY2" fmla="*/ 0 h 900000"/>
+                      <a:gd name="connsiteX3" fmla="*/ 534954 w 534954"/>
+                      <a:gd name="connsiteY3" fmla="*/ 267477 h 900000"/>
+                      <a:gd name="connsiteX4" fmla="*/ 534954 w 534954"/>
+                      <a:gd name="connsiteY4" fmla="*/ 632523 h 900000"/>
+                      <a:gd name="connsiteX5" fmla="*/ 267477 w 534954"/>
+                      <a:gd name="connsiteY5" fmla="*/ 900000 h 900000"/>
+                      <a:gd name="connsiteX6" fmla="*/ 267477 w 534954"/>
+                      <a:gd name="connsiteY6" fmla="*/ 900000 h 900000"/>
+                      <a:gd name="connsiteX7" fmla="*/ 0 w 534954"/>
+                      <a:gd name="connsiteY7" fmla="*/ 632523 h 900000"/>
+                      <a:gd name="connsiteX8" fmla="*/ 0 w 534954"/>
+                      <a:gd name="connsiteY8" fmla="*/ 267477 h 900000"/>
+                      <a:gd name="connsiteX0" fmla="*/ 0 w 534954"/>
+                      <a:gd name="connsiteY0" fmla="*/ 267477 h 900000"/>
+                      <a:gd name="connsiteX1" fmla="*/ 267477 w 534954"/>
+                      <a:gd name="connsiteY1" fmla="*/ 0 h 900000"/>
+                      <a:gd name="connsiteX2" fmla="*/ 267477 w 534954"/>
+                      <a:gd name="connsiteY2" fmla="*/ 0 h 900000"/>
+                      <a:gd name="connsiteX3" fmla="*/ 534954 w 534954"/>
+                      <a:gd name="connsiteY3" fmla="*/ 267477 h 900000"/>
+                      <a:gd name="connsiteX4" fmla="*/ 534954 w 534954"/>
+                      <a:gd name="connsiteY4" fmla="*/ 632523 h 900000"/>
+                      <a:gd name="connsiteX5" fmla="*/ 267477 w 534954"/>
+                      <a:gd name="connsiteY5" fmla="*/ 900000 h 900000"/>
+                      <a:gd name="connsiteX6" fmla="*/ 267477 w 534954"/>
+                      <a:gd name="connsiteY6" fmla="*/ 900000 h 900000"/>
+                      <a:gd name="connsiteX7" fmla="*/ 0 w 534954"/>
+                      <a:gd name="connsiteY7" fmla="*/ 632523 h 900000"/>
+                      <a:gd name="connsiteX8" fmla="*/ 0 w 534954"/>
+                      <a:gd name="connsiteY8" fmla="*/ 267477 h 900000"/>
+                      <a:gd name="connsiteX0" fmla="*/ 0 w 534954"/>
+                      <a:gd name="connsiteY0" fmla="*/ 267477 h 900000"/>
+                      <a:gd name="connsiteX1" fmla="*/ 267477 w 534954"/>
+                      <a:gd name="connsiteY1" fmla="*/ 0 h 900000"/>
+                      <a:gd name="connsiteX2" fmla="*/ 267477 w 534954"/>
+                      <a:gd name="connsiteY2" fmla="*/ 0 h 900000"/>
+                      <a:gd name="connsiteX3" fmla="*/ 534954 w 534954"/>
+                      <a:gd name="connsiteY3" fmla="*/ 267477 h 900000"/>
+                      <a:gd name="connsiteX4" fmla="*/ 534954 w 534954"/>
+                      <a:gd name="connsiteY4" fmla="*/ 632523 h 900000"/>
+                      <a:gd name="connsiteX5" fmla="*/ 267477 w 534954"/>
+                      <a:gd name="connsiteY5" fmla="*/ 900000 h 900000"/>
+                      <a:gd name="connsiteX6" fmla="*/ 267477 w 534954"/>
+                      <a:gd name="connsiteY6" fmla="*/ 900000 h 900000"/>
+                      <a:gd name="connsiteX7" fmla="*/ 0 w 534954"/>
+                      <a:gd name="connsiteY7" fmla="*/ 632523 h 900000"/>
+                      <a:gd name="connsiteX8" fmla="*/ 0 w 534954"/>
+                      <a:gd name="connsiteY8" fmla="*/ 267477 h 900000"/>
+                      <a:gd name="connsiteX0" fmla="*/ 0 w 534954"/>
+                      <a:gd name="connsiteY0" fmla="*/ 267477 h 900000"/>
+                      <a:gd name="connsiteX1" fmla="*/ 267477 w 534954"/>
+                      <a:gd name="connsiteY1" fmla="*/ 0 h 900000"/>
+                      <a:gd name="connsiteX2" fmla="*/ 267477 w 534954"/>
+                      <a:gd name="connsiteY2" fmla="*/ 0 h 900000"/>
+                      <a:gd name="connsiteX3" fmla="*/ 534954 w 534954"/>
+                      <a:gd name="connsiteY3" fmla="*/ 267477 h 900000"/>
+                      <a:gd name="connsiteX4" fmla="*/ 534954 w 534954"/>
+                      <a:gd name="connsiteY4" fmla="*/ 632523 h 900000"/>
+                      <a:gd name="connsiteX5" fmla="*/ 267477 w 534954"/>
+                      <a:gd name="connsiteY5" fmla="*/ 900000 h 900000"/>
+                      <a:gd name="connsiteX6" fmla="*/ 0 w 534954"/>
+                      <a:gd name="connsiteY6" fmla="*/ 632523 h 900000"/>
+                      <a:gd name="connsiteX7" fmla="*/ 0 w 534954"/>
+                      <a:gd name="connsiteY7" fmla="*/ 267477 h 900000"/>
+                      <a:gd name="connsiteX0" fmla="*/ 0 w 534954"/>
+                      <a:gd name="connsiteY0" fmla="*/ 267477 h 632523"/>
+                      <a:gd name="connsiteX1" fmla="*/ 267477 w 534954"/>
+                      <a:gd name="connsiteY1" fmla="*/ 0 h 632523"/>
+                      <a:gd name="connsiteX2" fmla="*/ 267477 w 534954"/>
+                      <a:gd name="connsiteY2" fmla="*/ 0 h 632523"/>
+                      <a:gd name="connsiteX3" fmla="*/ 534954 w 534954"/>
+                      <a:gd name="connsiteY3" fmla="*/ 267477 h 632523"/>
+                      <a:gd name="connsiteX4" fmla="*/ 534954 w 534954"/>
+                      <a:gd name="connsiteY4" fmla="*/ 632523 h 632523"/>
+                      <a:gd name="connsiteX5" fmla="*/ 0 w 534954"/>
+                      <a:gd name="connsiteY5" fmla="*/ 632523 h 632523"/>
+                      <a:gd name="connsiteX6" fmla="*/ 0 w 534954"/>
+                      <a:gd name="connsiteY6" fmla="*/ 267477 h 632523"/>
+                      <a:gd name="connsiteX0" fmla="*/ 0 w 534954"/>
+                      <a:gd name="connsiteY0" fmla="*/ 267477 h 632523"/>
+                      <a:gd name="connsiteX1" fmla="*/ 267477 w 534954"/>
+                      <a:gd name="connsiteY1" fmla="*/ 0 h 632523"/>
+                      <a:gd name="connsiteX2" fmla="*/ 267477 w 534954"/>
+                      <a:gd name="connsiteY2" fmla="*/ 0 h 632523"/>
+                      <a:gd name="connsiteX3" fmla="*/ 534954 w 534954"/>
+                      <a:gd name="connsiteY3" fmla="*/ 267477 h 632523"/>
+                      <a:gd name="connsiteX4" fmla="*/ 534954 w 534954"/>
+                      <a:gd name="connsiteY4" fmla="*/ 632523 h 632523"/>
+                      <a:gd name="connsiteX5" fmla="*/ 0 w 534954"/>
+                      <a:gd name="connsiteY5" fmla="*/ 632523 h 632523"/>
+                      <a:gd name="connsiteX6" fmla="*/ 0 w 534954"/>
+                      <a:gd name="connsiteY6" fmla="*/ 267477 h 632523"/>
+                      <a:gd name="connsiteX0" fmla="*/ 0 w 534954"/>
+                      <a:gd name="connsiteY0" fmla="*/ 267477 h 883535"/>
+                      <a:gd name="connsiteX1" fmla="*/ 267477 w 534954"/>
+                      <a:gd name="connsiteY1" fmla="*/ 0 h 883535"/>
+                      <a:gd name="connsiteX2" fmla="*/ 267477 w 534954"/>
+                      <a:gd name="connsiteY2" fmla="*/ 0 h 883535"/>
+                      <a:gd name="connsiteX3" fmla="*/ 534954 w 534954"/>
+                      <a:gd name="connsiteY3" fmla="*/ 267477 h 883535"/>
+                      <a:gd name="connsiteX4" fmla="*/ 534954 w 534954"/>
+                      <a:gd name="connsiteY4" fmla="*/ 632523 h 883535"/>
+                      <a:gd name="connsiteX5" fmla="*/ 0 w 534954"/>
+                      <a:gd name="connsiteY5" fmla="*/ 883535 h 883535"/>
+                      <a:gd name="connsiteX6" fmla="*/ 0 w 534954"/>
+                      <a:gd name="connsiteY6" fmla="*/ 267477 h 883535"/>
+                      <a:gd name="connsiteX0" fmla="*/ 0 w 534954"/>
+                      <a:gd name="connsiteY0" fmla="*/ 267477 h 883535"/>
+                      <a:gd name="connsiteX1" fmla="*/ 267477 w 534954"/>
+                      <a:gd name="connsiteY1" fmla="*/ 0 h 883535"/>
+                      <a:gd name="connsiteX2" fmla="*/ 267477 w 534954"/>
+                      <a:gd name="connsiteY2" fmla="*/ 0 h 883535"/>
+                      <a:gd name="connsiteX3" fmla="*/ 534954 w 534954"/>
+                      <a:gd name="connsiteY3" fmla="*/ 267477 h 883535"/>
+                      <a:gd name="connsiteX4" fmla="*/ 530472 w 534954"/>
+                      <a:gd name="connsiteY4" fmla="*/ 883535 h 883535"/>
+                      <a:gd name="connsiteX5" fmla="*/ 0 w 534954"/>
+                      <a:gd name="connsiteY5" fmla="*/ 883535 h 883535"/>
+                      <a:gd name="connsiteX6" fmla="*/ 0 w 534954"/>
+                      <a:gd name="connsiteY6" fmla="*/ 267477 h 883535"/>
+                    </a:gdLst>
+                    <a:ahLst/>
+                    <a:cxnLst>
+                      <a:cxn ang="0">
+                        <a:pos x="connsiteX0" y="connsiteY0"/>
+                      </a:cxn>
+                      <a:cxn ang="0">
+                        <a:pos x="connsiteX1" y="connsiteY1"/>
+                      </a:cxn>
+                      <a:cxn ang="0">
+                        <a:pos x="connsiteX2" y="connsiteY2"/>
+                      </a:cxn>
+                      <a:cxn ang="0">
+                        <a:pos x="connsiteX3" y="connsiteY3"/>
+                      </a:cxn>
+                      <a:cxn ang="0">
+                        <a:pos x="connsiteX4" y="connsiteY4"/>
+                      </a:cxn>
+                      <a:cxn ang="0">
+                        <a:pos x="connsiteX5" y="connsiteY5"/>
+                      </a:cxn>
+                      <a:cxn ang="0">
+                        <a:pos x="connsiteX6" y="connsiteY6"/>
+                      </a:cxn>
+                    </a:cxnLst>
+                    <a:rect l="l" t="t" r="r" b="b"/>
+                    <a:pathLst>
+                      <a:path w="534954" h="883535">
+                        <a:moveTo>
+                          <a:pt x="0" y="267477"/>
+                        </a:moveTo>
+                        <a:cubicBezTo>
+                          <a:pt x="0" y="119754"/>
+                          <a:pt x="119754" y="0"/>
+                          <a:pt x="267477" y="0"/>
+                        </a:cubicBezTo>
+                        <a:lnTo>
+                          <a:pt x="267477" y="0"/>
+                        </a:lnTo>
+                        <a:cubicBezTo>
+                          <a:pt x="415200" y="0"/>
+                          <a:pt x="534954" y="119754"/>
+                          <a:pt x="534954" y="267477"/>
+                        </a:cubicBezTo>
+                        <a:lnTo>
+                          <a:pt x="530472" y="883535"/>
+                        </a:lnTo>
+                        <a:lnTo>
+                          <a:pt x="0" y="883535"/>
+                        </a:lnTo>
+                        <a:lnTo>
+                          <a:pt x="0" y="267477"/>
+                        </a:lnTo>
+                        <a:close/>
+                      </a:path>
+                    </a:pathLst>
+                  </a:custGeom>
+                  <a:solidFill>
+                    <a:srgbClr val="0AB0FF">
+                      <a:alpha val="80000"/>
+                    </a:srgbClr>
+                  </a:solidFill>
+                  <a:ln>
+                    <a:noFill/>
+                  </a:ln>
+                  <a:effectLst/>
+                </p:spPr>
+                <p:style>
+                  <a:lnRef idx="2">
+                    <a:schemeClr val="accent1">
+                      <a:shade val="50000"/>
+                    </a:schemeClr>
+                  </a:lnRef>
+                  <a:fillRef idx="1">
+                    <a:schemeClr val="accent1"/>
+                  </a:fillRef>
+                  <a:effectRef idx="0">
+                    <a:schemeClr val="accent1"/>
+                  </a:effectRef>
+                  <a:fontRef idx="minor">
+                    <a:schemeClr val="lt1"/>
+                  </a:fontRef>
+                </p:style>
+                <p:txBody>
+                  <a:bodyPr rtlCol="0" anchor="ctr"/>
+                  <a:lstStyle/>
+                  <a:p>
+                    <a:pPr algn="ctr"/>
+                    <a:endParaRPr lang="zh-CN" altLang="en-US"/>
+                  </a:p>
+                </p:txBody>
+              </p:sp>
+              <p:sp>
+                <p:nvSpPr>
+                  <p:cNvPr id="126" name="任意多边形: 形状 125">
+                    <a:extLst>
+                      <a:ext uri="{FF2B5EF4-FFF2-40B4-BE49-F238E27FC236}">
+                        <a16:creationId xmlns:a16="http://schemas.microsoft.com/office/drawing/2014/main" id="{FC959A75-8CAD-4787-851D-473470AE2E1C}"/>
+                      </a:ext>
+                    </a:extLst>
+                  </p:cNvPr>
+                  <p:cNvSpPr/>
+                  <p:nvPr/>
+                </p:nvSpPr>
+                <p:spPr>
+                  <a:xfrm>
+                    <a:off x="6992662" y="1715341"/>
+                    <a:ext cx="532928" cy="478055"/>
+                  </a:xfrm>
+                  <a:custGeom>
+                    <a:avLst/>
+                    <a:gdLst>
+                      <a:gd name="connsiteX0" fmla="*/ 0 w 532928"/>
+                      <a:gd name="connsiteY0" fmla="*/ 0 h 478055"/>
+                      <a:gd name="connsiteX1" fmla="*/ 532928 w 532928"/>
+                      <a:gd name="connsiteY1" fmla="*/ 140520 h 478055"/>
+                      <a:gd name="connsiteX2" fmla="*/ 530472 w 532928"/>
+                      <a:gd name="connsiteY2" fmla="*/ 478055 h 478055"/>
+                      <a:gd name="connsiteX3" fmla="*/ 0 w 532928"/>
+                      <a:gd name="connsiteY3" fmla="*/ 478055 h 478055"/>
+                    </a:gdLst>
+                    <a:ahLst/>
+                    <a:cxnLst>
+                      <a:cxn ang="0">
+                        <a:pos x="connsiteX0" y="connsiteY0"/>
+                      </a:cxn>
+                      <a:cxn ang="0">
+                        <a:pos x="connsiteX1" y="connsiteY1"/>
+                      </a:cxn>
+                      <a:cxn ang="0">
+                        <a:pos x="connsiteX2" y="connsiteY2"/>
+                      </a:cxn>
+                      <a:cxn ang="0">
+                        <a:pos x="connsiteX3" y="connsiteY3"/>
+                      </a:cxn>
+                    </a:cxnLst>
+                    <a:rect l="l" t="t" r="r" b="b"/>
+                    <a:pathLst>
+                      <a:path w="532928" h="478055">
+                        <a:moveTo>
+                          <a:pt x="0" y="0"/>
+                        </a:moveTo>
+                        <a:lnTo>
+                          <a:pt x="532928" y="140520"/>
+                        </a:lnTo>
+                        <a:lnTo>
+                          <a:pt x="530472" y="478055"/>
+                        </a:lnTo>
+                        <a:lnTo>
+                          <a:pt x="0" y="478055"/>
+                        </a:lnTo>
+                        <a:close/>
+                      </a:path>
+                    </a:pathLst>
+                  </a:custGeom>
+                  <a:solidFill>
+                    <a:srgbClr val="0AB0FF"/>
+                  </a:solidFill>
+                  <a:ln>
+                    <a:noFill/>
+                  </a:ln>
+                  <a:effectLst/>
+                </p:spPr>
+                <p:style>
+                  <a:lnRef idx="2">
+                    <a:schemeClr val="accent1">
+                      <a:shade val="50000"/>
+                    </a:schemeClr>
+                  </a:lnRef>
+                  <a:fillRef idx="1">
+                    <a:schemeClr val="accent1"/>
+                  </a:fillRef>
+                  <a:effectRef idx="0">
+                    <a:schemeClr val="accent1"/>
+                  </a:effectRef>
+                  <a:fontRef idx="minor">
+                    <a:schemeClr val="lt1"/>
+                  </a:fontRef>
+                </p:style>
+                <p:txBody>
+                  <a:bodyPr wrap="square" rtlCol="0" anchor="ctr">
+                    <a:noAutofit/>
+                  </a:bodyPr>
+                  <a:lstStyle/>
+                  <a:p>
+                    <a:pPr algn="ctr"/>
+                    <a:endParaRPr lang="zh-CN" altLang="en-US"/>
+                  </a:p>
+                </p:txBody>
+              </p:sp>
+              <p:sp>
+                <p:nvSpPr>
+                  <p:cNvPr id="127" name="矩形: 圆角 126">
+                    <a:extLst>
+                      <a:ext uri="{FF2B5EF4-FFF2-40B4-BE49-F238E27FC236}">
+                        <a16:creationId xmlns:a16="http://schemas.microsoft.com/office/drawing/2014/main" id="{D9F6B4DC-BEAC-4216-A6CC-5D13C3B325A5}"/>
+                      </a:ext>
+                    </a:extLst>
+                  </p:cNvPr>
+                  <p:cNvSpPr>
+                    <a:spLocks noChangeAspect="1"/>
+                  </p:cNvSpPr>
+                  <p:nvPr/>
+                </p:nvSpPr>
+                <p:spPr>
+                  <a:xfrm rot="7916071">
+                    <a:off x="7053927" y="1749040"/>
+                    <a:ext cx="402400" cy="82800"/>
+                  </a:xfrm>
+                  <a:prstGeom prst="roundRect">
+                    <a:avLst>
+                      <a:gd name="adj" fmla="val 50000"/>
+                    </a:avLst>
+                  </a:prstGeom>
+                  <a:solidFill>
+                    <a:schemeClr val="bg1"/>
+                  </a:solidFill>
+                  <a:ln>
+                    <a:noFill/>
+                  </a:ln>
+                </p:spPr>
+                <p:style>
+                  <a:lnRef idx="2">
+                    <a:schemeClr val="accent1">
+                      <a:shade val="50000"/>
+                    </a:schemeClr>
+                  </a:lnRef>
+                  <a:fillRef idx="1">
+                    <a:schemeClr val="accent1"/>
+                  </a:fillRef>
+                  <a:effectRef idx="0">
+                    <a:schemeClr val="accent1"/>
+                  </a:effectRef>
+                  <a:fontRef idx="minor">
+                    <a:schemeClr val="lt1"/>
+                  </a:fontRef>
+                </p:style>
+                <p:txBody>
+                  <a:bodyPr rtlCol="0" anchor="ctr"/>
+                  <a:lstStyle/>
+                  <a:p>
+                    <a:pPr algn="ctr"/>
+                    <a:endParaRPr lang="zh-CN" altLang="en-US"/>
+                  </a:p>
+                </p:txBody>
+              </p:sp>
+            </p:grpSp>
+            <p:sp>
+              <p:nvSpPr>
+                <p:cNvPr id="124" name="矩形 123">
+                  <a:extLst>
+                    <a:ext uri="{FF2B5EF4-FFF2-40B4-BE49-F238E27FC236}">
+                      <a16:creationId xmlns:a16="http://schemas.microsoft.com/office/drawing/2014/main" id="{896038F1-2A22-4FD7-9034-5967B03DBA4A}"/>
+                    </a:ext>
+                  </a:extLst>
+                </p:cNvPr>
+                <p:cNvSpPr/>
+                <p:nvPr/>
+              </p:nvSpPr>
+              <p:spPr>
+                <a:xfrm>
+                  <a:off x="5002526" y="2339452"/>
+                  <a:ext cx="577278" cy="102744"/>
+                </a:xfrm>
+                <a:prstGeom prst="rect">
+                  <a:avLst/>
+                </a:prstGeom>
+                <a:solidFill>
+                  <a:schemeClr val="bg1">
+                    <a:lumMod val="65000"/>
+                  </a:schemeClr>
+                </a:solidFill>
+                <a:ln>
+                  <a:noFill/>
+                </a:ln>
+              </p:spPr>
+              <p:style>
+                <a:lnRef idx="2">
+                  <a:schemeClr val="accent1">
+                    <a:shade val="50000"/>
+                  </a:schemeClr>
+                </a:lnRef>
+                <a:fillRef idx="1">
+                  <a:schemeClr val="accent1"/>
+                </a:fillRef>
+                <a:effectRef idx="0">
+                  <a:schemeClr val="accent1"/>
+                </a:effectRef>
+                <a:fontRef idx="minor">
+                  <a:schemeClr val="lt1"/>
+                </a:fontRef>
+              </p:style>
+              <p:txBody>
+                <a:bodyPr rtlCol="0" anchor="ctr"/>
+                <a:lstStyle/>
+                <a:p>
+                  <a:pPr algn="ctr"/>
+                  <a:endParaRPr lang="zh-CN" altLang="en-US" dirty="0"/>
+                </a:p>
+              </p:txBody>
+            </p:sp>
+          </p:grpSp>
+          <p:sp>
+            <p:nvSpPr>
+              <p:cNvPr id="119" name="矩形: 圆角 118">
+                <a:extLst>
+                  <a:ext uri="{FF2B5EF4-FFF2-40B4-BE49-F238E27FC236}">
+                    <a16:creationId xmlns:a16="http://schemas.microsoft.com/office/drawing/2014/main" id="{EBA30771-3E7C-43F5-A96B-1A17C4A9801A}"/>
+                  </a:ext>
+                </a:extLst>
+              </p:cNvPr>
+              <p:cNvSpPr/>
+              <p:nvPr/>
+            </p:nvSpPr>
+            <p:spPr>
+              <a:xfrm>
+                <a:off x="4406871" y="2231303"/>
+                <a:ext cx="577278" cy="428734"/>
+              </a:xfrm>
+              <a:prstGeom prst="roundRect">
+                <a:avLst/>
+              </a:prstGeom>
+              <a:solidFill>
+                <a:schemeClr val="bg1">
+                  <a:lumMod val="95000"/>
+                </a:schemeClr>
+              </a:solidFill>
+              <a:ln>
+                <a:noFill/>
+              </a:ln>
+            </p:spPr>
+            <p:style>
+              <a:lnRef idx="2">
+                <a:schemeClr val="accent1">
+                  <a:shade val="50000"/>
+                </a:schemeClr>
+              </a:lnRef>
+              <a:fillRef idx="1">
+                <a:schemeClr val="accent1"/>
+              </a:fillRef>
+              <a:effectRef idx="0">
+                <a:schemeClr val="accent1"/>
+              </a:effectRef>
+              <a:fontRef idx="minor">
+                <a:schemeClr val="lt1"/>
+              </a:fontRef>
+            </p:style>
+            <p:txBody>
+              <a:bodyPr rtlCol="0" anchor="ctr"/>
+              <a:lstStyle/>
+              <a:p>
+                <a:pPr algn="ctr"/>
+                <a:endParaRPr lang="zh-CN" altLang="en-US"/>
+              </a:p>
+            </p:txBody>
+          </p:sp>
+          <p:sp>
+            <p:nvSpPr>
+              <p:cNvPr id="120" name="矩形 119">
+                <a:extLst>
+                  <a:ext uri="{FF2B5EF4-FFF2-40B4-BE49-F238E27FC236}">
+                    <a16:creationId xmlns:a16="http://schemas.microsoft.com/office/drawing/2014/main" id="{D772942E-285A-4279-BD15-7254C08D631F}"/>
+                  </a:ext>
+                </a:extLst>
+              </p:cNvPr>
+              <p:cNvSpPr/>
+              <p:nvPr/>
+            </p:nvSpPr>
+            <p:spPr>
+              <a:xfrm>
+                <a:off x="4405753" y="2229397"/>
+                <a:ext cx="577278" cy="102744"/>
+              </a:xfrm>
+              <a:prstGeom prst="rect">
+                <a:avLst/>
+              </a:prstGeom>
+              <a:solidFill>
+                <a:schemeClr val="bg1">
+                  <a:lumMod val="95000"/>
+                </a:schemeClr>
+              </a:solidFill>
+              <a:ln>
+                <a:noFill/>
+              </a:ln>
+            </p:spPr>
+            <p:style>
+              <a:lnRef idx="2">
+                <a:schemeClr val="accent1">
+                  <a:shade val="50000"/>
+                </a:schemeClr>
+              </a:lnRef>
+              <a:fillRef idx="1">
+                <a:schemeClr val="accent1"/>
+              </a:fillRef>
+              <a:effectRef idx="0">
+                <a:schemeClr val="accent1"/>
+              </a:effectRef>
+              <a:fontRef idx="minor">
+                <a:schemeClr val="lt1"/>
+              </a:fontRef>
+            </p:style>
+            <p:txBody>
+              <a:bodyPr rtlCol="0" anchor="ctr"/>
+              <a:lstStyle/>
+              <a:p>
+                <a:pPr algn="ctr"/>
+                <a:endParaRPr lang="zh-CN" altLang="en-US"/>
+              </a:p>
+            </p:txBody>
+          </p:sp>
+          <p:sp>
+            <p:nvSpPr>
+              <p:cNvPr id="121" name="矩形 120">
+                <a:extLst>
+                  <a:ext uri="{FF2B5EF4-FFF2-40B4-BE49-F238E27FC236}">
+                    <a16:creationId xmlns:a16="http://schemas.microsoft.com/office/drawing/2014/main" id="{987EAAF4-95D3-4354-9AC2-12ABAE89DC03}"/>
+                  </a:ext>
+                </a:extLst>
+              </p:cNvPr>
+              <p:cNvSpPr/>
+              <p:nvPr/>
+            </p:nvSpPr>
+            <p:spPr>
+              <a:xfrm>
+                <a:off x="4406871" y="2229194"/>
+                <a:ext cx="577278" cy="102744"/>
+              </a:xfrm>
+              <a:prstGeom prst="rect">
+                <a:avLst/>
+              </a:prstGeom>
+              <a:solidFill>
+                <a:srgbClr val="3BBEFF"/>
+              </a:solidFill>
+              <a:ln>
+                <a:noFill/>
+              </a:ln>
+            </p:spPr>
+            <p:style>
+              <a:lnRef idx="2">
+                <a:schemeClr val="accent1">
+                  <a:shade val="50000"/>
+                </a:schemeClr>
+              </a:lnRef>
+              <a:fillRef idx="1">
+                <a:schemeClr val="accent1"/>
+              </a:fillRef>
+              <a:effectRef idx="0">
+                <a:schemeClr val="accent1"/>
+              </a:effectRef>
+              <a:fontRef idx="minor">
+                <a:schemeClr val="lt1"/>
+              </a:fontRef>
+            </p:style>
+            <p:txBody>
+              <a:bodyPr rtlCol="0" anchor="ctr"/>
+              <a:lstStyle/>
+              <a:p>
+                <a:pPr algn="ctr"/>
+                <a:endParaRPr lang="zh-CN" altLang="en-US"/>
+              </a:p>
+            </p:txBody>
+          </p:sp>
+        </p:grpSp>
+      </p:grpSp>
+      <p:sp>
+        <p:nvSpPr>
+          <p:cNvPr id="128" name="文本框 127">
+            <a:extLst>
+              <a:ext uri="{FF2B5EF4-FFF2-40B4-BE49-F238E27FC236}">
+                <a16:creationId xmlns:a16="http://schemas.microsoft.com/office/drawing/2014/main" id="{E655E074-68A0-4B3F-B4BF-1A48BB5F150C}"/>
+              </a:ext>
+            </a:extLst>
+          </p:cNvPr>
+          <p:cNvSpPr txBox="1"/>
+          <p:nvPr/>
+        </p:nvSpPr>
+        <p:spPr>
+          <a:xfrm>
+            <a:off x="1496339" y="3598106"/>
+            <a:ext cx="1569660" cy="276999"/>
+          </a:xfrm>
+          <a:prstGeom prst="rect">
+            <a:avLst/>
+          </a:prstGeom>
+          <a:noFill/>
+        </p:spPr>
+        <p:txBody>
+          <a:bodyPr wrap="none" rtlCol="0">
+            <a:spAutoFit/>
+          </a:bodyPr>
+          <a:lstStyle/>
+          <a:p>
+            <a:r>
+              <a:rPr lang="zh-CN" altLang="en-US" sz="1200" dirty="0">
+                <a:solidFill>
+                  <a:schemeClr val="bg1">
+                    <a:lumMod val="85000"/>
+                  </a:schemeClr>
+                </a:solidFill>
+                <a:latin typeface="微软雅黑" panose="020B0503020204020204" pitchFamily="34" charset="-122"/>
+                <a:ea typeface="微软雅黑" panose="020B0503020204020204" pitchFamily="34" charset="-122"/>
+              </a:rPr>
+              <a:t>欢迎使用拖控件大法</a:t>
+            </a:r>
+          </a:p>
+        </p:txBody>
+      </p:sp>
+    </p:spTree>
+    <p:extLst>
+      <p:ext uri="{BB962C8B-B14F-4D97-AF65-F5344CB8AC3E}">
+        <p14:creationId xmlns:p14="http://schemas.microsoft.com/office/powerpoint/2010/main" val="4184400057"/>
       </p:ext>
     </p:extLst>
   </p:cSld>
